--- a/trunk/CSOF5100 Proyecto 1/Tercera Entrega/EntregaFinalIngenium.pptx
+++ b/trunk/CSOF5100 Proyecto 1/Tercera Entrega/EntregaFinalIngenium.pptx
@@ -5,19 +5,21 @@
     <p:sldMasterId id="2147483876" r:id="rId1"/>
   </p:sldMasterIdLst>
   <p:notesMasterIdLst>
-    <p:notesMasterId r:id="rId12"/>
+    <p:notesMasterId r:id="rId14"/>
   </p:notesMasterIdLst>
   <p:sldIdLst>
     <p:sldId id="256" r:id="rId2"/>
-    <p:sldId id="288" r:id="rId3"/>
-    <p:sldId id="289" r:id="rId4"/>
-    <p:sldId id="311" r:id="rId5"/>
-    <p:sldId id="312" r:id="rId6"/>
-    <p:sldId id="314" r:id="rId7"/>
-    <p:sldId id="313" r:id="rId8"/>
-    <p:sldId id="315" r:id="rId9"/>
-    <p:sldId id="316" r:id="rId10"/>
-    <p:sldId id="317" r:id="rId11"/>
+    <p:sldId id="318" r:id="rId3"/>
+    <p:sldId id="288" r:id="rId4"/>
+    <p:sldId id="289" r:id="rId5"/>
+    <p:sldId id="311" r:id="rId6"/>
+    <p:sldId id="313" r:id="rId7"/>
+    <p:sldId id="312" r:id="rId8"/>
+    <p:sldId id="314" r:id="rId9"/>
+    <p:sldId id="315" r:id="rId10"/>
+    <p:sldId id="316" r:id="rId11"/>
+    <p:sldId id="319" r:id="rId12"/>
+    <p:sldId id="317" r:id="rId13"/>
   </p:sldIdLst>
   <p:sldSz cx="9144000" cy="6858000" type="screen4x3"/>
   <p:notesSz cx="6858000" cy="9144000"/>
@@ -201,6 +203,7 @@
           <a:p>
             <a:fld id="{BF85D653-5FE0-42C2-9D9C-E3D5F26098D2}" type="datetimeFigureOut">
               <a:rPr lang="es-CO" smtClean="0"/>
+              <a:pPr/>
               <a:t>18/05/2011</a:t>
             </a:fld>
             <a:endParaRPr lang="es-CO"/>
@@ -362,6 +365,7 @@
           <a:p>
             <a:fld id="{6E195558-F735-488E-B766-BCBB520D0067}" type="slidenum">
               <a:rPr lang="es-CO" smtClean="0"/>
+              <a:pPr/>
               <a:t>‹Nº›</a:t>
             </a:fld>
             <a:endParaRPr lang="es-CO"/>
@@ -533,7 +537,8 @@
           <a:p>
             <a:fld id="{6E195558-F735-488E-B766-BCBB520D0067}" type="slidenum">
               <a:rPr lang="es-CO" smtClean="0"/>
-              <a:t>3</a:t>
+              <a:pPr/>
+              <a:t>4</a:t>
             </a:fld>
             <a:endParaRPr lang="es-CO"/>
           </a:p>
@@ -614,7 +619,8 @@
           <a:p>
             <a:fld id="{6E195558-F735-488E-B766-BCBB520D0067}" type="slidenum">
               <a:rPr lang="es-CO" smtClean="0"/>
-              <a:t>4</a:t>
+              <a:pPr/>
+              <a:t>5</a:t>
             </a:fld>
             <a:endParaRPr lang="es-CO"/>
           </a:p>
@@ -695,7 +701,8 @@
           <a:p>
             <a:fld id="{6E195558-F735-488E-B766-BCBB520D0067}" type="slidenum">
               <a:rPr lang="es-CO" smtClean="0"/>
-              <a:t>5</a:t>
+              <a:pPr/>
+              <a:t>6</a:t>
             </a:fld>
             <a:endParaRPr lang="es-CO"/>
           </a:p>
@@ -776,7 +783,8 @@
           <a:p>
             <a:fld id="{6E195558-F735-488E-B766-BCBB520D0067}" type="slidenum">
               <a:rPr lang="es-CO" smtClean="0"/>
-              <a:t>6</a:t>
+              <a:pPr/>
+              <a:t>7</a:t>
             </a:fld>
             <a:endParaRPr lang="es-CO"/>
           </a:p>
@@ -857,7 +865,8 @@
           <a:p>
             <a:fld id="{6E195558-F735-488E-B766-BCBB520D0067}" type="slidenum">
               <a:rPr lang="es-CO" smtClean="0"/>
-              <a:t>7</a:t>
+              <a:pPr/>
+              <a:t>8</a:t>
             </a:fld>
             <a:endParaRPr lang="es-CO"/>
           </a:p>
@@ -938,7 +947,8 @@
           <a:p>
             <a:fld id="{6E195558-F735-488E-B766-BCBB520D0067}" type="slidenum">
               <a:rPr lang="es-CO" smtClean="0"/>
-              <a:t>8</a:t>
+              <a:pPr/>
+              <a:t>9</a:t>
             </a:fld>
             <a:endParaRPr lang="es-CO"/>
           </a:p>
@@ -1019,7 +1029,8 @@
           <a:p>
             <a:fld id="{6E195558-F735-488E-B766-BCBB520D0067}" type="slidenum">
               <a:rPr lang="es-CO" smtClean="0"/>
-              <a:t>9</a:t>
+              <a:pPr/>
+              <a:t>10</a:t>
             </a:fld>
             <a:endParaRPr lang="es-CO"/>
           </a:p>
@@ -1100,7 +1111,90 @@
           <a:p>
             <a:fld id="{6E195558-F735-488E-B766-BCBB520D0067}" type="slidenum">
               <a:rPr lang="es-CO" smtClean="0"/>
-              <a:t>10</a:t>
+              <a:pPr/>
+              <a:t>11</a:t>
+            </a:fld>
+            <a:endParaRPr lang="es-CO"/>
+          </a:p>
+        </p:txBody>
+      </p:sp>
+    </p:spTree>
+  </p:cSld>
+  <p:clrMapOvr>
+    <a:masterClrMapping/>
+  </p:clrMapOvr>
+</p:notes>
+</file>
+
+<file path=ppt/notesSlides/notesSlide9.xml><?xml version="1.0" encoding="utf-8"?>
+<p:notes xmlns:a="http://schemas.openxmlformats.org/drawingml/2006/main" xmlns:r="http://schemas.openxmlformats.org/officeDocument/2006/relationships" xmlns:p="http://schemas.openxmlformats.org/presentationml/2006/main">
+  <p:cSld>
+    <p:spTree>
+      <p:nvGrpSpPr>
+        <p:cNvPr id="1" name=""/>
+        <p:cNvGrpSpPr/>
+        <p:nvPr/>
+      </p:nvGrpSpPr>
+      <p:grpSpPr>
+        <a:xfrm>
+          <a:off x="0" y="0"/>
+          <a:ext cx="0" cy="0"/>
+          <a:chOff x="0" y="0"/>
+          <a:chExt cx="0" cy="0"/>
+        </a:xfrm>
+      </p:grpSpPr>
+      <p:sp>
+        <p:nvSpPr>
+          <p:cNvPr id="2" name="1 Marcador de imagen de diapositiva"/>
+          <p:cNvSpPr>
+            <a:spLocks noGrp="1" noRot="1" noChangeAspect="1"/>
+          </p:cNvSpPr>
+          <p:nvPr>
+            <p:ph type="sldImg"/>
+          </p:nvPr>
+        </p:nvSpPr>
+        <p:spPr/>
+      </p:sp>
+      <p:sp>
+        <p:nvSpPr>
+          <p:cNvPr id="3" name="2 Marcador de notas"/>
+          <p:cNvSpPr>
+            <a:spLocks noGrp="1"/>
+          </p:cNvSpPr>
+          <p:nvPr>
+            <p:ph type="body" idx="1"/>
+          </p:nvPr>
+        </p:nvSpPr>
+        <p:spPr/>
+        <p:txBody>
+          <a:bodyPr>
+            <a:normAutofit/>
+          </a:bodyPr>
+          <a:lstStyle/>
+          <a:p>
+            <a:endParaRPr lang="es-CO" dirty="0"/>
+          </a:p>
+        </p:txBody>
+      </p:sp>
+      <p:sp>
+        <p:nvSpPr>
+          <p:cNvPr id="4" name="3 Marcador de número de diapositiva"/>
+          <p:cNvSpPr>
+            <a:spLocks noGrp="1"/>
+          </p:cNvSpPr>
+          <p:nvPr>
+            <p:ph type="sldNum" sz="quarter" idx="10"/>
+          </p:nvPr>
+        </p:nvSpPr>
+        <p:spPr/>
+        <p:txBody>
+          <a:bodyPr/>
+          <a:lstStyle/>
+          <a:p>
+            <a:fld id="{6E195558-F735-488E-B766-BCBB520D0067}" type="slidenum">
+              <a:rPr lang="es-CO" smtClean="0"/>
+              <a:pPr/>
+              <a:t>12</a:t>
             </a:fld>
             <a:endParaRPr lang="es-CO"/>
           </a:p>
@@ -4068,32 +4162,6 @@
       </p:grpSpPr>
       <p:pic>
         <p:nvPicPr>
-          <p:cNvPr id="14" name="Picture 2" descr="C:\Users\Erik\Desktop\mapamundi blank.png"/>
-          <p:cNvPicPr>
-            <a:picLocks noChangeAspect="1" noChangeArrowheads="1"/>
-          </p:cNvPicPr>
-          <p:nvPr/>
-        </p:nvPicPr>
-        <p:blipFill>
-          <a:blip r:embed="rId2"/>
-          <a:srcRect/>
-          <a:stretch>
-            <a:fillRect/>
-          </a:stretch>
-        </p:blipFill>
-        <p:spPr bwMode="auto">
-          <a:xfrm>
-            <a:off x="3889322" y="4052074"/>
-            <a:ext cx="4897520" cy="2448760"/>
-          </a:xfrm>
-          <a:prstGeom prst="rect">
-            <a:avLst/>
-          </a:prstGeom>
-          <a:noFill/>
-        </p:spPr>
-      </p:pic>
-      <p:pic>
-        <p:nvPicPr>
           <p:cNvPr id="4" name="3 Imagen"/>
           <p:cNvPicPr>
             <a:picLocks noChangeAspect="1"/>
@@ -4101,7 +4169,7 @@
           <p:nvPr/>
         </p:nvPicPr>
         <p:blipFill>
-          <a:blip r:embed="rId3" cstate="print"/>
+          <a:blip r:embed="rId2" cstate="print"/>
           <a:srcRect l="3380"/>
           <a:stretch>
             <a:fillRect/>
@@ -4133,7 +4201,7 @@
           <p:nvPr/>
         </p:nvPicPr>
         <p:blipFill>
-          <a:blip r:embed="rId4"/>
+          <a:blip r:embed="rId3"/>
           <a:srcRect/>
           <a:stretch>
             <a:fillRect/>
@@ -4190,111 +4258,6 @@
           <a:xfrm>
             <a:off x="4714876" y="1357298"/>
             <a:ext cx="4429124" cy="1588"/>
-          </a:xfrm>
-          <a:prstGeom prst="line">
-            <a:avLst/>
-          </a:prstGeom>
-        </p:spPr>
-        <p:style>
-          <a:lnRef idx="3">
-            <a:schemeClr val="accent6"/>
-          </a:lnRef>
-          <a:fillRef idx="0">
-            <a:schemeClr val="accent6"/>
-          </a:fillRef>
-          <a:effectRef idx="2">
-            <a:schemeClr val="accent6"/>
-          </a:effectRef>
-          <a:fontRef idx="minor">
-            <a:schemeClr val="tx1"/>
-          </a:fontRef>
-        </p:style>
-      </p:cxnSp>
-      <p:sp>
-        <p:nvSpPr>
-          <p:cNvPr id="8" name="7 CuadroTexto"/>
-          <p:cNvSpPr txBox="1"/>
-          <p:nvPr/>
-        </p:nvSpPr>
-        <p:spPr>
-          <a:xfrm>
-            <a:off x="6143636" y="1714488"/>
-            <a:ext cx="2786050" cy="1738938"/>
-          </a:xfrm>
-          <a:prstGeom prst="rect">
-            <a:avLst/>
-          </a:prstGeom>
-          <a:noFill/>
-        </p:spPr>
-        <p:txBody>
-          <a:bodyPr wrap="square" rtlCol="0">
-            <a:spAutoFit/>
-          </a:bodyPr>
-          <a:lstStyle/>
-          <a:p>
-            <a:r>
-              <a:rPr lang="es-CO" sz="1600" b="1" i="1" dirty="0" smtClean="0"/>
-              <a:t>200819123      Carlos González</a:t>
-            </a:r>
-          </a:p>
-          <a:p>
-            <a:r>
-              <a:rPr lang="es-CO" sz="1600" b="1" i="1" dirty="0" smtClean="0"/>
-              <a:t>201110951      Sandra Gómez</a:t>
-            </a:r>
-          </a:p>
-          <a:p>
-            <a:r>
-              <a:rPr lang="es-CO" sz="1600" b="1" i="1" dirty="0" smtClean="0"/>
-              <a:t>201110949      Andrés Erazo</a:t>
-            </a:r>
-          </a:p>
-          <a:p>
-            <a:r>
-              <a:rPr lang="es-CO" sz="1600" b="1" i="1" dirty="0" smtClean="0"/>
-              <a:t>201117818      David Pérez</a:t>
-            </a:r>
-          </a:p>
-          <a:p>
-            <a:r>
-              <a:rPr lang="es-CO" sz="1600" b="1" i="1" dirty="0" smtClean="0"/>
-              <a:t>201110544      </a:t>
-            </a:r>
-            <a:r>
-              <a:rPr lang="es-CO" sz="1600" b="1" i="1" dirty="0" err="1" smtClean="0"/>
-              <a:t>Willian</a:t>
-            </a:r>
-            <a:r>
-              <a:rPr lang="es-CO" sz="1600" b="1" i="1" dirty="0" smtClean="0"/>
-              <a:t> </a:t>
-            </a:r>
-            <a:r>
-              <a:rPr lang="es-CO" sz="1600" b="1" i="1" dirty="0" err="1" smtClean="0"/>
-              <a:t>Idrobo</a:t>
-            </a:r>
-            <a:endParaRPr lang="es-CO" sz="1600" b="1" i="1" dirty="0" smtClean="0"/>
-          </a:p>
-          <a:p>
-            <a:r>
-              <a:rPr lang="es-CO" sz="1600" b="1" i="1" dirty="0" smtClean="0"/>
-              <a:t>201110856      Erik Arcos</a:t>
-            </a:r>
-          </a:p>
-          <a:p>
-            <a:endParaRPr lang="es-CO" sz="1100" b="1" i="1" dirty="0"/>
-          </a:p>
-        </p:txBody>
-      </p:sp>
-      <p:cxnSp>
-        <p:nvCxnSpPr>
-          <p:cNvPr id="9" name="8 Conector recto"/>
-          <p:cNvCxnSpPr/>
-          <p:nvPr/>
-        </p:nvCxnSpPr>
-        <p:spPr>
-          <a:xfrm rot="5400000" flipH="1" flipV="1">
-            <a:off x="6287306" y="2571744"/>
-            <a:ext cx="2000264" cy="1588"/>
           </a:xfrm>
           <a:prstGeom prst="line">
             <a:avLst/>
@@ -4324,7 +4287,7 @@
           <p:nvPr/>
         </p:nvPicPr>
         <p:blipFill>
-          <a:blip r:embed="rId5" cstate="print">
+          <a:blip r:embed="rId4" cstate="print">
             <a:clrChange>
               <a:clrFrom>
                 <a:srgbClr val="FFFFFF"/>
@@ -4358,101 +4321,6 @@
           </a:ln>
         </p:spPr>
       </p:pic>
-      <p:sp>
-        <p:nvSpPr>
-          <p:cNvPr id="12" name="11 Rectángulo"/>
-          <p:cNvSpPr/>
-          <p:nvPr/>
-        </p:nvSpPr>
-        <p:spPr>
-          <a:xfrm>
-            <a:off x="2143108" y="4214818"/>
-            <a:ext cx="3500462" cy="769441"/>
-          </a:xfrm>
-          <a:prstGeom prst="rect">
-            <a:avLst/>
-          </a:prstGeom>
-          <a:noFill/>
-        </p:spPr>
-        <p:txBody>
-          <a:bodyPr wrap="square" lIns="91440" tIns="45720" rIns="91440" bIns="45720">
-            <a:spAutoFit/>
-            <a:scene3d>
-              <a:camera prst="orthographicFront"/>
-              <a:lightRig rig="soft" dir="tl">
-                <a:rot lat="0" lon="0" rev="0"/>
-              </a:lightRig>
-            </a:scene3d>
-            <a:sp3d contourW="25400" prstMaterial="matte">
-              <a:bevelT w="25400" h="55880" prst="artDeco"/>
-              <a:contourClr>
-                <a:schemeClr val="accent2">
-                  <a:tint val="20000"/>
-                </a:schemeClr>
-              </a:contourClr>
-            </a:sp3d>
-          </a:bodyPr>
-          <a:lstStyle/>
-          <a:p>
-            <a:pPr algn="ctr"/>
-            <a:r>
-              <a:rPr lang="es-ES" sz="4400" b="1" spc="50" dirty="0" smtClean="0">
-                <a:ln w="11430"/>
-                <a:gradFill>
-                  <a:gsLst>
-                    <a:gs pos="25000">
-                      <a:schemeClr val="accent2">
-                        <a:satMod val="155000"/>
-                      </a:schemeClr>
-                    </a:gs>
-                    <a:gs pos="100000">
-                      <a:schemeClr val="accent2">
-                        <a:shade val="45000"/>
-                        <a:satMod val="165000"/>
-                      </a:schemeClr>
-                    </a:gs>
-                  </a:gsLst>
-                  <a:lin ang="5400000"/>
-                </a:gradFill>
-                <a:effectLst>
-                  <a:outerShdw blurRad="76200" dist="50800" dir="5400000" algn="tl" rotWithShape="0">
-                    <a:srgbClr val="000000">
-                      <a:alpha val="65000"/>
-                    </a:srgbClr>
-                  </a:outerShdw>
-                </a:effectLst>
-              </a:rPr>
-              <a:t>Internacional</a:t>
-            </a:r>
-            <a:endParaRPr lang="es-ES" sz="4400" b="1" spc="50" dirty="0">
-              <a:ln w="11430"/>
-              <a:gradFill>
-                <a:gsLst>
-                  <a:gs pos="25000">
-                    <a:schemeClr val="accent2">
-                      <a:satMod val="155000"/>
-                    </a:schemeClr>
-                  </a:gs>
-                  <a:gs pos="100000">
-                    <a:schemeClr val="accent2">
-                      <a:shade val="45000"/>
-                      <a:satMod val="165000"/>
-                    </a:schemeClr>
-                  </a:gs>
-                </a:gsLst>
-                <a:lin ang="5400000"/>
-              </a:gradFill>
-              <a:effectLst>
-                <a:outerShdw blurRad="76200" dist="50800" dir="5400000" algn="tl" rotWithShape="0">
-                  <a:srgbClr val="000000">
-                    <a:alpha val="65000"/>
-                  </a:srgbClr>
-                </a:outerShdw>
-              </a:effectLst>
-            </a:endParaRPr>
-          </a:p>
-        </p:txBody>
-      </p:sp>
     </p:spTree>
   </p:cSld>
   <p:clrMapOvr>
@@ -4578,14 +4446,14 @@
         <p:spPr>
           <a:xfrm>
             <a:off x="457200" y="928670"/>
-            <a:ext cx="4829180" cy="439718"/>
+            <a:ext cx="2043098" cy="857256"/>
           </a:xfrm>
           <a:prstGeom prst="rect">
             <a:avLst/>
           </a:prstGeom>
         </p:spPr>
         <p:txBody>
-          <a:bodyPr vert="horz" lIns="91440" tIns="45720" rIns="91440" bIns="45720" rtlCol="0" anchor="ctr">
+          <a:bodyPr vert="horz" lIns="91440" tIns="45720" rIns="91440" bIns="45720" rtlCol="0" anchor="t">
             <a:noAutofit/>
           </a:bodyPr>
           <a:lstStyle/>
@@ -4628,7 +4496,53 @@
                 <a:ea typeface="+mj-ea"/>
                 <a:cs typeface="+mj-cs"/>
               </a:rPr>
-              <a:t>Preguntas?</a:t>
+              <a:t>Blue </a:t>
+            </a:r>
+            <a:r>
+              <a:rPr kumimoji="0" lang="es-CO" sz="2400" i="1" u="none" strike="noStrike" kern="1200" cap="none" spc="0" normalizeH="0" baseline="0" noProof="0" dirty="0" err="1" smtClean="0">
+                <a:ln>
+                  <a:noFill/>
+                </a:ln>
+                <a:solidFill>
+                  <a:schemeClr val="tx1"/>
+                </a:solidFill>
+                <a:effectLst>
+                  <a:outerShdw blurRad="38100" dist="38100" dir="2700000" algn="tl">
+                    <a:srgbClr val="000000">
+                      <a:alpha val="43137"/>
+                    </a:srgbClr>
+                  </a:outerShdw>
+                </a:effectLst>
+                <a:uLnTx/>
+                <a:uFillTx/>
+                <a:latin typeface="+mj-lt"/>
+                <a:ea typeface="+mj-ea"/>
+                <a:cs typeface="+mj-cs"/>
+              </a:rPr>
+              <a:t>Print</a:t>
+            </a:r>
+            <a:r>
+              <a:rPr kumimoji="0" lang="es-CO" sz="2400" i="1" u="none" strike="noStrike" kern="1200" cap="none" spc="0" normalizeH="0" noProof="0" dirty="0" smtClean="0">
+                <a:ln>
+                  <a:noFill/>
+                </a:ln>
+                <a:solidFill>
+                  <a:schemeClr val="tx1"/>
+                </a:solidFill>
+                <a:effectLst>
+                  <a:outerShdw blurRad="38100" dist="38100" dir="2700000" algn="tl">
+                    <a:srgbClr val="000000">
+                      <a:alpha val="43137"/>
+                    </a:srgbClr>
+                  </a:outerShdw>
+                </a:effectLst>
+                <a:uLnTx/>
+                <a:uFillTx/>
+                <a:latin typeface="+mj-lt"/>
+                <a:ea typeface="+mj-ea"/>
+                <a:cs typeface="+mj-cs"/>
+              </a:rPr>
+              <a:t> de Arquitectura</a:t>
             </a:r>
             <a:endParaRPr kumimoji="0" lang="es-CO" sz="2400" i="1" u="none" strike="noStrike" kern="1200" cap="none" spc="0" normalizeH="0" baseline="0" noProof="0" dirty="0" smtClean="0">
               <a:ln>
@@ -4812,14 +4726,25 @@
       </p:cxnSp>
       <p:pic>
         <p:nvPicPr>
-          <p:cNvPr id="9" name="Picture 2" descr="C:\Users\Erik\Desktop\question-mark.jpg"/>
+          <p:cNvPr id="9" name="8 Imagen"/>
           <p:cNvPicPr>
-            <a:picLocks noChangeAspect="1" noChangeArrowheads="1"/>
+            <a:picLocks noChangeAspect="1"/>
           </p:cNvPicPr>
           <p:nvPr/>
         </p:nvPicPr>
         <p:blipFill>
-          <a:blip r:embed="rId6"/>
+          <a:blip r:embed="rId6" cstate="print">
+            <a:clrChange>
+              <a:clrFrom>
+                <a:srgbClr val="2C9DC8"/>
+              </a:clrFrom>
+              <a:clrTo>
+                <a:srgbClr val="2C9DC8">
+                  <a:alpha val="0"/>
+                </a:srgbClr>
+              </a:clrTo>
+            </a:clrChange>
+          </a:blip>
           <a:srcRect/>
           <a:stretch>
             <a:fillRect/>
@@ -4827,13 +4752,19 @@
         </p:blipFill>
         <p:spPr bwMode="auto">
           <a:xfrm>
-            <a:off x="5261596" y="2004996"/>
-            <a:ext cx="3882404" cy="4853004"/>
+            <a:off x="2714612" y="1000108"/>
+            <a:ext cx="5715040" cy="5715040"/>
           </a:xfrm>
           <a:prstGeom prst="rect">
             <a:avLst/>
           </a:prstGeom>
           <a:noFill/>
+          <a:ln w="9525">
+            <a:noFill/>
+            <a:miter lim="800000"/>
+            <a:headEnd/>
+            <a:tailEnd/>
+          </a:ln>
         </p:spPr>
       </p:pic>
     </p:spTree>
@@ -4841,10 +4772,17 @@
   <p:clrMapOvr>
     <a:masterClrMapping/>
   </p:clrMapOvr>
+  <p:timing>
+    <p:tnLst>
+      <p:par>
+        <p:cTn id="1" dur="indefinite" restart="never" nodeType="tmRoot"/>
+      </p:par>
+    </p:tnLst>
+  </p:timing>
 </p:sld>
 </file>
 
-<file path=ppt/slides/slide2.xml><?xml version="1.0" encoding="utf-8"?>
+<file path=ppt/slides/slide11.xml><?xml version="1.0" encoding="utf-8"?>
 <p:sld xmlns:a="http://schemas.openxmlformats.org/drawingml/2006/main" xmlns:r="http://schemas.openxmlformats.org/officeDocument/2006/relationships" xmlns:p="http://schemas.openxmlformats.org/presentationml/2006/main">
   <p:cSld>
     <p:spTree>
@@ -4861,89 +4799,32 @@
           <a:chExt cx="0" cy="0"/>
         </a:xfrm>
       </p:grpSpPr>
-      <p:sp>
-        <p:nvSpPr>
-          <p:cNvPr id="10" name="9 Marcador de contenido"/>
-          <p:cNvSpPr>
-            <a:spLocks noGrp="1"/>
-          </p:cNvSpPr>
-          <p:nvPr>
-            <p:ph idx="1"/>
-          </p:nvPr>
-        </p:nvSpPr>
-        <p:spPr>
-          <a:xfrm>
-            <a:off x="1028704" y="1600200"/>
-            <a:ext cx="3328982" cy="4525963"/>
-          </a:xfrm>
-        </p:spPr>
-        <p:txBody>
-          <a:bodyPr>
-            <a:normAutofit/>
-          </a:bodyPr>
-          <a:lstStyle/>
-          <a:p>
-            <a:r>
-              <a:rPr lang="es-CO" sz="2000" b="1" i="1" dirty="0" smtClean="0"/>
-              <a:t>Objetivo</a:t>
-            </a:r>
-          </a:p>
-          <a:p>
-            <a:r>
-              <a:rPr lang="es-CO" sz="2000" b="1" i="1" dirty="0" smtClean="0"/>
-              <a:t>Diagrama de Solución</a:t>
-            </a:r>
-          </a:p>
-          <a:p>
-            <a:r>
-              <a:rPr lang="es-CO" sz="2000" b="1" i="1" dirty="0" smtClean="0"/>
-              <a:t>Vista de Componentes</a:t>
-            </a:r>
-          </a:p>
-          <a:p>
-            <a:r>
-              <a:rPr lang="es-CO" sz="2000" b="1" i="1" dirty="0" smtClean="0"/>
-              <a:t>Vista de Seguridad</a:t>
-            </a:r>
-          </a:p>
-          <a:p>
-            <a:r>
-              <a:rPr lang="es-CO" sz="2000" b="1" i="1" dirty="0" smtClean="0"/>
-              <a:t>Vista de Procesos</a:t>
-            </a:r>
-          </a:p>
-          <a:p>
-            <a:r>
-              <a:rPr lang="es-CO" sz="2000" b="1" i="1" dirty="0" smtClean="0"/>
-              <a:t>Portafolio de Servicios</a:t>
-            </a:r>
-          </a:p>
-          <a:p>
-            <a:r>
-              <a:rPr lang="es-CO" sz="2000" b="1" i="1" dirty="0" err="1" smtClean="0"/>
-              <a:t>BluePrint</a:t>
-            </a:r>
-            <a:r>
-              <a:rPr lang="es-CO" sz="2000" b="1" i="1" dirty="0" smtClean="0"/>
-              <a:t> de Arquitectura</a:t>
-            </a:r>
-            <a:endParaRPr lang="es-CO" sz="2000" b="1" i="1" dirty="0" smtClean="0"/>
-          </a:p>
-          <a:p>
-            <a:r>
-              <a:rPr lang="es-CO" sz="2000" b="1" i="1" dirty="0" smtClean="0"/>
-              <a:t>Conclusiones</a:t>
-            </a:r>
-          </a:p>
-          <a:p>
-            <a:r>
-              <a:rPr lang="es-CO" sz="2000" b="1" i="1" dirty="0" smtClean="0"/>
-              <a:t>Preguntas?</a:t>
-            </a:r>
-            <a:endParaRPr lang="es-CO" sz="2000" b="1" i="1" dirty="0"/>
-          </a:p>
-        </p:txBody>
-      </p:sp>
+      <p:pic>
+        <p:nvPicPr>
+          <p:cNvPr id="1026" name="Picture 2" descr="C:\Users\Erik\Desktop\mapamundi blank.png"/>
+          <p:cNvPicPr>
+            <a:picLocks noChangeAspect="1" noChangeArrowheads="1"/>
+          </p:cNvPicPr>
+          <p:nvPr/>
+        </p:nvPicPr>
+        <p:blipFill>
+          <a:blip r:embed="rId4" cstate="print"/>
+          <a:srcRect/>
+          <a:stretch>
+            <a:fillRect/>
+          </a:stretch>
+        </p:blipFill>
+        <p:spPr bwMode="auto">
+          <a:xfrm>
+            <a:off x="3032066" y="142852"/>
+            <a:ext cx="968430" cy="484215"/>
+          </a:xfrm>
+          <a:prstGeom prst="rect">
+            <a:avLst/>
+          </a:prstGeom>
+          <a:noFill/>
+        </p:spPr>
+      </p:pic>
       <p:pic>
         <p:nvPicPr>
           <p:cNvPr id="4" name="Picture 3" descr="F:\[ECOS]\ingenium-managment\ingenium-logo.png"/>
@@ -4953,7 +4834,7 @@
           <p:nvPr/>
         </p:nvPicPr>
         <p:blipFill>
-          <a:blip r:embed="rId2"/>
+          <a:blip r:embed="rId5"/>
           <a:srcRect/>
           <a:stretch>
             <a:fillRect/>
@@ -5000,80 +4881,171 @@
           </a:fontRef>
         </p:style>
       </p:cxnSp>
+      <p:sp>
+        <p:nvSpPr>
+          <p:cNvPr id="6" name="8 Título"/>
+          <p:cNvSpPr txBox="1">
+            <a:spLocks/>
+          </p:cNvSpPr>
+          <p:nvPr/>
+        </p:nvSpPr>
+        <p:spPr>
+          <a:xfrm>
+            <a:off x="457200" y="928670"/>
+            <a:ext cx="2043098" cy="857256"/>
+          </a:xfrm>
+          <a:prstGeom prst="rect">
+            <a:avLst/>
+          </a:prstGeom>
+        </p:spPr>
+        <p:txBody>
+          <a:bodyPr vert="horz" lIns="91440" tIns="45720" rIns="91440" bIns="45720" rtlCol="0" anchor="t">
+            <a:noAutofit/>
+          </a:bodyPr>
+          <a:lstStyle/>
+          <a:p>
+            <a:pPr marL="0" marR="0" lvl="0" indent="0" algn="l" defTabSz="914400" rtl="0" eaLnBrk="1" fontAlgn="auto" latinLnBrk="0" hangingPunct="1">
+              <a:lnSpc>
+                <a:spcPct val="100000"/>
+              </a:lnSpc>
+              <a:spcBef>
+                <a:spcPct val="0"/>
+              </a:spcBef>
+              <a:spcAft>
+                <a:spcPts val="0"/>
+              </a:spcAft>
+              <a:buClrTx/>
+              <a:buSzTx/>
+              <a:buFontTx/>
+              <a:buNone/>
+              <a:tabLst/>
+              <a:defRPr/>
+            </a:pPr>
+            <a:r>
+              <a:rPr kumimoji="0" lang="es-CO" sz="2400" i="1" u="none" strike="noStrike" kern="1200" cap="none" spc="0" normalizeH="0" baseline="0" noProof="0" dirty="0" smtClean="0">
+                <a:ln>
+                  <a:noFill/>
+                </a:ln>
+                <a:solidFill>
+                  <a:schemeClr val="tx1"/>
+                </a:solidFill>
+                <a:effectLst>
+                  <a:outerShdw blurRad="38100" dist="38100" dir="2700000" algn="tl">
+                    <a:srgbClr val="000000">
+                      <a:alpha val="43137"/>
+                    </a:srgbClr>
+                  </a:outerShdw>
+                </a:effectLst>
+                <a:uLnTx/>
+                <a:uFillTx/>
+                <a:latin typeface="+mj-lt"/>
+                <a:ea typeface="+mj-ea"/>
+                <a:cs typeface="+mj-cs"/>
+              </a:rPr>
+              <a:t>Blue </a:t>
+            </a:r>
+            <a:r>
+              <a:rPr kumimoji="0" lang="es-CO" sz="2400" i="1" u="none" strike="noStrike" kern="1200" cap="none" spc="0" normalizeH="0" baseline="0" noProof="0" dirty="0" err="1" smtClean="0">
+                <a:ln>
+                  <a:noFill/>
+                </a:ln>
+                <a:solidFill>
+                  <a:schemeClr val="tx1"/>
+                </a:solidFill>
+                <a:effectLst>
+                  <a:outerShdw blurRad="38100" dist="38100" dir="2700000" algn="tl">
+                    <a:srgbClr val="000000">
+                      <a:alpha val="43137"/>
+                    </a:srgbClr>
+                  </a:outerShdw>
+                </a:effectLst>
+                <a:uLnTx/>
+                <a:uFillTx/>
+                <a:latin typeface="+mj-lt"/>
+                <a:ea typeface="+mj-ea"/>
+                <a:cs typeface="+mj-cs"/>
+              </a:rPr>
+              <a:t>Print</a:t>
+            </a:r>
+            <a:r>
+              <a:rPr kumimoji="0" lang="es-CO" sz="2400" i="1" u="none" strike="noStrike" kern="1200" cap="none" spc="0" normalizeH="0" noProof="0" dirty="0" smtClean="0">
+                <a:ln>
+                  <a:noFill/>
+                </a:ln>
+                <a:solidFill>
+                  <a:schemeClr val="tx1"/>
+                </a:solidFill>
+                <a:effectLst>
+                  <a:outerShdw blurRad="38100" dist="38100" dir="2700000" algn="tl">
+                    <a:srgbClr val="000000">
+                      <a:alpha val="43137"/>
+                    </a:srgbClr>
+                  </a:outerShdw>
+                </a:effectLst>
+                <a:uLnTx/>
+                <a:uFillTx/>
+                <a:latin typeface="+mj-lt"/>
+                <a:ea typeface="+mj-ea"/>
+                <a:cs typeface="+mj-cs"/>
+              </a:rPr>
+              <a:t> </a:t>
+            </a:r>
+            <a:r>
+              <a:rPr kumimoji="0" lang="es-CO" sz="2400" i="1" u="none" strike="noStrike" kern="1200" cap="none" spc="0" normalizeH="0" noProof="0" dirty="0" smtClean="0">
+                <a:ln>
+                  <a:noFill/>
+                </a:ln>
+                <a:solidFill>
+                  <a:schemeClr val="tx1"/>
+                </a:solidFill>
+                <a:effectLst>
+                  <a:outerShdw blurRad="38100" dist="38100" dir="2700000" algn="tl">
+                    <a:srgbClr val="000000">
+                      <a:alpha val="43137"/>
+                    </a:srgbClr>
+                  </a:outerShdw>
+                </a:effectLst>
+                <a:uLnTx/>
+                <a:uFillTx/>
+                <a:latin typeface="+mj-lt"/>
+                <a:ea typeface="+mj-ea"/>
+                <a:cs typeface="+mj-cs"/>
+              </a:rPr>
+              <a:t>Detallado</a:t>
+            </a:r>
+            <a:endParaRPr kumimoji="0" lang="es-CO" sz="2400" i="1" u="none" strike="noStrike" kern="1200" cap="none" spc="0" normalizeH="0" baseline="0" noProof="0" dirty="0" smtClean="0">
+              <a:ln>
+                <a:noFill/>
+              </a:ln>
+              <a:solidFill>
+                <a:schemeClr val="tx1"/>
+              </a:solidFill>
+              <a:effectLst>
+                <a:outerShdw blurRad="38100" dist="38100" dir="2700000" algn="tl">
+                  <a:srgbClr val="000000">
+                    <a:alpha val="43137"/>
+                  </a:srgbClr>
+                </a:outerShdw>
+              </a:effectLst>
+              <a:uLnTx/>
+              <a:uFillTx/>
+              <a:latin typeface="+mj-lt"/>
+              <a:ea typeface="+mj-ea"/>
+              <a:cs typeface="+mj-cs"/>
+            </a:endParaRPr>
+          </a:p>
+        </p:txBody>
+      </p:sp>
       <p:pic>
         <p:nvPicPr>
-          <p:cNvPr id="2050" name="Picture 2" descr="C:\Users\Erik\Desktop\Project management.jpg"/>
-          <p:cNvPicPr>
-            <a:picLocks noChangeAspect="1" noChangeArrowheads="1"/>
-          </p:cNvPicPr>
-          <p:nvPr/>
-        </p:nvPicPr>
-        <p:blipFill>
-          <a:blip r:embed="rId3">
-            <a:clrChange>
-              <a:clrFrom>
-                <a:srgbClr val="FFFFFF"/>
-              </a:clrFrom>
-              <a:clrTo>
-                <a:srgbClr val="FFFFFF">
-                  <a:alpha val="0"/>
-                </a:srgbClr>
-              </a:clrTo>
-            </a:clrChange>
-            <a:grayscl/>
-          </a:blip>
-          <a:srcRect/>
-          <a:stretch>
-            <a:fillRect/>
-          </a:stretch>
-        </p:blipFill>
-        <p:spPr bwMode="auto">
-          <a:xfrm>
-            <a:off x="4037360" y="2500306"/>
-            <a:ext cx="5106672" cy="4357693"/>
-          </a:xfrm>
-          <a:prstGeom prst="rect">
-            <a:avLst/>
-          </a:prstGeom>
-          <a:noFill/>
-        </p:spPr>
-      </p:pic>
-      <p:pic>
-        <p:nvPicPr>
-          <p:cNvPr id="11" name="Picture 2" descr="C:\Users\Erik\Desktop\mapamundi blank.png"/>
-          <p:cNvPicPr>
-            <a:picLocks noChangeAspect="1" noChangeArrowheads="1"/>
-          </p:cNvPicPr>
-          <p:nvPr/>
-        </p:nvPicPr>
-        <p:blipFill>
-          <a:blip r:embed="rId4" cstate="print"/>
-          <a:srcRect/>
-          <a:stretch>
-            <a:fillRect/>
-          </a:stretch>
-        </p:blipFill>
-        <p:spPr bwMode="auto">
-          <a:xfrm>
-            <a:off x="3032066" y="142852"/>
-            <a:ext cx="968430" cy="484215"/>
-          </a:xfrm>
-          <a:prstGeom prst="rect">
-            <a:avLst/>
-          </a:prstGeom>
-          <a:noFill/>
-        </p:spPr>
-      </p:pic>
-      <p:pic>
-        <p:nvPicPr>
-          <p:cNvPr id="12" name="11 Imagen"/>
+          <p:cNvPr id="10" name="9 Imagen"/>
           <p:cNvPicPr>
             <a:picLocks noChangeAspect="1"/>
           </p:cNvPicPr>
           <p:nvPr/>
         </p:nvPicPr>
         <p:blipFill>
-          <a:blip r:embed="rId5" cstate="print"/>
+          <a:blip r:embed="rId6" cstate="print"/>
           <a:srcRect t="18338" b="30086"/>
           <a:stretch>
             <a:fillRect/>
@@ -5098,7 +5070,7 @@
       </p:pic>
       <p:sp>
         <p:nvSpPr>
-          <p:cNvPr id="13" name="12 Rectángulo"/>
+          <p:cNvPr id="12" name="11 Rectángulo"/>
           <p:cNvSpPr/>
           <p:nvPr/>
         </p:nvSpPr>
@@ -5223,7 +5195,179 @@
       </p:cxnSp>
       <p:sp>
         <p:nvSpPr>
-          <p:cNvPr id="15" name="8 Título"/>
+          <p:cNvPr id="35842" name="Rectangle 2"/>
+          <p:cNvSpPr>
+            <a:spLocks noChangeArrowheads="1"/>
+          </p:cNvSpPr>
+          <p:nvPr/>
+        </p:nvSpPr>
+        <p:spPr bwMode="auto">
+          <a:xfrm>
+            <a:off x="0" y="0"/>
+            <a:ext cx="9144000" cy="0"/>
+          </a:xfrm>
+          <a:prstGeom prst="rect">
+            <a:avLst/>
+          </a:prstGeom>
+          <a:noFill/>
+          <a:ln w="9525">
+            <a:noFill/>
+            <a:miter lim="800000"/>
+            <a:headEnd/>
+            <a:tailEnd/>
+          </a:ln>
+          <a:effectLst/>
+        </p:spPr>
+        <p:txBody>
+          <a:bodyPr vert="horz" wrap="none" lIns="91440" tIns="45720" rIns="91440" bIns="45720" numCol="1" anchor="ctr" anchorCtr="0" compatLnSpc="1">
+            <a:prstTxWarp prst="textNoShape">
+              <a:avLst/>
+            </a:prstTxWarp>
+            <a:spAutoFit/>
+          </a:bodyPr>
+          <a:lstStyle/>
+          <a:p>
+            <a:endParaRPr lang="es-CO"/>
+          </a:p>
+        </p:txBody>
+      </p:sp>
+      <p:graphicFrame>
+        <p:nvGraphicFramePr>
+          <p:cNvPr id="35841" name="Object 1"/>
+          <p:cNvGraphicFramePr>
+            <a:graphicFrameLocks noChangeAspect="1"/>
+          </p:cNvGraphicFramePr>
+          <p:nvPr/>
+        </p:nvGraphicFramePr>
+        <p:xfrm>
+          <a:off x="1988521" y="1285860"/>
+          <a:ext cx="6907815" cy="5076828"/>
+        </p:xfrm>
+        <a:graphic>
+          <a:graphicData uri="http://schemas.openxmlformats.org/presentationml/2006/ole">
+            <p:oleObj spid="_x0000_s35841" name="Visio" r:id="rId7" imgW="7052479" imgH="5178864" progId="Visio.Drawing.11">
+              <p:embed/>
+            </p:oleObj>
+          </a:graphicData>
+        </a:graphic>
+      </p:graphicFrame>
+    </p:spTree>
+  </p:cSld>
+  <p:clrMapOvr>
+    <a:masterClrMapping/>
+  </p:clrMapOvr>
+  <p:timing>
+    <p:tnLst>
+      <p:par>
+        <p:cTn id="1" dur="indefinite" restart="never" nodeType="tmRoot"/>
+      </p:par>
+    </p:tnLst>
+  </p:timing>
+</p:sld>
+</file>
+
+<file path=ppt/slides/slide12.xml><?xml version="1.0" encoding="utf-8"?>
+<p:sld xmlns:a="http://schemas.openxmlformats.org/drawingml/2006/main" xmlns:r="http://schemas.openxmlformats.org/officeDocument/2006/relationships" xmlns:p="http://schemas.openxmlformats.org/presentationml/2006/main">
+  <p:cSld>
+    <p:spTree>
+      <p:nvGrpSpPr>
+        <p:cNvPr id="1" name=""/>
+        <p:cNvGrpSpPr/>
+        <p:nvPr/>
+      </p:nvGrpSpPr>
+      <p:grpSpPr>
+        <a:xfrm>
+          <a:off x="0" y="0"/>
+          <a:ext cx="0" cy="0"/>
+          <a:chOff x="0" y="0"/>
+          <a:chExt cx="0" cy="0"/>
+        </a:xfrm>
+      </p:grpSpPr>
+      <p:pic>
+        <p:nvPicPr>
+          <p:cNvPr id="1026" name="Picture 2" descr="C:\Users\Erik\Desktop\mapamundi blank.png"/>
+          <p:cNvPicPr>
+            <a:picLocks noChangeAspect="1" noChangeArrowheads="1"/>
+          </p:cNvPicPr>
+          <p:nvPr/>
+        </p:nvPicPr>
+        <p:blipFill>
+          <a:blip r:embed="rId3" cstate="print"/>
+          <a:srcRect/>
+          <a:stretch>
+            <a:fillRect/>
+          </a:stretch>
+        </p:blipFill>
+        <p:spPr bwMode="auto">
+          <a:xfrm>
+            <a:off x="3032066" y="142852"/>
+            <a:ext cx="968430" cy="484215"/>
+          </a:xfrm>
+          <a:prstGeom prst="rect">
+            <a:avLst/>
+          </a:prstGeom>
+          <a:noFill/>
+        </p:spPr>
+      </p:pic>
+      <p:pic>
+        <p:nvPicPr>
+          <p:cNvPr id="4" name="Picture 3" descr="F:\[ECOS]\ingenium-managment\ingenium-logo.png"/>
+          <p:cNvPicPr>
+            <a:picLocks noChangeAspect="1" noChangeArrowheads="1"/>
+          </p:cNvPicPr>
+          <p:nvPr/>
+        </p:nvPicPr>
+        <p:blipFill>
+          <a:blip r:embed="rId4"/>
+          <a:srcRect/>
+          <a:stretch>
+            <a:fillRect/>
+          </a:stretch>
+        </p:blipFill>
+        <p:spPr bwMode="auto">
+          <a:xfrm>
+            <a:off x="6786578" y="142852"/>
+            <a:ext cx="2119306" cy="709748"/>
+          </a:xfrm>
+          <a:prstGeom prst="rect">
+            <a:avLst/>
+          </a:prstGeom>
+          <a:noFill/>
+        </p:spPr>
+      </p:pic>
+      <p:cxnSp>
+        <p:nvCxnSpPr>
+          <p:cNvPr id="7" name="6 Conector recto"/>
+          <p:cNvCxnSpPr/>
+          <p:nvPr/>
+        </p:nvCxnSpPr>
+        <p:spPr>
+          <a:xfrm>
+            <a:off x="504000" y="855644"/>
+            <a:ext cx="8640000" cy="1588"/>
+          </a:xfrm>
+          <a:prstGeom prst="line">
+            <a:avLst/>
+          </a:prstGeom>
+        </p:spPr>
+        <p:style>
+          <a:lnRef idx="3">
+            <a:schemeClr val="accent6"/>
+          </a:lnRef>
+          <a:fillRef idx="0">
+            <a:schemeClr val="accent6"/>
+          </a:fillRef>
+          <a:effectRef idx="2">
+            <a:schemeClr val="accent6"/>
+          </a:effectRef>
+          <a:fontRef idx="minor">
+            <a:schemeClr val="tx1"/>
+          </a:fontRef>
+        </p:style>
+      </p:cxnSp>
+      <p:sp>
+        <p:nvSpPr>
+          <p:cNvPr id="6" name="8 Título"/>
           <p:cNvSpPr txBox="1">
             <a:spLocks/>
           </p:cNvSpPr>
@@ -5282,247 +5426,8 @@
                 <a:ea typeface="+mj-ea"/>
                 <a:cs typeface="+mj-cs"/>
               </a:rPr>
-              <a:t>Agenda</a:t>
-            </a:r>
-            <a:endParaRPr kumimoji="0" lang="es-CO" sz="2400" i="1" u="none" strike="noStrike" kern="1200" cap="none" spc="0" normalizeH="0" baseline="0" noProof="0" dirty="0" smtClean="0">
-              <a:ln>
-                <a:noFill/>
-              </a:ln>
-              <a:solidFill>
-                <a:schemeClr val="tx1"/>
-              </a:solidFill>
-              <a:effectLst>
-                <a:outerShdw blurRad="38100" dist="38100" dir="2700000" algn="tl">
-                  <a:srgbClr val="000000">
-                    <a:alpha val="43137"/>
-                  </a:srgbClr>
-                </a:outerShdw>
-              </a:effectLst>
-              <a:uLnTx/>
-              <a:uFillTx/>
-              <a:latin typeface="+mj-lt"/>
-              <a:ea typeface="+mj-ea"/>
-              <a:cs typeface="+mj-cs"/>
-            </a:endParaRPr>
-          </a:p>
-        </p:txBody>
-      </p:sp>
-    </p:spTree>
-  </p:cSld>
-  <p:clrMapOvr>
-    <a:masterClrMapping/>
-  </p:clrMapOvr>
-</p:sld>
-</file>
-
-<file path=ppt/slides/slide3.xml><?xml version="1.0" encoding="utf-8"?>
-<p:sld xmlns:a="http://schemas.openxmlformats.org/drawingml/2006/main" xmlns:r="http://schemas.openxmlformats.org/officeDocument/2006/relationships" xmlns:p="http://schemas.openxmlformats.org/presentationml/2006/main">
-  <p:cSld>
-    <p:spTree>
-      <p:nvGrpSpPr>
-        <p:cNvPr id="1" name=""/>
-        <p:cNvGrpSpPr/>
-        <p:nvPr/>
-      </p:nvGrpSpPr>
-      <p:grpSpPr>
-        <a:xfrm>
-          <a:off x="0" y="0"/>
-          <a:ext cx="0" cy="0"/>
-          <a:chOff x="0" y="0"/>
-          <a:chExt cx="0" cy="0"/>
-        </a:xfrm>
-      </p:grpSpPr>
-      <p:pic>
-        <p:nvPicPr>
-          <p:cNvPr id="28" name="Picture 2" descr="C:\Users\Erik\Desktop\mapamundi blank.png"/>
-          <p:cNvPicPr>
-            <a:picLocks noChangeAspect="1" noChangeArrowheads="1"/>
-          </p:cNvPicPr>
-          <p:nvPr/>
-        </p:nvPicPr>
-        <p:blipFill>
-          <a:blip r:embed="rId3"/>
-          <a:srcRect r="20343"/>
-          <a:stretch>
-            <a:fillRect/>
-          </a:stretch>
-        </p:blipFill>
-        <p:spPr bwMode="auto">
-          <a:xfrm>
-            <a:off x="5072066" y="1857364"/>
-            <a:ext cx="4071934" cy="2555917"/>
-          </a:xfrm>
-          <a:prstGeom prst="rect">
-            <a:avLst/>
-          </a:prstGeom>
-          <a:noFill/>
-        </p:spPr>
-      </p:pic>
-      <p:pic>
-        <p:nvPicPr>
-          <p:cNvPr id="1026" name="Picture 2" descr="C:\Users\Erik\Desktop\mapamundi blank.png"/>
-          <p:cNvPicPr>
-            <a:picLocks noChangeAspect="1" noChangeArrowheads="1"/>
-          </p:cNvPicPr>
-          <p:nvPr/>
-        </p:nvPicPr>
-        <p:blipFill>
-          <a:blip r:embed="rId4" cstate="print"/>
-          <a:srcRect/>
-          <a:stretch>
-            <a:fillRect/>
-          </a:stretch>
-        </p:blipFill>
-        <p:spPr bwMode="auto">
-          <a:xfrm>
-            <a:off x="3032066" y="142852"/>
-            <a:ext cx="968430" cy="484215"/>
-          </a:xfrm>
-          <a:prstGeom prst="rect">
-            <a:avLst/>
-          </a:prstGeom>
-          <a:noFill/>
-        </p:spPr>
-      </p:pic>
-      <p:pic>
-        <p:nvPicPr>
-          <p:cNvPr id="4" name="Picture 3" descr="F:\[ECOS]\ingenium-managment\ingenium-logo.png"/>
-          <p:cNvPicPr>
-            <a:picLocks noChangeAspect="1" noChangeArrowheads="1"/>
-          </p:cNvPicPr>
-          <p:nvPr/>
-        </p:nvPicPr>
-        <p:blipFill>
-          <a:blip r:embed="rId5"/>
-          <a:srcRect/>
-          <a:stretch>
-            <a:fillRect/>
-          </a:stretch>
-        </p:blipFill>
-        <p:spPr bwMode="auto">
-          <a:xfrm>
-            <a:off x="6786578" y="142852"/>
-            <a:ext cx="2119306" cy="709748"/>
-          </a:xfrm>
-          <a:prstGeom prst="rect">
-            <a:avLst/>
-          </a:prstGeom>
-          <a:noFill/>
-        </p:spPr>
-      </p:pic>
-      <p:cxnSp>
-        <p:nvCxnSpPr>
-          <p:cNvPr id="7" name="6 Conector recto"/>
-          <p:cNvCxnSpPr/>
-          <p:nvPr/>
-        </p:nvCxnSpPr>
-        <p:spPr>
-          <a:xfrm>
-            <a:off x="504000" y="855644"/>
-            <a:ext cx="8640000" cy="1588"/>
-          </a:xfrm>
-          <a:prstGeom prst="line">
-            <a:avLst/>
-          </a:prstGeom>
-        </p:spPr>
-        <p:style>
-          <a:lnRef idx="3">
-            <a:schemeClr val="accent6"/>
-          </a:lnRef>
-          <a:fillRef idx="0">
-            <a:schemeClr val="accent6"/>
-          </a:fillRef>
-          <a:effectRef idx="2">
-            <a:schemeClr val="accent6"/>
-          </a:effectRef>
-          <a:fontRef idx="minor">
-            <a:schemeClr val="tx1"/>
-          </a:fontRef>
-        </p:style>
-      </p:cxnSp>
-      <p:sp>
-        <p:nvSpPr>
-          <p:cNvPr id="6" name="8 Título"/>
-          <p:cNvSpPr txBox="1">
-            <a:spLocks/>
-          </p:cNvSpPr>
-          <p:nvPr/>
-        </p:nvSpPr>
-        <p:spPr>
-          <a:xfrm>
-            <a:off x="457200" y="928670"/>
-            <a:ext cx="4829180" cy="439718"/>
-          </a:xfrm>
-          <a:prstGeom prst="rect">
-            <a:avLst/>
-          </a:prstGeom>
-        </p:spPr>
-        <p:txBody>
-          <a:bodyPr vert="horz" lIns="91440" tIns="45720" rIns="91440" bIns="45720" rtlCol="0" anchor="ctr">
-            <a:noAutofit/>
-          </a:bodyPr>
-          <a:lstStyle/>
-          <a:p>
-            <a:pPr marL="0" marR="0" lvl="0" indent="0" algn="l" defTabSz="914400" rtl="0" eaLnBrk="1" fontAlgn="auto" latinLnBrk="0" hangingPunct="1">
-              <a:lnSpc>
-                <a:spcPct val="100000"/>
-              </a:lnSpc>
-              <a:spcBef>
-                <a:spcPct val="0"/>
-              </a:spcBef>
-              <a:spcAft>
-                <a:spcPts val="0"/>
-              </a:spcAft>
-              <a:buClrTx/>
-              <a:buSzTx/>
-              <a:buFontTx/>
-              <a:buNone/>
-              <a:tabLst/>
-              <a:defRPr/>
-            </a:pPr>
-            <a:r>
-              <a:rPr kumimoji="0" lang="es-CO" sz="2400" i="1" u="none" strike="noStrike" kern="1200" cap="none" spc="0" normalizeH="0" baseline="0" noProof="0" dirty="0" smtClean="0">
-                <a:ln>
-                  <a:noFill/>
-                </a:ln>
-                <a:solidFill>
-                  <a:schemeClr val="tx1"/>
-                </a:solidFill>
-                <a:effectLst>
-                  <a:outerShdw blurRad="38100" dist="38100" dir="2700000" algn="tl">
-                    <a:srgbClr val="000000">
-                      <a:alpha val="43137"/>
-                    </a:srgbClr>
-                  </a:outerShdw>
-                </a:effectLst>
-                <a:uLnTx/>
-                <a:uFillTx/>
-                <a:latin typeface="+mj-lt"/>
-                <a:ea typeface="+mj-ea"/>
-                <a:cs typeface="+mj-cs"/>
-              </a:rPr>
-              <a:t>Objetivo</a:t>
-            </a:r>
-            <a:endParaRPr kumimoji="0" lang="es-CO" sz="2400" i="1" u="none" strike="noStrike" kern="1200" cap="none" spc="0" normalizeH="0" baseline="0" noProof="0" dirty="0" smtClean="0">
-              <a:ln>
-                <a:noFill/>
-              </a:ln>
-              <a:solidFill>
-                <a:schemeClr val="tx1"/>
-              </a:solidFill>
-              <a:effectLst>
-                <a:outerShdw blurRad="38100" dist="38100" dir="2700000" algn="tl">
-                  <a:srgbClr val="000000">
-                    <a:alpha val="43137"/>
-                  </a:srgbClr>
-                </a:outerShdw>
-              </a:effectLst>
-              <a:uLnTx/>
-              <a:uFillTx/>
-              <a:latin typeface="+mj-lt"/>
-              <a:ea typeface="+mj-ea"/>
-              <a:cs typeface="+mj-cs"/>
-            </a:endParaRPr>
+              <a:t>Preguntas?</a:t>
+            </a:r>
           </a:p>
         </p:txBody>
       </p:sp>
@@ -5535,7 +5440,7 @@
           <p:nvPr/>
         </p:nvPicPr>
         <p:blipFill>
-          <a:blip r:embed="rId6" cstate="print"/>
+          <a:blip r:embed="rId5" cstate="print"/>
           <a:srcRect t="18338" b="30086"/>
           <a:stretch>
             <a:fillRect/>
@@ -5685,14 +5590,14 @@
       </p:cxnSp>
       <p:pic>
         <p:nvPicPr>
-          <p:cNvPr id="1027" name="Picture 3" descr="C:\Users\Erik\Desktop\mapa_colombia.jpg"/>
+          <p:cNvPr id="9" name="Picture 2" descr="C:\Users\Erik\Desktop\question-mark.jpg"/>
           <p:cNvPicPr>
             <a:picLocks noChangeAspect="1" noChangeArrowheads="1"/>
           </p:cNvPicPr>
           <p:nvPr/>
         </p:nvPicPr>
         <p:blipFill>
-          <a:blip r:embed="rId7"/>
+          <a:blip r:embed="rId6"/>
           <a:srcRect/>
           <a:stretch>
             <a:fillRect/>
@@ -5700,8 +5605,8 @@
         </p:blipFill>
         <p:spPr bwMode="auto">
           <a:xfrm>
-            <a:off x="428596" y="1643050"/>
-            <a:ext cx="1702788" cy="2000264"/>
+            <a:off x="5261596" y="2004996"/>
+            <a:ext cx="3882404" cy="4853004"/>
           </a:xfrm>
           <a:prstGeom prst="rect">
             <a:avLst/>
@@ -5709,449 +5614,22 @@
           <a:noFill/>
         </p:spPr>
       </p:pic>
-      <p:pic>
-        <p:nvPicPr>
-          <p:cNvPr id="1028" name="Picture 4" descr="C:\Users\Erik\Desktop\comercio-electronico.jpg"/>
-          <p:cNvPicPr>
-            <a:picLocks noChangeAspect="1" noChangeArrowheads="1"/>
-          </p:cNvPicPr>
-          <p:nvPr/>
-        </p:nvPicPr>
-        <p:blipFill>
-          <a:blip r:embed="rId8">
-            <a:clrChange>
-              <a:clrFrom>
-                <a:srgbClr val="FFFFFF"/>
-              </a:clrFrom>
-              <a:clrTo>
-                <a:srgbClr val="FFFFFF">
-                  <a:alpha val="0"/>
-                </a:srgbClr>
-              </a:clrTo>
-            </a:clrChange>
-          </a:blip>
-          <a:srcRect r="7212"/>
-          <a:stretch>
-            <a:fillRect/>
-          </a:stretch>
-        </p:blipFill>
-        <p:spPr bwMode="auto">
-          <a:xfrm>
-            <a:off x="4548155" y="3143224"/>
-            <a:ext cx="4595845" cy="3714776"/>
-          </a:xfrm>
-          <a:prstGeom prst="rect">
-            <a:avLst/>
-          </a:prstGeom>
-          <a:noFill/>
-        </p:spPr>
-      </p:pic>
-      <p:pic>
-        <p:nvPicPr>
-          <p:cNvPr id="1029" name="Picture 5" descr="C:\Users\Erik\Desktop\firststepsforex-200x200.jpg"/>
-          <p:cNvPicPr>
-            <a:picLocks noChangeAspect="1" noChangeArrowheads="1"/>
-          </p:cNvPicPr>
-          <p:nvPr/>
-        </p:nvPicPr>
-        <p:blipFill>
-          <a:blip r:embed="rId9">
-            <a:clrChange>
-              <a:clrFrom>
-                <a:srgbClr val="FFFFFF"/>
-              </a:clrFrom>
-              <a:clrTo>
-                <a:srgbClr val="FFFFFF">
-                  <a:alpha val="0"/>
-                </a:srgbClr>
-              </a:clrTo>
-            </a:clrChange>
-          </a:blip>
-          <a:srcRect/>
-          <a:stretch>
-            <a:fillRect/>
-          </a:stretch>
-        </p:blipFill>
-        <p:spPr bwMode="auto">
-          <a:xfrm>
-            <a:off x="2428860" y="1857364"/>
-            <a:ext cx="1928826" cy="1928826"/>
-          </a:xfrm>
-          <a:prstGeom prst="rect">
-            <a:avLst/>
-          </a:prstGeom>
-          <a:noFill/>
-        </p:spPr>
-      </p:pic>
-      <p:sp>
-        <p:nvSpPr>
-          <p:cNvPr id="22" name="21 Flecha a la derecha con muesca"/>
-          <p:cNvSpPr/>
-          <p:nvPr/>
-        </p:nvSpPr>
-        <p:spPr>
-          <a:xfrm>
-            <a:off x="285720" y="3643314"/>
-            <a:ext cx="3312000" cy="540000"/>
-          </a:xfrm>
-          <a:prstGeom prst="notchedRightArrow">
-            <a:avLst>
-              <a:gd name="adj1" fmla="val 50000"/>
-              <a:gd name="adj2" fmla="val 79046"/>
-            </a:avLst>
-          </a:prstGeom>
-        </p:spPr>
-        <p:style>
-          <a:lnRef idx="1">
-            <a:schemeClr val="accent1"/>
-          </a:lnRef>
-          <a:fillRef idx="2">
-            <a:schemeClr val="accent1"/>
-          </a:fillRef>
-          <a:effectRef idx="1">
-            <a:schemeClr val="accent1"/>
-          </a:effectRef>
-          <a:fontRef idx="minor">
-            <a:schemeClr val="dk1"/>
-          </a:fontRef>
-        </p:style>
-        <p:txBody>
-          <a:bodyPr rtlCol="0" anchor="ctr"/>
-          <a:lstStyle/>
-          <a:p>
-            <a:r>
-              <a:rPr lang="es-CO" sz="1600" b="1" dirty="0" smtClean="0">
-                <a:effectLst>
-                  <a:outerShdw blurRad="38100" dist="38100" dir="2700000" algn="tl">
-                    <a:srgbClr val="000000">
-                      <a:alpha val="43137"/>
-                    </a:srgbClr>
-                  </a:outerShdw>
-                </a:effectLst>
-              </a:rPr>
-              <a:t>PQRS</a:t>
-            </a:r>
-            <a:endParaRPr lang="es-CO" sz="1600" b="1" dirty="0">
-              <a:effectLst>
-                <a:outerShdw blurRad="38100" dist="38100" dir="2700000" algn="tl">
-                  <a:srgbClr val="000000">
-                    <a:alpha val="43137"/>
-                  </a:srgbClr>
-                </a:outerShdw>
-              </a:effectLst>
-            </a:endParaRPr>
-          </a:p>
-        </p:txBody>
-      </p:sp>
-      <p:sp>
-        <p:nvSpPr>
-          <p:cNvPr id="23" name="22 Flecha a la derecha con muesca"/>
-          <p:cNvSpPr/>
-          <p:nvPr/>
-        </p:nvSpPr>
-        <p:spPr>
-          <a:xfrm>
-            <a:off x="552014" y="4135393"/>
-            <a:ext cx="3312000" cy="540000"/>
-          </a:xfrm>
-          <a:prstGeom prst="notchedRightArrow">
-            <a:avLst>
-              <a:gd name="adj1" fmla="val 50000"/>
-              <a:gd name="adj2" fmla="val 79046"/>
-            </a:avLst>
-          </a:prstGeom>
-        </p:spPr>
-        <p:style>
-          <a:lnRef idx="1">
-            <a:schemeClr val="accent1"/>
-          </a:lnRef>
-          <a:fillRef idx="2">
-            <a:schemeClr val="accent1"/>
-          </a:fillRef>
-          <a:effectRef idx="1">
-            <a:schemeClr val="accent1"/>
-          </a:effectRef>
-          <a:fontRef idx="minor">
-            <a:schemeClr val="dk1"/>
-          </a:fontRef>
-        </p:style>
-        <p:txBody>
-          <a:bodyPr rtlCol="0" anchor="ctr"/>
-          <a:lstStyle/>
-          <a:p>
-            <a:r>
-              <a:rPr lang="es-CO" sz="1600" b="1" dirty="0" smtClean="0">
-                <a:effectLst>
-                  <a:outerShdw blurRad="38100" dist="38100" dir="2700000" algn="tl">
-                    <a:srgbClr val="000000">
-                      <a:alpha val="43137"/>
-                    </a:srgbClr>
-                  </a:outerShdw>
-                </a:effectLst>
-              </a:rPr>
-              <a:t>Pagos Online</a:t>
-            </a:r>
-            <a:endParaRPr lang="es-CO" sz="1600" b="1" dirty="0">
-              <a:effectLst>
-                <a:outerShdw blurRad="38100" dist="38100" dir="2700000" algn="tl">
-                  <a:srgbClr val="000000">
-                    <a:alpha val="43137"/>
-                  </a:srgbClr>
-                </a:outerShdw>
-              </a:effectLst>
-            </a:endParaRPr>
-          </a:p>
-        </p:txBody>
-      </p:sp>
-      <p:sp>
-        <p:nvSpPr>
-          <p:cNvPr id="24" name="23 Flecha a la derecha con muesca"/>
-          <p:cNvSpPr/>
-          <p:nvPr/>
-        </p:nvSpPr>
-        <p:spPr>
-          <a:xfrm>
-            <a:off x="818308" y="4627472"/>
-            <a:ext cx="3312000" cy="540000"/>
-          </a:xfrm>
-          <a:prstGeom prst="notchedRightArrow">
-            <a:avLst>
-              <a:gd name="adj1" fmla="val 59540"/>
-              <a:gd name="adj2" fmla="val 79046"/>
-            </a:avLst>
-          </a:prstGeom>
-        </p:spPr>
-        <p:style>
-          <a:lnRef idx="1">
-            <a:schemeClr val="accent1"/>
-          </a:lnRef>
-          <a:fillRef idx="2">
-            <a:schemeClr val="accent1"/>
-          </a:fillRef>
-          <a:effectRef idx="1">
-            <a:schemeClr val="accent1"/>
-          </a:effectRef>
-          <a:fontRef idx="minor">
-            <a:schemeClr val="dk1"/>
-          </a:fontRef>
-        </p:style>
-        <p:txBody>
-          <a:bodyPr rtlCol="0" anchor="ctr"/>
-          <a:lstStyle/>
-          <a:p>
-            <a:r>
-              <a:rPr lang="es-CO" sz="1600" b="1" dirty="0" smtClean="0">
-                <a:effectLst>
-                  <a:outerShdw blurRad="38100" dist="38100" dir="2700000" algn="tl">
-                    <a:srgbClr val="000000">
-                      <a:alpha val="43137"/>
-                    </a:srgbClr>
-                  </a:outerShdw>
-                </a:effectLst>
-              </a:rPr>
-              <a:t>Comunicación entre entidades</a:t>
-            </a:r>
-            <a:endParaRPr lang="es-CO" sz="1600" b="1" dirty="0">
-              <a:effectLst>
-                <a:outerShdw blurRad="38100" dist="38100" dir="2700000" algn="tl">
-                  <a:srgbClr val="000000">
-                    <a:alpha val="43137"/>
-                  </a:srgbClr>
-                </a:outerShdw>
-              </a:effectLst>
-            </a:endParaRPr>
-          </a:p>
-        </p:txBody>
-      </p:sp>
-      <p:sp>
-        <p:nvSpPr>
-          <p:cNvPr id="25" name="24 Flecha a la derecha con muesca"/>
-          <p:cNvSpPr/>
-          <p:nvPr/>
-        </p:nvSpPr>
-        <p:spPr>
-          <a:xfrm>
-            <a:off x="1084602" y="5119551"/>
-            <a:ext cx="3312000" cy="540000"/>
-          </a:xfrm>
-          <a:prstGeom prst="notchedRightArrow">
-            <a:avLst>
-              <a:gd name="adj1" fmla="val 50000"/>
-              <a:gd name="adj2" fmla="val 79046"/>
-            </a:avLst>
-          </a:prstGeom>
-        </p:spPr>
-        <p:style>
-          <a:lnRef idx="1">
-            <a:schemeClr val="accent1"/>
-          </a:lnRef>
-          <a:fillRef idx="2">
-            <a:schemeClr val="accent1"/>
-          </a:fillRef>
-          <a:effectRef idx="1">
-            <a:schemeClr val="accent1"/>
-          </a:effectRef>
-          <a:fontRef idx="minor">
-            <a:schemeClr val="dk1"/>
-          </a:fontRef>
-        </p:style>
-        <p:txBody>
-          <a:bodyPr rtlCol="0" anchor="ctr"/>
-          <a:lstStyle/>
-          <a:p>
-            <a:r>
-              <a:rPr lang="es-CO" sz="1600" b="1" dirty="0" smtClean="0">
-                <a:effectLst>
-                  <a:outerShdw blurRad="38100" dist="38100" dir="2700000" algn="tl">
-                    <a:srgbClr val="000000">
-                      <a:alpha val="43137"/>
-                    </a:srgbClr>
-                  </a:outerShdw>
-                </a:effectLst>
-              </a:rPr>
-              <a:t>Fabricantes Preferentes</a:t>
-            </a:r>
-            <a:endParaRPr lang="es-CO" sz="1600" b="1" dirty="0">
-              <a:effectLst>
-                <a:outerShdw blurRad="38100" dist="38100" dir="2700000" algn="tl">
-                  <a:srgbClr val="000000">
-                    <a:alpha val="43137"/>
-                  </a:srgbClr>
-                </a:outerShdw>
-              </a:effectLst>
-            </a:endParaRPr>
-          </a:p>
-        </p:txBody>
-      </p:sp>
-      <p:sp>
-        <p:nvSpPr>
-          <p:cNvPr id="26" name="25 Flecha a la derecha con muesca"/>
-          <p:cNvSpPr/>
-          <p:nvPr/>
-        </p:nvSpPr>
-        <p:spPr>
-          <a:xfrm>
-            <a:off x="1350896" y="5611630"/>
-            <a:ext cx="3312000" cy="540000"/>
-          </a:xfrm>
-          <a:prstGeom prst="notchedRightArrow">
-            <a:avLst>
-              <a:gd name="adj1" fmla="val 50000"/>
-              <a:gd name="adj2" fmla="val 79046"/>
-            </a:avLst>
-          </a:prstGeom>
-        </p:spPr>
-        <p:style>
-          <a:lnRef idx="1">
-            <a:schemeClr val="accent1"/>
-          </a:lnRef>
-          <a:fillRef idx="2">
-            <a:schemeClr val="accent1"/>
-          </a:fillRef>
-          <a:effectRef idx="1">
-            <a:schemeClr val="accent1"/>
-          </a:effectRef>
-          <a:fontRef idx="minor">
-            <a:schemeClr val="dk1"/>
-          </a:fontRef>
-        </p:style>
-        <p:txBody>
-          <a:bodyPr rtlCol="0" anchor="ctr"/>
-          <a:lstStyle/>
-          <a:p>
-            <a:r>
-              <a:rPr lang="es-CO" sz="1600" b="1" dirty="0" smtClean="0">
-                <a:effectLst>
-                  <a:outerShdw blurRad="38100" dist="38100" dir="2700000" algn="tl">
-                    <a:srgbClr val="000000">
-                      <a:alpha val="43137"/>
-                    </a:srgbClr>
-                  </a:outerShdw>
-                </a:effectLst>
-              </a:rPr>
-              <a:t>Vista 360°</a:t>
-            </a:r>
-            <a:endParaRPr lang="es-CO" sz="1600" b="1" dirty="0">
-              <a:effectLst>
-                <a:outerShdw blurRad="38100" dist="38100" dir="2700000" algn="tl">
-                  <a:srgbClr val="000000">
-                    <a:alpha val="43137"/>
-                  </a:srgbClr>
-                </a:outerShdw>
-              </a:effectLst>
-            </a:endParaRPr>
-          </a:p>
-        </p:txBody>
-      </p:sp>
-      <p:sp>
-        <p:nvSpPr>
-          <p:cNvPr id="27" name="26 Flecha a la derecha con muesca"/>
-          <p:cNvSpPr/>
-          <p:nvPr/>
-        </p:nvSpPr>
-        <p:spPr>
-          <a:xfrm>
-            <a:off x="1617190" y="6103710"/>
-            <a:ext cx="3312000" cy="540000"/>
-          </a:xfrm>
-          <a:prstGeom prst="notchedRightArrow">
-            <a:avLst>
-              <a:gd name="adj1" fmla="val 50000"/>
-              <a:gd name="adj2" fmla="val 79046"/>
-            </a:avLst>
-          </a:prstGeom>
-        </p:spPr>
-        <p:style>
-          <a:lnRef idx="1">
-            <a:schemeClr val="accent1"/>
-          </a:lnRef>
-          <a:fillRef idx="2">
-            <a:schemeClr val="accent1"/>
-          </a:fillRef>
-          <a:effectRef idx="1">
-            <a:schemeClr val="accent1"/>
-          </a:effectRef>
-          <a:fontRef idx="minor">
-            <a:schemeClr val="dk1"/>
-          </a:fontRef>
-        </p:style>
-        <p:txBody>
-          <a:bodyPr rtlCol="0" anchor="ctr"/>
-          <a:lstStyle/>
-          <a:p>
-            <a:r>
-              <a:rPr lang="es-CO" sz="1600" b="1" dirty="0" smtClean="0">
-                <a:effectLst>
-                  <a:outerShdw blurRad="38100" dist="38100" dir="2700000" algn="tl">
-                    <a:srgbClr val="000000">
-                      <a:alpha val="43137"/>
-                    </a:srgbClr>
-                  </a:outerShdw>
-                </a:effectLst>
-              </a:rPr>
-              <a:t>Estándares Internacionales</a:t>
-            </a:r>
-            <a:endParaRPr lang="es-CO" sz="1600" b="1" dirty="0">
-              <a:effectLst>
-                <a:outerShdw blurRad="38100" dist="38100" dir="2700000" algn="tl">
-                  <a:srgbClr val="000000">
-                    <a:alpha val="43137"/>
-                  </a:srgbClr>
-                </a:outerShdw>
-              </a:effectLst>
-            </a:endParaRPr>
-          </a:p>
-        </p:txBody>
-      </p:sp>
     </p:spTree>
   </p:cSld>
   <p:clrMapOvr>
     <a:masterClrMapping/>
   </p:clrMapOvr>
+  <p:timing>
+    <p:tnLst>
+      <p:par>
+        <p:cTn id="1" dur="indefinite" restart="never" nodeType="tmRoot"/>
+      </p:par>
+    </p:tnLst>
+  </p:timing>
 </p:sld>
 </file>
 
-<file path=ppt/slides/slide4.xml><?xml version="1.0" encoding="utf-8"?>
+<file path=ppt/slides/slide2.xml><?xml version="1.0" encoding="utf-8"?>
 <p:sld xmlns:a="http://schemas.openxmlformats.org/drawingml/2006/main" xmlns:r="http://schemas.openxmlformats.org/officeDocument/2006/relationships" xmlns:p="http://schemas.openxmlformats.org/presentationml/2006/main">
   <p:cSld>
     <p:spTree>
@@ -6170,14 +5648,14 @@
       </p:grpSpPr>
       <p:pic>
         <p:nvPicPr>
-          <p:cNvPr id="1026" name="Picture 2" descr="C:\Users\Erik\Desktop\mapamundi blank.png"/>
+          <p:cNvPr id="14" name="Picture 2" descr="C:\Users\Erik\Desktop\mapamundi blank.png"/>
           <p:cNvPicPr>
             <a:picLocks noChangeAspect="1" noChangeArrowheads="1"/>
           </p:cNvPicPr>
           <p:nvPr/>
         </p:nvPicPr>
         <p:blipFill>
-          <a:blip r:embed="rId3" cstate="print"/>
+          <a:blip r:embed="rId2"/>
           <a:srcRect/>
           <a:stretch>
             <a:fillRect/>
@@ -6185,8 +5663,8 @@
         </p:blipFill>
         <p:spPr bwMode="auto">
           <a:xfrm>
-            <a:off x="3032066" y="142852"/>
-            <a:ext cx="968430" cy="484215"/>
+            <a:off x="3889322" y="4052074"/>
+            <a:ext cx="4897520" cy="2448760"/>
           </a:xfrm>
           <a:prstGeom prst="rect">
             <a:avLst/>
@@ -6196,7 +5674,39 @@
       </p:pic>
       <p:pic>
         <p:nvPicPr>
-          <p:cNvPr id="4" name="Picture 3" descr="F:\[ECOS]\ingenium-managment\ingenium-logo.png"/>
+          <p:cNvPr id="4" name="3 Imagen"/>
+          <p:cNvPicPr>
+            <a:picLocks noChangeAspect="1"/>
+          </p:cNvPicPr>
+          <p:nvPr/>
+        </p:nvPicPr>
+        <p:blipFill>
+          <a:blip r:embed="rId3" cstate="print"/>
+          <a:srcRect l="3380"/>
+          <a:stretch>
+            <a:fillRect/>
+          </a:stretch>
+        </p:blipFill>
+        <p:spPr bwMode="auto">
+          <a:xfrm>
+            <a:off x="214282" y="142852"/>
+            <a:ext cx="1738834" cy="605740"/>
+          </a:xfrm>
+          <a:prstGeom prst="rect">
+            <a:avLst/>
+          </a:prstGeom>
+          <a:noFill/>
+          <a:ln w="9525">
+            <a:noFill/>
+            <a:miter lim="800000"/>
+            <a:headEnd/>
+            <a:tailEnd/>
+          </a:ln>
+        </p:spPr>
+      </p:pic>
+      <p:pic>
+        <p:nvPicPr>
+          <p:cNvPr id="1027" name="Picture 3" descr="F:\[ECOS]\ingenium-managment\ingenium-logo.png"/>
           <p:cNvPicPr>
             <a:picLocks noChangeAspect="1" noChangeArrowheads="1"/>
           </p:cNvPicPr>
@@ -6211,8 +5721,8 @@
         </p:blipFill>
         <p:spPr bwMode="auto">
           <a:xfrm>
-            <a:off x="6786578" y="142852"/>
-            <a:ext cx="2119306" cy="709748"/>
+            <a:off x="5500694" y="285728"/>
+            <a:ext cx="3333752" cy="1116461"/>
           </a:xfrm>
           <a:prstGeom prst="rect">
             <a:avLst/>
@@ -6222,14 +5732,14 @@
       </p:pic>
       <p:cxnSp>
         <p:nvCxnSpPr>
-          <p:cNvPr id="7" name="6 Conector recto"/>
+          <p:cNvPr id="15" name="14 Conector recto"/>
           <p:cNvCxnSpPr/>
           <p:nvPr/>
         </p:nvCxnSpPr>
         <p:spPr>
           <a:xfrm>
-            <a:off x="504000" y="855644"/>
-            <a:ext cx="8640000" cy="1588"/>
+            <a:off x="500034" y="1571612"/>
+            <a:ext cx="8643966" cy="1588"/>
           </a:xfrm>
           <a:prstGeom prst="line">
             <a:avLst/>
@@ -6250,95 +5760,516 @@
           </a:fontRef>
         </p:style>
       </p:cxnSp>
-      <p:sp>
-        <p:nvSpPr>
-          <p:cNvPr id="6" name="8 Título"/>
-          <p:cNvSpPr txBox="1">
-            <a:spLocks/>
-          </p:cNvSpPr>
-          <p:nvPr/>
-        </p:nvSpPr>
+      <p:cxnSp>
+        <p:nvCxnSpPr>
+          <p:cNvPr id="17" name="16 Conector recto"/>
+          <p:cNvCxnSpPr/>
+          <p:nvPr/>
+        </p:nvCxnSpPr>
         <p:spPr>
           <a:xfrm>
-            <a:off x="457200" y="928670"/>
-            <a:ext cx="4829180" cy="439718"/>
+            <a:off x="4714876" y="1357298"/>
+            <a:ext cx="4429124" cy="1588"/>
+          </a:xfrm>
+          <a:prstGeom prst="line">
+            <a:avLst/>
+          </a:prstGeom>
+        </p:spPr>
+        <p:style>
+          <a:lnRef idx="3">
+            <a:schemeClr val="accent6"/>
+          </a:lnRef>
+          <a:fillRef idx="0">
+            <a:schemeClr val="accent6"/>
+          </a:fillRef>
+          <a:effectRef idx="2">
+            <a:schemeClr val="accent6"/>
+          </a:effectRef>
+          <a:fontRef idx="minor">
+            <a:schemeClr val="tx1"/>
+          </a:fontRef>
+        </p:style>
+      </p:cxnSp>
+      <p:sp>
+        <p:nvSpPr>
+          <p:cNvPr id="8" name="7 CuadroTexto"/>
+          <p:cNvSpPr txBox="1"/>
+          <p:nvPr/>
+        </p:nvSpPr>
+        <p:spPr>
+          <a:xfrm>
+            <a:off x="6143636" y="1714488"/>
+            <a:ext cx="2786050" cy="1738938"/>
           </a:xfrm>
           <a:prstGeom prst="rect">
             <a:avLst/>
           </a:prstGeom>
-        </p:spPr>
-        <p:txBody>
-          <a:bodyPr vert="horz" lIns="91440" tIns="45720" rIns="91440" bIns="45720" rtlCol="0" anchor="ctr">
-            <a:noAutofit/>
+          <a:noFill/>
+        </p:spPr>
+        <p:txBody>
+          <a:bodyPr wrap="square" rtlCol="0">
+            <a:spAutoFit/>
           </a:bodyPr>
           <a:lstStyle/>
           <a:p>
-            <a:pPr marL="0" marR="0" lvl="0" indent="0" algn="l" defTabSz="914400" rtl="0" eaLnBrk="1" fontAlgn="auto" latinLnBrk="0" hangingPunct="1">
-              <a:lnSpc>
-                <a:spcPct val="100000"/>
-              </a:lnSpc>
-              <a:spcBef>
-                <a:spcPct val="0"/>
-              </a:spcBef>
-              <a:spcAft>
-                <a:spcPts val="0"/>
-              </a:spcAft>
-              <a:buClrTx/>
-              <a:buSzTx/>
-              <a:buFontTx/>
-              <a:buNone/>
-              <a:tabLst/>
-              <a:defRPr/>
-            </a:pPr>
-            <a:r>
-              <a:rPr kumimoji="0" lang="es-CO" sz="2400" i="1" u="none" strike="noStrike" kern="1200" cap="none" spc="0" normalizeH="0" baseline="0" noProof="0" dirty="0" smtClean="0">
-                <a:ln>
-                  <a:noFill/>
-                </a:ln>
-                <a:solidFill>
-                  <a:schemeClr val="tx1"/>
-                </a:solidFill>
+            <a:r>
+              <a:rPr lang="es-CO" sz="1600" b="1" i="1" dirty="0" smtClean="0"/>
+              <a:t>200819123      Carlos González</a:t>
+            </a:r>
+          </a:p>
+          <a:p>
+            <a:r>
+              <a:rPr lang="es-CO" sz="1600" b="1" i="1" dirty="0" smtClean="0"/>
+              <a:t>201110951      Sandra Gómez</a:t>
+            </a:r>
+          </a:p>
+          <a:p>
+            <a:r>
+              <a:rPr lang="es-CO" sz="1600" b="1" i="1" dirty="0" smtClean="0"/>
+              <a:t>201110949      Andrés Erazo</a:t>
+            </a:r>
+          </a:p>
+          <a:p>
+            <a:r>
+              <a:rPr lang="es-CO" sz="1600" b="1" i="1" dirty="0" smtClean="0"/>
+              <a:t>201117818      David Pérez</a:t>
+            </a:r>
+          </a:p>
+          <a:p>
+            <a:r>
+              <a:rPr lang="es-CO" sz="1600" b="1" i="1" dirty="0" smtClean="0"/>
+              <a:t>201110544      </a:t>
+            </a:r>
+            <a:r>
+              <a:rPr lang="es-CO" sz="1600" b="1" i="1" dirty="0" err="1" smtClean="0"/>
+              <a:t>Willian</a:t>
+            </a:r>
+            <a:r>
+              <a:rPr lang="es-CO" sz="1600" b="1" i="1" dirty="0" smtClean="0"/>
+              <a:t> </a:t>
+            </a:r>
+            <a:r>
+              <a:rPr lang="es-CO" sz="1600" b="1" i="1" dirty="0" err="1" smtClean="0"/>
+              <a:t>Idrobo</a:t>
+            </a:r>
+            <a:endParaRPr lang="es-CO" sz="1600" b="1" i="1" dirty="0" smtClean="0"/>
+          </a:p>
+          <a:p>
+            <a:r>
+              <a:rPr lang="es-CO" sz="1600" b="1" i="1" dirty="0" smtClean="0"/>
+              <a:t>201110856      Erik Arcos</a:t>
+            </a:r>
+          </a:p>
+          <a:p>
+            <a:endParaRPr lang="es-CO" sz="1100" b="1" i="1" dirty="0"/>
+          </a:p>
+        </p:txBody>
+      </p:sp>
+      <p:cxnSp>
+        <p:nvCxnSpPr>
+          <p:cNvPr id="9" name="8 Conector recto"/>
+          <p:cNvCxnSpPr/>
+          <p:nvPr/>
+        </p:nvCxnSpPr>
+        <p:spPr>
+          <a:xfrm rot="5400000" flipH="1" flipV="1">
+            <a:off x="6287306" y="2571744"/>
+            <a:ext cx="2000264" cy="1588"/>
+          </a:xfrm>
+          <a:prstGeom prst="line">
+            <a:avLst/>
+          </a:prstGeom>
+        </p:spPr>
+        <p:style>
+          <a:lnRef idx="3">
+            <a:schemeClr val="accent6"/>
+          </a:lnRef>
+          <a:fillRef idx="0">
+            <a:schemeClr val="accent6"/>
+          </a:fillRef>
+          <a:effectRef idx="2">
+            <a:schemeClr val="accent6"/>
+          </a:effectRef>
+          <a:fontRef idx="minor">
+            <a:schemeClr val="tx1"/>
+          </a:fontRef>
+        </p:style>
+      </p:cxnSp>
+      <p:pic>
+        <p:nvPicPr>
+          <p:cNvPr id="11" name="10 Imagen"/>
+          <p:cNvPicPr>
+            <a:picLocks noChangeAspect="1"/>
+          </p:cNvPicPr>
+          <p:nvPr/>
+        </p:nvPicPr>
+        <p:blipFill>
+          <a:blip r:embed="rId5" cstate="print">
+            <a:clrChange>
+              <a:clrFrom>
+                <a:srgbClr val="FFFFFF"/>
+              </a:clrFrom>
+              <a:clrTo>
+                <a:srgbClr val="FFFFFF">
+                  <a:alpha val="0"/>
+                </a:srgbClr>
+              </a:clrTo>
+            </a:clrChange>
+          </a:blip>
+          <a:srcRect t="18338" b="30086"/>
+          <a:stretch>
+            <a:fillRect/>
+          </a:stretch>
+        </p:blipFill>
+        <p:spPr bwMode="auto">
+          <a:xfrm>
+            <a:off x="571472" y="2580405"/>
+            <a:ext cx="5083998" cy="1848727"/>
+          </a:xfrm>
+          <a:prstGeom prst="rect">
+            <a:avLst/>
+          </a:prstGeom>
+          <a:noFill/>
+          <a:ln w="9525">
+            <a:noFill/>
+            <a:miter lim="800000"/>
+            <a:headEnd/>
+            <a:tailEnd/>
+          </a:ln>
+        </p:spPr>
+      </p:pic>
+      <p:sp>
+        <p:nvSpPr>
+          <p:cNvPr id="12" name="11 Rectángulo"/>
+          <p:cNvSpPr/>
+          <p:nvPr/>
+        </p:nvSpPr>
+        <p:spPr>
+          <a:xfrm>
+            <a:off x="2143108" y="4214818"/>
+            <a:ext cx="3500462" cy="769441"/>
+          </a:xfrm>
+          <a:prstGeom prst="rect">
+            <a:avLst/>
+          </a:prstGeom>
+          <a:noFill/>
+        </p:spPr>
+        <p:txBody>
+          <a:bodyPr wrap="square" lIns="91440" tIns="45720" rIns="91440" bIns="45720">
+            <a:spAutoFit/>
+            <a:scene3d>
+              <a:camera prst="orthographicFront"/>
+              <a:lightRig rig="soft" dir="tl">
+                <a:rot lat="0" lon="0" rev="0"/>
+              </a:lightRig>
+            </a:scene3d>
+            <a:sp3d contourW="25400" prstMaterial="matte">
+              <a:bevelT w="25400" h="55880" prst="artDeco"/>
+              <a:contourClr>
+                <a:schemeClr val="accent2">
+                  <a:tint val="20000"/>
+                </a:schemeClr>
+              </a:contourClr>
+            </a:sp3d>
+          </a:bodyPr>
+          <a:lstStyle/>
+          <a:p>
+            <a:pPr algn="ctr"/>
+            <a:r>
+              <a:rPr lang="es-ES" sz="4400" b="1" spc="50" dirty="0" smtClean="0">
+                <a:ln w="11430"/>
+                <a:gradFill>
+                  <a:gsLst>
+                    <a:gs pos="25000">
+                      <a:schemeClr val="accent2">
+                        <a:satMod val="155000"/>
+                      </a:schemeClr>
+                    </a:gs>
+                    <a:gs pos="100000">
+                      <a:schemeClr val="accent2">
+                        <a:shade val="45000"/>
+                        <a:satMod val="165000"/>
+                      </a:schemeClr>
+                    </a:gs>
+                  </a:gsLst>
+                  <a:lin ang="5400000"/>
+                </a:gradFill>
                 <a:effectLst>
-                  <a:outerShdw blurRad="38100" dist="38100" dir="2700000" algn="tl">
+                  <a:outerShdw blurRad="76200" dist="50800" dir="5400000" algn="tl" rotWithShape="0">
                     <a:srgbClr val="000000">
-                      <a:alpha val="43137"/>
+                      <a:alpha val="65000"/>
                     </a:srgbClr>
                   </a:outerShdw>
                 </a:effectLst>
-                <a:uLnTx/>
-                <a:uFillTx/>
-                <a:latin typeface="+mj-lt"/>
-                <a:ea typeface="+mj-ea"/>
-                <a:cs typeface="+mj-cs"/>
               </a:rPr>
-              <a:t>Diagrama de Solución</a:t>
-            </a:r>
-            <a:endParaRPr kumimoji="0" lang="es-CO" sz="2400" i="1" u="none" strike="noStrike" kern="1200" cap="none" spc="0" normalizeH="0" baseline="0" noProof="0" dirty="0" smtClean="0">
-              <a:ln>
-                <a:noFill/>
-              </a:ln>
-              <a:solidFill>
-                <a:schemeClr val="tx1"/>
-              </a:solidFill>
+              <a:t>Internacional</a:t>
+            </a:r>
+            <a:endParaRPr lang="es-ES" sz="4400" b="1" spc="50" dirty="0">
+              <a:ln w="11430"/>
+              <a:gradFill>
+                <a:gsLst>
+                  <a:gs pos="25000">
+                    <a:schemeClr val="accent2">
+                      <a:satMod val="155000"/>
+                    </a:schemeClr>
+                  </a:gs>
+                  <a:gs pos="100000">
+                    <a:schemeClr val="accent2">
+                      <a:shade val="45000"/>
+                      <a:satMod val="165000"/>
+                    </a:schemeClr>
+                  </a:gs>
+                </a:gsLst>
+                <a:lin ang="5400000"/>
+              </a:gradFill>
               <a:effectLst>
-                <a:outerShdw blurRad="38100" dist="38100" dir="2700000" algn="tl">
+                <a:outerShdw blurRad="76200" dist="50800" dir="5400000" algn="tl" rotWithShape="0">
                   <a:srgbClr val="000000">
-                    <a:alpha val="43137"/>
+                    <a:alpha val="65000"/>
                   </a:srgbClr>
                 </a:outerShdw>
               </a:effectLst>
-              <a:uLnTx/>
-              <a:uFillTx/>
-              <a:latin typeface="+mj-lt"/>
-              <a:ea typeface="+mj-ea"/>
-              <a:cs typeface="+mj-cs"/>
             </a:endParaRPr>
+          </a:p>
+        </p:txBody>
+      </p:sp>
+    </p:spTree>
+  </p:cSld>
+  <p:clrMapOvr>
+    <a:masterClrMapping/>
+  </p:clrMapOvr>
+  <p:timing>
+    <p:tnLst>
+      <p:par>
+        <p:cTn id="1" dur="indefinite" restart="never" nodeType="tmRoot"/>
+      </p:par>
+    </p:tnLst>
+  </p:timing>
+</p:sld>
+</file>
+
+<file path=ppt/slides/slide3.xml><?xml version="1.0" encoding="utf-8"?>
+<p:sld xmlns:a="http://schemas.openxmlformats.org/drawingml/2006/main" xmlns:r="http://schemas.openxmlformats.org/officeDocument/2006/relationships" xmlns:p="http://schemas.openxmlformats.org/presentationml/2006/main">
+  <p:cSld>
+    <p:spTree>
+      <p:nvGrpSpPr>
+        <p:cNvPr id="1" name=""/>
+        <p:cNvGrpSpPr/>
+        <p:nvPr/>
+      </p:nvGrpSpPr>
+      <p:grpSpPr>
+        <a:xfrm>
+          <a:off x="0" y="0"/>
+          <a:ext cx="0" cy="0"/>
+          <a:chOff x="0" y="0"/>
+          <a:chExt cx="0" cy="0"/>
+        </a:xfrm>
+      </p:grpSpPr>
+      <p:sp>
+        <p:nvSpPr>
+          <p:cNvPr id="10" name="9 Marcador de contenido"/>
+          <p:cNvSpPr>
+            <a:spLocks noGrp="1"/>
+          </p:cNvSpPr>
+          <p:nvPr>
+            <p:ph idx="1"/>
+          </p:nvPr>
+        </p:nvSpPr>
+        <p:spPr>
+          <a:xfrm>
+            <a:off x="1028704" y="1600200"/>
+            <a:ext cx="3328982" cy="4525963"/>
+          </a:xfrm>
+        </p:spPr>
+        <p:txBody>
+          <a:bodyPr>
+            <a:normAutofit/>
+          </a:bodyPr>
+          <a:lstStyle/>
+          <a:p>
+            <a:r>
+              <a:rPr lang="es-CO" sz="2000" b="1" i="1" dirty="0" smtClean="0"/>
+              <a:t>Objetivo</a:t>
+            </a:r>
+          </a:p>
+          <a:p>
+            <a:r>
+              <a:rPr lang="es-CO" sz="2000" b="1" i="1" dirty="0" smtClean="0"/>
+              <a:t>Diagrama de Solución</a:t>
+            </a:r>
+          </a:p>
+          <a:p>
+            <a:r>
+              <a:rPr lang="es-CO" sz="2000" b="1" i="1" dirty="0" smtClean="0"/>
+              <a:t>Vista de Componentes</a:t>
+            </a:r>
+          </a:p>
+          <a:p>
+            <a:r>
+              <a:rPr lang="es-CO" sz="2000" b="1" i="1" dirty="0" smtClean="0"/>
+              <a:t>Vista de Seguridad</a:t>
+            </a:r>
+          </a:p>
+          <a:p>
+            <a:r>
+              <a:rPr lang="es-CO" sz="2000" b="1" i="1" dirty="0" smtClean="0"/>
+              <a:t>Vista de Procesos</a:t>
+            </a:r>
+          </a:p>
+          <a:p>
+            <a:r>
+              <a:rPr lang="es-CO" sz="2000" b="1" i="1" dirty="0" smtClean="0"/>
+              <a:t>Portafolio de Servicios</a:t>
+            </a:r>
+          </a:p>
+          <a:p>
+            <a:r>
+              <a:rPr lang="es-CO" sz="2000" b="1" i="1" dirty="0" err="1" smtClean="0"/>
+              <a:t>BluePrint</a:t>
+            </a:r>
+            <a:r>
+              <a:rPr lang="es-CO" sz="2000" b="1" i="1" dirty="0" smtClean="0"/>
+              <a:t> de Arquitectura</a:t>
+            </a:r>
+          </a:p>
+          <a:p>
+            <a:r>
+              <a:rPr lang="es-CO" sz="2000" b="1" i="1" dirty="0" smtClean="0"/>
+              <a:t>Conclusiones</a:t>
+            </a:r>
+          </a:p>
+          <a:p>
+            <a:r>
+              <a:rPr lang="es-CO" sz="2000" b="1" i="1" dirty="0" smtClean="0"/>
+              <a:t>Preguntas?</a:t>
+            </a:r>
+            <a:endParaRPr lang="es-CO" sz="2000" b="1" i="1" dirty="0"/>
           </a:p>
         </p:txBody>
       </p:sp>
       <p:pic>
         <p:nvPicPr>
-          <p:cNvPr id="10" name="9 Imagen"/>
+          <p:cNvPr id="4" name="Picture 3" descr="F:\[ECOS]\ingenium-managment\ingenium-logo.png"/>
+          <p:cNvPicPr>
+            <a:picLocks noChangeAspect="1" noChangeArrowheads="1"/>
+          </p:cNvPicPr>
+          <p:nvPr/>
+        </p:nvPicPr>
+        <p:blipFill>
+          <a:blip r:embed="rId2"/>
+          <a:srcRect/>
+          <a:stretch>
+            <a:fillRect/>
+          </a:stretch>
+        </p:blipFill>
+        <p:spPr bwMode="auto">
+          <a:xfrm>
+            <a:off x="6786578" y="142852"/>
+            <a:ext cx="2119306" cy="709748"/>
+          </a:xfrm>
+          <a:prstGeom prst="rect">
+            <a:avLst/>
+          </a:prstGeom>
+          <a:noFill/>
+        </p:spPr>
+      </p:pic>
+      <p:cxnSp>
+        <p:nvCxnSpPr>
+          <p:cNvPr id="7" name="6 Conector recto"/>
+          <p:cNvCxnSpPr/>
+          <p:nvPr/>
+        </p:nvCxnSpPr>
+        <p:spPr>
+          <a:xfrm>
+            <a:off x="504000" y="855644"/>
+            <a:ext cx="8640000" cy="1588"/>
+          </a:xfrm>
+          <a:prstGeom prst="line">
+            <a:avLst/>
+          </a:prstGeom>
+        </p:spPr>
+        <p:style>
+          <a:lnRef idx="3">
+            <a:schemeClr val="accent6"/>
+          </a:lnRef>
+          <a:fillRef idx="0">
+            <a:schemeClr val="accent6"/>
+          </a:fillRef>
+          <a:effectRef idx="2">
+            <a:schemeClr val="accent6"/>
+          </a:effectRef>
+          <a:fontRef idx="minor">
+            <a:schemeClr val="tx1"/>
+          </a:fontRef>
+        </p:style>
+      </p:cxnSp>
+      <p:pic>
+        <p:nvPicPr>
+          <p:cNvPr id="2050" name="Picture 2" descr="C:\Users\Erik\Desktop\Project management.jpg"/>
+          <p:cNvPicPr>
+            <a:picLocks noChangeAspect="1" noChangeArrowheads="1"/>
+          </p:cNvPicPr>
+          <p:nvPr/>
+        </p:nvPicPr>
+        <p:blipFill>
+          <a:blip r:embed="rId3">
+            <a:clrChange>
+              <a:clrFrom>
+                <a:srgbClr val="FFFFFF"/>
+              </a:clrFrom>
+              <a:clrTo>
+                <a:srgbClr val="FFFFFF">
+                  <a:alpha val="0"/>
+                </a:srgbClr>
+              </a:clrTo>
+            </a:clrChange>
+            <a:grayscl/>
+          </a:blip>
+          <a:srcRect/>
+          <a:stretch>
+            <a:fillRect/>
+          </a:stretch>
+        </p:blipFill>
+        <p:spPr bwMode="auto">
+          <a:xfrm>
+            <a:off x="4037360" y="2500306"/>
+            <a:ext cx="5106672" cy="4357693"/>
+          </a:xfrm>
+          <a:prstGeom prst="rect">
+            <a:avLst/>
+          </a:prstGeom>
+          <a:noFill/>
+        </p:spPr>
+      </p:pic>
+      <p:pic>
+        <p:nvPicPr>
+          <p:cNvPr id="11" name="Picture 2" descr="C:\Users\Erik\Desktop\mapamundi blank.png"/>
+          <p:cNvPicPr>
+            <a:picLocks noChangeAspect="1" noChangeArrowheads="1"/>
+          </p:cNvPicPr>
+          <p:nvPr/>
+        </p:nvPicPr>
+        <p:blipFill>
+          <a:blip r:embed="rId4" cstate="print"/>
+          <a:srcRect/>
+          <a:stretch>
+            <a:fillRect/>
+          </a:stretch>
+        </p:blipFill>
+        <p:spPr bwMode="auto">
+          <a:xfrm>
+            <a:off x="3032066" y="142852"/>
+            <a:ext cx="968430" cy="484215"/>
+          </a:xfrm>
+          <a:prstGeom prst="rect">
+            <a:avLst/>
+          </a:prstGeom>
+          <a:noFill/>
+        </p:spPr>
+      </p:pic>
+      <p:pic>
+        <p:nvPicPr>
+          <p:cNvPr id="12" name="11 Imagen"/>
           <p:cNvPicPr>
             <a:picLocks noChangeAspect="1"/>
           </p:cNvPicPr>
@@ -6370,7 +6301,7 @@
       </p:pic>
       <p:sp>
         <p:nvSpPr>
-          <p:cNvPr id="12" name="11 Rectángulo"/>
+          <p:cNvPr id="13" name="12 Rectángulo"/>
           <p:cNvSpPr/>
           <p:nvPr/>
         </p:nvSpPr>
@@ -6493,149 +6424,9 @@
           </a:fontRef>
         </p:style>
       </p:cxnSp>
-      <p:pic>
-        <p:nvPicPr>
-          <p:cNvPr id="19" name="18 Imagen" descr="E:\Especializacion\Repositorio\CSOF5100 Proyecto 1\Primera Entrega\Diagrama de solucion1.jpg"/>
-          <p:cNvPicPr/>
-          <p:nvPr/>
-        </p:nvPicPr>
-        <p:blipFill>
-          <a:blip r:embed="rId6" cstate="print">
-            <a:extLst>
-              <a:ext uri="{28A0092B-C50C-407E-A947-70E740481C1C}">
-                <a14:useLocalDpi xmlns:ve="http://schemas.openxmlformats.org/markup-compatibility/2006" xmlns:m="http://schemas.openxmlformats.org/officeDocument/2006/math" xmlns:wp="http://schemas.openxmlformats.org/drawingml/2006/wordprocessingDrawing" xmlns:wne="http://schemas.microsoft.com/office/word/2006/wordml" xmlns="" xmlns:wpc="http://schemas.microsoft.com/office/word/2010/wordprocessingCanvas" xmlns:mc="http://schemas.openxmlformats.org/markup-compatibility/2006" xmlns:o="urn:schemas-microsoft-com:office:office" xmlns:v="urn:schemas-microsoft-com:vml" xmlns:wp14="http://schemas.microsoft.com/office/word/2010/wordprocessingDrawing" xmlns:w10="urn:schemas-microsoft-com:office:word" xmlns:w="http://schemas.openxmlformats.org/wordprocessingml/2006/main" xmlns:w14="http://schemas.microsoft.com/office/word/2010/wordml" xmlns:wpg="http://schemas.microsoft.com/office/word/2010/wordprocessingGroup" xmlns:wpi="http://schemas.microsoft.com/office/word/2010/wordprocessingInk" xmlns:wps="http://schemas.microsoft.com/office/word/2010/wordprocessingShape" xmlns:a14="http://schemas.microsoft.com/office/drawing/2010/main" xmlns:pic="http://schemas.openxmlformats.org/drawingml/2006/picture" xmlns:lc="http://schemas.openxmlformats.org/drawingml/2006/lockedCanvas" val="0"/>
-              </a:ext>
-            </a:extLst>
-          </a:blip>
-          <a:srcRect l="4812" t="3407" r="11729" b="2204"/>
-          <a:stretch>
-            <a:fillRect/>
-          </a:stretch>
-        </p:blipFill>
-        <p:spPr bwMode="auto">
-          <a:xfrm>
-            <a:off x="1425357" y="1458586"/>
-            <a:ext cx="6293286" cy="5328000"/>
-          </a:xfrm>
-          <a:prstGeom prst="rect">
-            <a:avLst/>
-          </a:prstGeom>
-          <a:noFill/>
-          <a:ln>
-            <a:noFill/>
-          </a:ln>
-        </p:spPr>
-      </p:pic>
-    </p:spTree>
-  </p:cSld>
-  <p:clrMapOvr>
-    <a:masterClrMapping/>
-  </p:clrMapOvr>
-</p:sld>
-</file>
-
-<file path=ppt/slides/slide5.xml><?xml version="1.0" encoding="utf-8"?>
-<p:sld xmlns:a="http://schemas.openxmlformats.org/drawingml/2006/main" xmlns:r="http://schemas.openxmlformats.org/officeDocument/2006/relationships" xmlns:p="http://schemas.openxmlformats.org/presentationml/2006/main">
-  <p:cSld>
-    <p:spTree>
-      <p:nvGrpSpPr>
-        <p:cNvPr id="1" name=""/>
-        <p:cNvGrpSpPr/>
-        <p:nvPr/>
-      </p:nvGrpSpPr>
-      <p:grpSpPr>
-        <a:xfrm>
-          <a:off x="0" y="0"/>
-          <a:ext cx="0" cy="0"/>
-          <a:chOff x="0" y="0"/>
-          <a:chExt cx="0" cy="0"/>
-        </a:xfrm>
-      </p:grpSpPr>
-      <p:pic>
-        <p:nvPicPr>
-          <p:cNvPr id="1026" name="Picture 2" descr="C:\Users\Erik\Desktop\mapamundi blank.png"/>
-          <p:cNvPicPr>
-            <a:picLocks noChangeAspect="1" noChangeArrowheads="1"/>
-          </p:cNvPicPr>
-          <p:nvPr/>
-        </p:nvPicPr>
-        <p:blipFill>
-          <a:blip r:embed="rId3" cstate="print"/>
-          <a:srcRect/>
-          <a:stretch>
-            <a:fillRect/>
-          </a:stretch>
-        </p:blipFill>
-        <p:spPr bwMode="auto">
-          <a:xfrm>
-            <a:off x="3032066" y="142852"/>
-            <a:ext cx="968430" cy="484215"/>
-          </a:xfrm>
-          <a:prstGeom prst="rect">
-            <a:avLst/>
-          </a:prstGeom>
-          <a:noFill/>
-        </p:spPr>
-      </p:pic>
-      <p:pic>
-        <p:nvPicPr>
-          <p:cNvPr id="4" name="Picture 3" descr="F:\[ECOS]\ingenium-managment\ingenium-logo.png"/>
-          <p:cNvPicPr>
-            <a:picLocks noChangeAspect="1" noChangeArrowheads="1"/>
-          </p:cNvPicPr>
-          <p:nvPr/>
-        </p:nvPicPr>
-        <p:blipFill>
-          <a:blip r:embed="rId4"/>
-          <a:srcRect/>
-          <a:stretch>
-            <a:fillRect/>
-          </a:stretch>
-        </p:blipFill>
-        <p:spPr bwMode="auto">
-          <a:xfrm>
-            <a:off x="6786578" y="142852"/>
-            <a:ext cx="2119306" cy="709748"/>
-          </a:xfrm>
-          <a:prstGeom prst="rect">
-            <a:avLst/>
-          </a:prstGeom>
-          <a:noFill/>
-        </p:spPr>
-      </p:pic>
-      <p:cxnSp>
-        <p:nvCxnSpPr>
-          <p:cNvPr id="7" name="6 Conector recto"/>
-          <p:cNvCxnSpPr/>
-          <p:nvPr/>
-        </p:nvCxnSpPr>
-        <p:spPr>
-          <a:xfrm>
-            <a:off x="504000" y="855644"/>
-            <a:ext cx="8640000" cy="1588"/>
-          </a:xfrm>
-          <a:prstGeom prst="line">
-            <a:avLst/>
-          </a:prstGeom>
-        </p:spPr>
-        <p:style>
-          <a:lnRef idx="3">
-            <a:schemeClr val="accent6"/>
-          </a:lnRef>
-          <a:fillRef idx="0">
-            <a:schemeClr val="accent6"/>
-          </a:fillRef>
-          <a:effectRef idx="2">
-            <a:schemeClr val="accent6"/>
-          </a:effectRef>
-          <a:fontRef idx="minor">
-            <a:schemeClr val="tx1"/>
-          </a:fontRef>
-        </p:style>
-      </p:cxnSp>
-      <p:sp>
-        <p:nvSpPr>
-          <p:cNvPr id="6" name="8 Título"/>
+      <p:sp>
+        <p:nvSpPr>
+          <p:cNvPr id="15" name="8 Título"/>
           <p:cNvSpPr txBox="1">
             <a:spLocks/>
           </p:cNvSpPr>
@@ -6644,14 +6435,14 @@
         <p:spPr>
           <a:xfrm>
             <a:off x="457200" y="928670"/>
-            <a:ext cx="2114536" cy="928694"/>
+            <a:ext cx="4829180" cy="439718"/>
           </a:xfrm>
           <a:prstGeom prst="rect">
             <a:avLst/>
           </a:prstGeom>
         </p:spPr>
         <p:txBody>
-          <a:bodyPr vert="horz" lIns="91440" tIns="45720" rIns="91440" bIns="45720" rtlCol="0" anchor="t">
+          <a:bodyPr vert="horz" lIns="91440" tIns="45720" rIns="91440" bIns="45720" rtlCol="0" anchor="ctr">
             <a:noAutofit/>
           </a:bodyPr>
           <a:lstStyle/>
@@ -6694,28 +6485,214 @@
                 <a:ea typeface="+mj-ea"/>
                 <a:cs typeface="+mj-cs"/>
               </a:rPr>
-              <a:t>Vista de Componentes</a:t>
-            </a:r>
-            <a:endParaRPr kumimoji="0" lang="es-CO" sz="2400" i="1" u="none" strike="noStrike" kern="1200" cap="none" spc="0" normalizeH="0" baseline="0" noProof="0" dirty="0" smtClean="0">
-              <a:ln>
-                <a:noFill/>
-              </a:ln>
-              <a:solidFill>
-                <a:schemeClr val="tx1"/>
-              </a:solidFill>
-              <a:effectLst>
-                <a:outerShdw blurRad="38100" dist="38100" dir="2700000" algn="tl">
-                  <a:srgbClr val="000000">
-                    <a:alpha val="43137"/>
-                  </a:srgbClr>
-                </a:outerShdw>
-              </a:effectLst>
-              <a:uLnTx/>
-              <a:uFillTx/>
-              <a:latin typeface="+mj-lt"/>
-              <a:ea typeface="+mj-ea"/>
-              <a:cs typeface="+mj-cs"/>
-            </a:endParaRPr>
+              <a:t>Agenda</a:t>
+            </a:r>
+          </a:p>
+        </p:txBody>
+      </p:sp>
+    </p:spTree>
+  </p:cSld>
+  <p:clrMapOvr>
+    <a:masterClrMapping/>
+  </p:clrMapOvr>
+  <p:timing>
+    <p:tnLst>
+      <p:par>
+        <p:cTn id="1" dur="indefinite" restart="never" nodeType="tmRoot"/>
+      </p:par>
+    </p:tnLst>
+  </p:timing>
+</p:sld>
+</file>
+
+<file path=ppt/slides/slide4.xml><?xml version="1.0" encoding="utf-8"?>
+<p:sld xmlns:a="http://schemas.openxmlformats.org/drawingml/2006/main" xmlns:r="http://schemas.openxmlformats.org/officeDocument/2006/relationships" xmlns:p="http://schemas.openxmlformats.org/presentationml/2006/main">
+  <p:cSld>
+    <p:spTree>
+      <p:nvGrpSpPr>
+        <p:cNvPr id="1" name=""/>
+        <p:cNvGrpSpPr/>
+        <p:nvPr/>
+      </p:nvGrpSpPr>
+      <p:grpSpPr>
+        <a:xfrm>
+          <a:off x="0" y="0"/>
+          <a:ext cx="0" cy="0"/>
+          <a:chOff x="0" y="0"/>
+          <a:chExt cx="0" cy="0"/>
+        </a:xfrm>
+      </p:grpSpPr>
+      <p:pic>
+        <p:nvPicPr>
+          <p:cNvPr id="28" name="Picture 2" descr="C:\Users\Erik\Desktop\mapamundi blank.png"/>
+          <p:cNvPicPr>
+            <a:picLocks noChangeAspect="1" noChangeArrowheads="1"/>
+          </p:cNvPicPr>
+          <p:nvPr/>
+        </p:nvPicPr>
+        <p:blipFill>
+          <a:blip r:embed="rId3"/>
+          <a:srcRect r="20343"/>
+          <a:stretch>
+            <a:fillRect/>
+          </a:stretch>
+        </p:blipFill>
+        <p:spPr bwMode="auto">
+          <a:xfrm>
+            <a:off x="5072066" y="1857364"/>
+            <a:ext cx="4071934" cy="2555917"/>
+          </a:xfrm>
+          <a:prstGeom prst="rect">
+            <a:avLst/>
+          </a:prstGeom>
+          <a:noFill/>
+        </p:spPr>
+      </p:pic>
+      <p:pic>
+        <p:nvPicPr>
+          <p:cNvPr id="1026" name="Picture 2" descr="C:\Users\Erik\Desktop\mapamundi blank.png"/>
+          <p:cNvPicPr>
+            <a:picLocks noChangeAspect="1" noChangeArrowheads="1"/>
+          </p:cNvPicPr>
+          <p:nvPr/>
+        </p:nvPicPr>
+        <p:blipFill>
+          <a:blip r:embed="rId4" cstate="print"/>
+          <a:srcRect/>
+          <a:stretch>
+            <a:fillRect/>
+          </a:stretch>
+        </p:blipFill>
+        <p:spPr bwMode="auto">
+          <a:xfrm>
+            <a:off x="3032066" y="142852"/>
+            <a:ext cx="968430" cy="484215"/>
+          </a:xfrm>
+          <a:prstGeom prst="rect">
+            <a:avLst/>
+          </a:prstGeom>
+          <a:noFill/>
+        </p:spPr>
+      </p:pic>
+      <p:pic>
+        <p:nvPicPr>
+          <p:cNvPr id="4" name="Picture 3" descr="F:\[ECOS]\ingenium-managment\ingenium-logo.png"/>
+          <p:cNvPicPr>
+            <a:picLocks noChangeAspect="1" noChangeArrowheads="1"/>
+          </p:cNvPicPr>
+          <p:nvPr/>
+        </p:nvPicPr>
+        <p:blipFill>
+          <a:blip r:embed="rId5"/>
+          <a:srcRect/>
+          <a:stretch>
+            <a:fillRect/>
+          </a:stretch>
+        </p:blipFill>
+        <p:spPr bwMode="auto">
+          <a:xfrm>
+            <a:off x="6786578" y="142852"/>
+            <a:ext cx="2119306" cy="709748"/>
+          </a:xfrm>
+          <a:prstGeom prst="rect">
+            <a:avLst/>
+          </a:prstGeom>
+          <a:noFill/>
+        </p:spPr>
+      </p:pic>
+      <p:cxnSp>
+        <p:nvCxnSpPr>
+          <p:cNvPr id="7" name="6 Conector recto"/>
+          <p:cNvCxnSpPr/>
+          <p:nvPr/>
+        </p:nvCxnSpPr>
+        <p:spPr>
+          <a:xfrm>
+            <a:off x="504000" y="855644"/>
+            <a:ext cx="8640000" cy="1588"/>
+          </a:xfrm>
+          <a:prstGeom prst="line">
+            <a:avLst/>
+          </a:prstGeom>
+        </p:spPr>
+        <p:style>
+          <a:lnRef idx="3">
+            <a:schemeClr val="accent6"/>
+          </a:lnRef>
+          <a:fillRef idx="0">
+            <a:schemeClr val="accent6"/>
+          </a:fillRef>
+          <a:effectRef idx="2">
+            <a:schemeClr val="accent6"/>
+          </a:effectRef>
+          <a:fontRef idx="minor">
+            <a:schemeClr val="tx1"/>
+          </a:fontRef>
+        </p:style>
+      </p:cxnSp>
+      <p:sp>
+        <p:nvSpPr>
+          <p:cNvPr id="6" name="8 Título"/>
+          <p:cNvSpPr txBox="1">
+            <a:spLocks/>
+          </p:cNvSpPr>
+          <p:nvPr/>
+        </p:nvSpPr>
+        <p:spPr>
+          <a:xfrm>
+            <a:off x="457200" y="928670"/>
+            <a:ext cx="4829180" cy="439718"/>
+          </a:xfrm>
+          <a:prstGeom prst="rect">
+            <a:avLst/>
+          </a:prstGeom>
+        </p:spPr>
+        <p:txBody>
+          <a:bodyPr vert="horz" lIns="91440" tIns="45720" rIns="91440" bIns="45720" rtlCol="0" anchor="ctr">
+            <a:noAutofit/>
+          </a:bodyPr>
+          <a:lstStyle/>
+          <a:p>
+            <a:pPr marL="0" marR="0" lvl="0" indent="0" algn="l" defTabSz="914400" rtl="0" eaLnBrk="1" fontAlgn="auto" latinLnBrk="0" hangingPunct="1">
+              <a:lnSpc>
+                <a:spcPct val="100000"/>
+              </a:lnSpc>
+              <a:spcBef>
+                <a:spcPct val="0"/>
+              </a:spcBef>
+              <a:spcAft>
+                <a:spcPts val="0"/>
+              </a:spcAft>
+              <a:buClrTx/>
+              <a:buSzTx/>
+              <a:buFontTx/>
+              <a:buNone/>
+              <a:tabLst/>
+              <a:defRPr/>
+            </a:pPr>
+            <a:r>
+              <a:rPr kumimoji="0" lang="es-CO" sz="2400" i="1" u="none" strike="noStrike" kern="1200" cap="none" spc="0" normalizeH="0" baseline="0" noProof="0" dirty="0" smtClean="0">
+                <a:ln>
+                  <a:noFill/>
+                </a:ln>
+                <a:solidFill>
+                  <a:schemeClr val="tx1"/>
+                </a:solidFill>
+                <a:effectLst>
+                  <a:outerShdw blurRad="38100" dist="38100" dir="2700000" algn="tl">
+                    <a:srgbClr val="000000">
+                      <a:alpha val="43137"/>
+                    </a:srgbClr>
+                  </a:outerShdw>
+                </a:effectLst>
+                <a:uLnTx/>
+                <a:uFillTx/>
+                <a:latin typeface="+mj-lt"/>
+                <a:ea typeface="+mj-ea"/>
+                <a:cs typeface="+mj-cs"/>
+              </a:rPr>
+              <a:t>Objetivo</a:t>
+            </a:r>
           </a:p>
         </p:txBody>
       </p:sp>
@@ -6728,7 +6705,7 @@
           <p:nvPr/>
         </p:nvPicPr>
         <p:blipFill>
-          <a:blip r:embed="rId5" cstate="print"/>
+          <a:blip r:embed="rId6" cstate="print"/>
           <a:srcRect t="18338" b="30086"/>
           <a:stretch>
             <a:fillRect/>
@@ -6878,14 +6855,14 @@
       </p:cxnSp>
       <p:pic>
         <p:nvPicPr>
-          <p:cNvPr id="9" name="8 Imagen" descr="F:\[ECOS]\ingenium-managment\CSOF5100 Proyecto 1\Tercera Entrega\Vista de componentes.png"/>
+          <p:cNvPr id="1027" name="Picture 3" descr="C:\Users\Erik\Desktop\mapa_colombia.jpg"/>
           <p:cNvPicPr>
-            <a:picLocks noChangeAspect="1"/>
+            <a:picLocks noChangeAspect="1" noChangeArrowheads="1"/>
           </p:cNvPicPr>
           <p:nvPr/>
         </p:nvPicPr>
         <p:blipFill>
-          <a:blip r:embed="rId6"/>
+          <a:blip r:embed="rId7"/>
           <a:srcRect/>
           <a:stretch>
             <a:fillRect/>
@@ -6893,30 +6870,465 @@
         </p:blipFill>
         <p:spPr bwMode="auto">
           <a:xfrm>
-            <a:off x="2357422" y="1214422"/>
-            <a:ext cx="6645038" cy="5500726"/>
+            <a:off x="428596" y="1643050"/>
+            <a:ext cx="1702788" cy="2000264"/>
           </a:xfrm>
           <a:prstGeom prst="rect">
             <a:avLst/>
           </a:prstGeom>
           <a:noFill/>
-          <a:ln w="9525">
-            <a:noFill/>
-            <a:miter lim="800000"/>
-            <a:headEnd/>
-            <a:tailEnd/>
-          </a:ln>
         </p:spPr>
       </p:pic>
+      <p:pic>
+        <p:nvPicPr>
+          <p:cNvPr id="1028" name="Picture 4" descr="C:\Users\Erik\Desktop\comercio-electronico.jpg"/>
+          <p:cNvPicPr>
+            <a:picLocks noChangeAspect="1" noChangeArrowheads="1"/>
+          </p:cNvPicPr>
+          <p:nvPr/>
+        </p:nvPicPr>
+        <p:blipFill>
+          <a:blip r:embed="rId8">
+            <a:clrChange>
+              <a:clrFrom>
+                <a:srgbClr val="FFFFFF"/>
+              </a:clrFrom>
+              <a:clrTo>
+                <a:srgbClr val="FFFFFF">
+                  <a:alpha val="0"/>
+                </a:srgbClr>
+              </a:clrTo>
+            </a:clrChange>
+          </a:blip>
+          <a:srcRect r="7212"/>
+          <a:stretch>
+            <a:fillRect/>
+          </a:stretch>
+        </p:blipFill>
+        <p:spPr bwMode="auto">
+          <a:xfrm>
+            <a:off x="4548155" y="3143224"/>
+            <a:ext cx="4595845" cy="3714776"/>
+          </a:xfrm>
+          <a:prstGeom prst="rect">
+            <a:avLst/>
+          </a:prstGeom>
+          <a:noFill/>
+        </p:spPr>
+      </p:pic>
+      <p:pic>
+        <p:nvPicPr>
+          <p:cNvPr id="1029" name="Picture 5" descr="C:\Users\Erik\Desktop\firststepsforex-200x200.jpg"/>
+          <p:cNvPicPr>
+            <a:picLocks noChangeAspect="1" noChangeArrowheads="1"/>
+          </p:cNvPicPr>
+          <p:nvPr/>
+        </p:nvPicPr>
+        <p:blipFill>
+          <a:blip r:embed="rId9">
+            <a:clrChange>
+              <a:clrFrom>
+                <a:srgbClr val="FFFFFF"/>
+              </a:clrFrom>
+              <a:clrTo>
+                <a:srgbClr val="FFFFFF">
+                  <a:alpha val="0"/>
+                </a:srgbClr>
+              </a:clrTo>
+            </a:clrChange>
+          </a:blip>
+          <a:srcRect/>
+          <a:stretch>
+            <a:fillRect/>
+          </a:stretch>
+        </p:blipFill>
+        <p:spPr bwMode="auto">
+          <a:xfrm>
+            <a:off x="2428860" y="1857364"/>
+            <a:ext cx="1928826" cy="1928826"/>
+          </a:xfrm>
+          <a:prstGeom prst="rect">
+            <a:avLst/>
+          </a:prstGeom>
+          <a:noFill/>
+        </p:spPr>
+      </p:pic>
+      <p:sp>
+        <p:nvSpPr>
+          <p:cNvPr id="22" name="21 Flecha a la derecha con muesca"/>
+          <p:cNvSpPr/>
+          <p:nvPr/>
+        </p:nvSpPr>
+        <p:spPr>
+          <a:xfrm>
+            <a:off x="285720" y="3643314"/>
+            <a:ext cx="3312000" cy="540000"/>
+          </a:xfrm>
+          <a:prstGeom prst="notchedRightArrow">
+            <a:avLst>
+              <a:gd name="adj1" fmla="val 50000"/>
+              <a:gd name="adj2" fmla="val 79046"/>
+            </a:avLst>
+          </a:prstGeom>
+        </p:spPr>
+        <p:style>
+          <a:lnRef idx="1">
+            <a:schemeClr val="accent1"/>
+          </a:lnRef>
+          <a:fillRef idx="2">
+            <a:schemeClr val="accent1"/>
+          </a:fillRef>
+          <a:effectRef idx="1">
+            <a:schemeClr val="accent1"/>
+          </a:effectRef>
+          <a:fontRef idx="minor">
+            <a:schemeClr val="dk1"/>
+          </a:fontRef>
+        </p:style>
+        <p:txBody>
+          <a:bodyPr rtlCol="0" anchor="ctr"/>
+          <a:lstStyle/>
+          <a:p>
+            <a:r>
+              <a:rPr lang="es-CO" sz="1600" b="1" dirty="0" smtClean="0">
+                <a:effectLst>
+                  <a:outerShdw blurRad="38100" dist="38100" dir="2700000" algn="tl">
+                    <a:srgbClr val="000000">
+                      <a:alpha val="43137"/>
+                    </a:srgbClr>
+                  </a:outerShdw>
+                </a:effectLst>
+              </a:rPr>
+              <a:t>PQRS</a:t>
+            </a:r>
+            <a:endParaRPr lang="es-CO" sz="1600" b="1" dirty="0">
+              <a:effectLst>
+                <a:outerShdw blurRad="38100" dist="38100" dir="2700000" algn="tl">
+                  <a:srgbClr val="000000">
+                    <a:alpha val="43137"/>
+                  </a:srgbClr>
+                </a:outerShdw>
+              </a:effectLst>
+            </a:endParaRPr>
+          </a:p>
+        </p:txBody>
+      </p:sp>
+      <p:sp>
+        <p:nvSpPr>
+          <p:cNvPr id="23" name="22 Flecha a la derecha con muesca"/>
+          <p:cNvSpPr/>
+          <p:nvPr/>
+        </p:nvSpPr>
+        <p:spPr>
+          <a:xfrm>
+            <a:off x="552014" y="4135393"/>
+            <a:ext cx="3312000" cy="540000"/>
+          </a:xfrm>
+          <a:prstGeom prst="notchedRightArrow">
+            <a:avLst>
+              <a:gd name="adj1" fmla="val 50000"/>
+              <a:gd name="adj2" fmla="val 79046"/>
+            </a:avLst>
+          </a:prstGeom>
+        </p:spPr>
+        <p:style>
+          <a:lnRef idx="1">
+            <a:schemeClr val="accent1"/>
+          </a:lnRef>
+          <a:fillRef idx="2">
+            <a:schemeClr val="accent1"/>
+          </a:fillRef>
+          <a:effectRef idx="1">
+            <a:schemeClr val="accent1"/>
+          </a:effectRef>
+          <a:fontRef idx="minor">
+            <a:schemeClr val="dk1"/>
+          </a:fontRef>
+        </p:style>
+        <p:txBody>
+          <a:bodyPr rtlCol="0" anchor="ctr"/>
+          <a:lstStyle/>
+          <a:p>
+            <a:r>
+              <a:rPr lang="es-CO" sz="1600" b="1" dirty="0" smtClean="0">
+                <a:effectLst>
+                  <a:outerShdw blurRad="38100" dist="38100" dir="2700000" algn="tl">
+                    <a:srgbClr val="000000">
+                      <a:alpha val="43137"/>
+                    </a:srgbClr>
+                  </a:outerShdw>
+                </a:effectLst>
+              </a:rPr>
+              <a:t>Pagos Online</a:t>
+            </a:r>
+            <a:endParaRPr lang="es-CO" sz="1600" b="1" dirty="0">
+              <a:effectLst>
+                <a:outerShdw blurRad="38100" dist="38100" dir="2700000" algn="tl">
+                  <a:srgbClr val="000000">
+                    <a:alpha val="43137"/>
+                  </a:srgbClr>
+                </a:outerShdw>
+              </a:effectLst>
+            </a:endParaRPr>
+          </a:p>
+        </p:txBody>
+      </p:sp>
+      <p:sp>
+        <p:nvSpPr>
+          <p:cNvPr id="24" name="23 Flecha a la derecha con muesca"/>
+          <p:cNvSpPr/>
+          <p:nvPr/>
+        </p:nvSpPr>
+        <p:spPr>
+          <a:xfrm>
+            <a:off x="818308" y="4627472"/>
+            <a:ext cx="3312000" cy="540000"/>
+          </a:xfrm>
+          <a:prstGeom prst="notchedRightArrow">
+            <a:avLst>
+              <a:gd name="adj1" fmla="val 59540"/>
+              <a:gd name="adj2" fmla="val 79046"/>
+            </a:avLst>
+          </a:prstGeom>
+        </p:spPr>
+        <p:style>
+          <a:lnRef idx="1">
+            <a:schemeClr val="accent1"/>
+          </a:lnRef>
+          <a:fillRef idx="2">
+            <a:schemeClr val="accent1"/>
+          </a:fillRef>
+          <a:effectRef idx="1">
+            <a:schemeClr val="accent1"/>
+          </a:effectRef>
+          <a:fontRef idx="minor">
+            <a:schemeClr val="dk1"/>
+          </a:fontRef>
+        </p:style>
+        <p:txBody>
+          <a:bodyPr rtlCol="0" anchor="ctr"/>
+          <a:lstStyle/>
+          <a:p>
+            <a:r>
+              <a:rPr lang="es-CO" sz="1600" b="1" dirty="0" smtClean="0">
+                <a:effectLst>
+                  <a:outerShdw blurRad="38100" dist="38100" dir="2700000" algn="tl">
+                    <a:srgbClr val="000000">
+                      <a:alpha val="43137"/>
+                    </a:srgbClr>
+                  </a:outerShdw>
+                </a:effectLst>
+              </a:rPr>
+              <a:t>Comunicación entre entidades</a:t>
+            </a:r>
+            <a:endParaRPr lang="es-CO" sz="1600" b="1" dirty="0">
+              <a:effectLst>
+                <a:outerShdw blurRad="38100" dist="38100" dir="2700000" algn="tl">
+                  <a:srgbClr val="000000">
+                    <a:alpha val="43137"/>
+                  </a:srgbClr>
+                </a:outerShdw>
+              </a:effectLst>
+            </a:endParaRPr>
+          </a:p>
+        </p:txBody>
+      </p:sp>
+      <p:sp>
+        <p:nvSpPr>
+          <p:cNvPr id="25" name="24 Flecha a la derecha con muesca"/>
+          <p:cNvSpPr/>
+          <p:nvPr/>
+        </p:nvSpPr>
+        <p:spPr>
+          <a:xfrm>
+            <a:off x="1084602" y="5119551"/>
+            <a:ext cx="3312000" cy="540000"/>
+          </a:xfrm>
+          <a:prstGeom prst="notchedRightArrow">
+            <a:avLst>
+              <a:gd name="adj1" fmla="val 50000"/>
+              <a:gd name="adj2" fmla="val 79046"/>
+            </a:avLst>
+          </a:prstGeom>
+        </p:spPr>
+        <p:style>
+          <a:lnRef idx="1">
+            <a:schemeClr val="accent1"/>
+          </a:lnRef>
+          <a:fillRef idx="2">
+            <a:schemeClr val="accent1"/>
+          </a:fillRef>
+          <a:effectRef idx="1">
+            <a:schemeClr val="accent1"/>
+          </a:effectRef>
+          <a:fontRef idx="minor">
+            <a:schemeClr val="dk1"/>
+          </a:fontRef>
+        </p:style>
+        <p:txBody>
+          <a:bodyPr rtlCol="0" anchor="ctr"/>
+          <a:lstStyle/>
+          <a:p>
+            <a:r>
+              <a:rPr lang="es-CO" sz="1600" b="1" dirty="0" smtClean="0">
+                <a:effectLst>
+                  <a:outerShdw blurRad="38100" dist="38100" dir="2700000" algn="tl">
+                    <a:srgbClr val="000000">
+                      <a:alpha val="43137"/>
+                    </a:srgbClr>
+                  </a:outerShdw>
+                </a:effectLst>
+              </a:rPr>
+              <a:t>Fabricantes Preferentes</a:t>
+            </a:r>
+            <a:endParaRPr lang="es-CO" sz="1600" b="1" dirty="0">
+              <a:effectLst>
+                <a:outerShdw blurRad="38100" dist="38100" dir="2700000" algn="tl">
+                  <a:srgbClr val="000000">
+                    <a:alpha val="43137"/>
+                  </a:srgbClr>
+                </a:outerShdw>
+              </a:effectLst>
+            </a:endParaRPr>
+          </a:p>
+        </p:txBody>
+      </p:sp>
+      <p:sp>
+        <p:nvSpPr>
+          <p:cNvPr id="26" name="25 Flecha a la derecha con muesca"/>
+          <p:cNvSpPr/>
+          <p:nvPr/>
+        </p:nvSpPr>
+        <p:spPr>
+          <a:xfrm>
+            <a:off x="1350896" y="5611630"/>
+            <a:ext cx="3312000" cy="540000"/>
+          </a:xfrm>
+          <a:prstGeom prst="notchedRightArrow">
+            <a:avLst>
+              <a:gd name="adj1" fmla="val 50000"/>
+              <a:gd name="adj2" fmla="val 79046"/>
+            </a:avLst>
+          </a:prstGeom>
+        </p:spPr>
+        <p:style>
+          <a:lnRef idx="1">
+            <a:schemeClr val="accent1"/>
+          </a:lnRef>
+          <a:fillRef idx="2">
+            <a:schemeClr val="accent1"/>
+          </a:fillRef>
+          <a:effectRef idx="1">
+            <a:schemeClr val="accent1"/>
+          </a:effectRef>
+          <a:fontRef idx="minor">
+            <a:schemeClr val="dk1"/>
+          </a:fontRef>
+        </p:style>
+        <p:txBody>
+          <a:bodyPr rtlCol="0" anchor="ctr"/>
+          <a:lstStyle/>
+          <a:p>
+            <a:r>
+              <a:rPr lang="es-CO" sz="1600" b="1" dirty="0" smtClean="0">
+                <a:effectLst>
+                  <a:outerShdw blurRad="38100" dist="38100" dir="2700000" algn="tl">
+                    <a:srgbClr val="000000">
+                      <a:alpha val="43137"/>
+                    </a:srgbClr>
+                  </a:outerShdw>
+                </a:effectLst>
+              </a:rPr>
+              <a:t>Vista 360°</a:t>
+            </a:r>
+            <a:endParaRPr lang="es-CO" sz="1600" b="1" dirty="0">
+              <a:effectLst>
+                <a:outerShdw blurRad="38100" dist="38100" dir="2700000" algn="tl">
+                  <a:srgbClr val="000000">
+                    <a:alpha val="43137"/>
+                  </a:srgbClr>
+                </a:outerShdw>
+              </a:effectLst>
+            </a:endParaRPr>
+          </a:p>
+        </p:txBody>
+      </p:sp>
+      <p:sp>
+        <p:nvSpPr>
+          <p:cNvPr id="27" name="26 Flecha a la derecha con muesca"/>
+          <p:cNvSpPr/>
+          <p:nvPr/>
+        </p:nvSpPr>
+        <p:spPr>
+          <a:xfrm>
+            <a:off x="1617190" y="6103710"/>
+            <a:ext cx="3312000" cy="540000"/>
+          </a:xfrm>
+          <a:prstGeom prst="notchedRightArrow">
+            <a:avLst>
+              <a:gd name="adj1" fmla="val 50000"/>
+              <a:gd name="adj2" fmla="val 79046"/>
+            </a:avLst>
+          </a:prstGeom>
+        </p:spPr>
+        <p:style>
+          <a:lnRef idx="1">
+            <a:schemeClr val="accent1"/>
+          </a:lnRef>
+          <a:fillRef idx="2">
+            <a:schemeClr val="accent1"/>
+          </a:fillRef>
+          <a:effectRef idx="1">
+            <a:schemeClr val="accent1"/>
+          </a:effectRef>
+          <a:fontRef idx="minor">
+            <a:schemeClr val="dk1"/>
+          </a:fontRef>
+        </p:style>
+        <p:txBody>
+          <a:bodyPr rtlCol="0" anchor="ctr"/>
+          <a:lstStyle/>
+          <a:p>
+            <a:r>
+              <a:rPr lang="es-CO" sz="1600" b="1" dirty="0" smtClean="0">
+                <a:effectLst>
+                  <a:outerShdw blurRad="38100" dist="38100" dir="2700000" algn="tl">
+                    <a:srgbClr val="000000">
+                      <a:alpha val="43137"/>
+                    </a:srgbClr>
+                  </a:outerShdw>
+                </a:effectLst>
+              </a:rPr>
+              <a:t>Estándares Internacionales</a:t>
+            </a:r>
+            <a:endParaRPr lang="es-CO" sz="1600" b="1" dirty="0">
+              <a:effectLst>
+                <a:outerShdw blurRad="38100" dist="38100" dir="2700000" algn="tl">
+                  <a:srgbClr val="000000">
+                    <a:alpha val="43137"/>
+                  </a:srgbClr>
+                </a:outerShdw>
+              </a:effectLst>
+            </a:endParaRPr>
+          </a:p>
+        </p:txBody>
+      </p:sp>
     </p:spTree>
   </p:cSld>
   <p:clrMapOvr>
     <a:masterClrMapping/>
   </p:clrMapOvr>
+  <p:timing>
+    <p:tnLst>
+      <p:par>
+        <p:cTn id="1" dur="indefinite" restart="never" nodeType="tmRoot"/>
+      </p:par>
+    </p:tnLst>
+  </p:timing>
 </p:sld>
 </file>
 
-<file path=ppt/slides/slide6.xml><?xml version="1.0" encoding="utf-8"?>
+<file path=ppt/slides/slide5.xml><?xml version="1.0" encoding="utf-8"?>
 <p:sld xmlns:a="http://schemas.openxmlformats.org/drawingml/2006/main" xmlns:r="http://schemas.openxmlformats.org/officeDocument/2006/relationships" xmlns:p="http://schemas.openxmlformats.org/presentationml/2006/main">
   <p:cSld>
     <p:spTree>
@@ -7026,14 +7438,14 @@
         <p:spPr>
           <a:xfrm>
             <a:off x="457200" y="928670"/>
-            <a:ext cx="1757346" cy="928694"/>
+            <a:ext cx="4829180" cy="439718"/>
           </a:xfrm>
           <a:prstGeom prst="rect">
             <a:avLst/>
           </a:prstGeom>
         </p:spPr>
         <p:txBody>
-          <a:bodyPr vert="horz" lIns="91440" tIns="45720" rIns="91440" bIns="45720" rtlCol="0" anchor="t">
+          <a:bodyPr vert="horz" lIns="91440" tIns="45720" rIns="91440" bIns="45720" rtlCol="0" anchor="ctr">
             <a:noAutofit/>
           </a:bodyPr>
           <a:lstStyle/>
@@ -7076,28 +7488,8 @@
                 <a:ea typeface="+mj-ea"/>
                 <a:cs typeface="+mj-cs"/>
               </a:rPr>
-              <a:t>Vista de Seguridad</a:t>
-            </a:r>
-            <a:endParaRPr kumimoji="0" lang="es-CO" sz="2400" i="1" u="none" strike="noStrike" kern="1200" cap="none" spc="0" normalizeH="0" baseline="0" noProof="0" dirty="0" smtClean="0">
-              <a:ln>
-                <a:noFill/>
-              </a:ln>
-              <a:solidFill>
-                <a:schemeClr val="tx1"/>
-              </a:solidFill>
-              <a:effectLst>
-                <a:outerShdw blurRad="38100" dist="38100" dir="2700000" algn="tl">
-                  <a:srgbClr val="000000">
-                    <a:alpha val="43137"/>
-                  </a:srgbClr>
-                </a:outerShdw>
-              </a:effectLst>
-              <a:uLnTx/>
-              <a:uFillTx/>
-              <a:latin typeface="+mj-lt"/>
-              <a:ea typeface="+mj-ea"/>
-              <a:cs typeface="+mj-cs"/>
-            </a:endParaRPr>
+              <a:t>Diagrama de Solución</a:t>
+            </a:r>
           </a:p>
         </p:txBody>
       </p:sp>
@@ -7260,33 +7652,34 @@
       </p:cxnSp>
       <p:pic>
         <p:nvPicPr>
-          <p:cNvPr id="9" name="8 Imagen"/>
-          <p:cNvPicPr>
-            <a:picLocks noChangeAspect="1"/>
-          </p:cNvPicPr>
+          <p:cNvPr id="19" name="18 Imagen" descr="E:\Especializacion\Repositorio\CSOF5100 Proyecto 1\Primera Entrega\Diagrama de solucion1.jpg"/>
+          <p:cNvPicPr/>
           <p:nvPr/>
         </p:nvPicPr>
         <p:blipFill>
-          <a:blip r:embed="rId6" cstate="print"/>
-          <a:srcRect/>
+          <a:blip r:embed="rId6" cstate="print">
+            <a:extLst>
+              <a:ext uri="{28A0092B-C50C-407E-A947-70E740481C1C}">
+                <a14:useLocalDpi xmlns:ve="http://schemas.openxmlformats.org/markup-compatibility/2006" xmlns:m="http://schemas.openxmlformats.org/officeDocument/2006/math" xmlns:wp="http://schemas.openxmlformats.org/drawingml/2006/wordprocessingDrawing" xmlns:wne="http://schemas.microsoft.com/office/word/2006/wordml" xmlns="" xmlns:wpc="http://schemas.microsoft.com/office/word/2010/wordprocessingCanvas" xmlns:mc="http://schemas.openxmlformats.org/markup-compatibility/2006" xmlns:o="urn:schemas-microsoft-com:office:office" xmlns:v="urn:schemas-microsoft-com:vml" xmlns:wp14="http://schemas.microsoft.com/office/word/2010/wordprocessingDrawing" xmlns:w10="urn:schemas-microsoft-com:office:word" xmlns:w="http://schemas.openxmlformats.org/wordprocessingml/2006/main" xmlns:w14="http://schemas.microsoft.com/office/word/2010/wordml" xmlns:wpg="http://schemas.microsoft.com/office/word/2010/wordprocessingGroup" xmlns:wpi="http://schemas.microsoft.com/office/word/2010/wordprocessingInk" xmlns:wps="http://schemas.microsoft.com/office/word/2010/wordprocessingShape" xmlns:a14="http://schemas.microsoft.com/office/drawing/2010/main" xmlns:pic="http://schemas.openxmlformats.org/drawingml/2006/picture" xmlns:lc="http://schemas.openxmlformats.org/drawingml/2006/lockedCanvas" val="0"/>
+              </a:ext>
+            </a:extLst>
+          </a:blip>
+          <a:srcRect l="4812" t="3407" r="11729" b="2204"/>
           <a:stretch>
             <a:fillRect/>
           </a:stretch>
         </p:blipFill>
         <p:spPr bwMode="auto">
           <a:xfrm>
-            <a:off x="2714644" y="928670"/>
-            <a:ext cx="5000628" cy="5813230"/>
+            <a:off x="1425357" y="1458586"/>
+            <a:ext cx="6293286" cy="5328000"/>
           </a:xfrm>
           <a:prstGeom prst="rect">
             <a:avLst/>
           </a:prstGeom>
           <a:noFill/>
-          <a:ln w="9525">
+          <a:ln>
             <a:noFill/>
-            <a:miter lim="800000"/>
-            <a:headEnd/>
-            <a:tailEnd/>
           </a:ln>
         </p:spPr>
       </p:pic>
@@ -7295,10 +7688,17 @@
   <p:clrMapOvr>
     <a:masterClrMapping/>
   </p:clrMapOvr>
+  <p:timing>
+    <p:tnLst>
+      <p:par>
+        <p:cTn id="1" dur="indefinite" restart="never" nodeType="tmRoot"/>
+      </p:par>
+    </p:tnLst>
+  </p:timing>
 </p:sld>
 </file>
 
-<file path=ppt/slides/slide7.xml><?xml version="1.0" encoding="utf-8"?>
+<file path=ppt/slides/slide6.xml><?xml version="1.0" encoding="utf-8"?>
 <p:sld xmlns:a="http://schemas.openxmlformats.org/drawingml/2006/main" xmlns:r="http://schemas.openxmlformats.org/officeDocument/2006/relationships" xmlns:p="http://schemas.openxmlformats.org/presentationml/2006/main">
   <p:cSld>
     <p:spTree>
@@ -7407,8 +7807,8 @@
         </p:nvSpPr>
         <p:spPr>
           <a:xfrm>
-            <a:off x="457200" y="928670"/>
-            <a:ext cx="1614470" cy="928694"/>
+            <a:off x="214282" y="1142984"/>
+            <a:ext cx="2328850" cy="928694"/>
           </a:xfrm>
           <a:prstGeom prst="rect">
             <a:avLst/>
@@ -7460,26 +7860,6 @@
               </a:rPr>
               <a:t>Vista de Procesos</a:t>
             </a:r>
-            <a:endParaRPr kumimoji="0" lang="es-CO" sz="2400" i="1" u="none" strike="noStrike" kern="1200" cap="none" spc="0" normalizeH="0" baseline="0" noProof="0" dirty="0" smtClean="0">
-              <a:ln>
-                <a:noFill/>
-              </a:ln>
-              <a:solidFill>
-                <a:schemeClr val="tx1"/>
-              </a:solidFill>
-              <a:effectLst>
-                <a:outerShdw blurRad="38100" dist="38100" dir="2700000" algn="tl">
-                  <a:srgbClr val="000000">
-                    <a:alpha val="43137"/>
-                  </a:srgbClr>
-                </a:outerShdw>
-              </a:effectLst>
-              <a:uLnTx/>
-              <a:uFillTx/>
-              <a:latin typeface="+mj-lt"/>
-              <a:ea typeface="+mj-ea"/>
-              <a:cs typeface="+mj-cs"/>
-            </a:endParaRPr>
           </a:p>
         </p:txBody>
       </p:sp>
@@ -7657,7 +8037,7 @@
         </p:blipFill>
         <p:spPr bwMode="auto">
           <a:xfrm>
-            <a:off x="2265686" y="948470"/>
+            <a:off x="2928926" y="1019908"/>
             <a:ext cx="6021090" cy="5766678"/>
           </a:xfrm>
           <a:prstGeom prst="rect">
@@ -7672,15 +8052,382 @@
           </a:ln>
         </p:spPr>
       </p:pic>
+      <p:sp>
+        <p:nvSpPr>
+          <p:cNvPr id="13" name="12 Flecha a la derecha con muesca"/>
+          <p:cNvSpPr/>
+          <p:nvPr/>
+        </p:nvSpPr>
+        <p:spPr>
+          <a:xfrm>
+            <a:off x="142844" y="2500306"/>
+            <a:ext cx="1824866" cy="540000"/>
+          </a:xfrm>
+          <a:prstGeom prst="notchedRightArrow">
+            <a:avLst>
+              <a:gd name="adj1" fmla="val 50000"/>
+              <a:gd name="adj2" fmla="val 79046"/>
+            </a:avLst>
+          </a:prstGeom>
+        </p:spPr>
+        <p:style>
+          <a:lnRef idx="1">
+            <a:schemeClr val="accent1"/>
+          </a:lnRef>
+          <a:fillRef idx="2">
+            <a:schemeClr val="accent1"/>
+          </a:fillRef>
+          <a:effectRef idx="1">
+            <a:schemeClr val="accent1"/>
+          </a:effectRef>
+          <a:fontRef idx="minor">
+            <a:schemeClr val="dk1"/>
+          </a:fontRef>
+        </p:style>
+        <p:txBody>
+          <a:bodyPr rtlCol="0" anchor="ctr"/>
+          <a:lstStyle/>
+          <a:p>
+            <a:r>
+              <a:rPr lang="es-CO" sz="800" b="1" dirty="0" smtClean="0">
+                <a:effectLst>
+                  <a:outerShdw blurRad="38100" dist="38100" dir="2700000" algn="tl">
+                    <a:srgbClr val="000000">
+                      <a:alpha val="43137"/>
+                    </a:srgbClr>
+                  </a:outerShdw>
+                </a:effectLst>
+              </a:rPr>
+              <a:t>PQRS</a:t>
+            </a:r>
+            <a:endParaRPr lang="es-CO" sz="800" b="1" dirty="0">
+              <a:effectLst>
+                <a:outerShdw blurRad="38100" dist="38100" dir="2700000" algn="tl">
+                  <a:srgbClr val="000000">
+                    <a:alpha val="43137"/>
+                  </a:srgbClr>
+                </a:outerShdw>
+              </a:effectLst>
+            </a:endParaRPr>
+          </a:p>
+        </p:txBody>
+      </p:sp>
+      <p:sp>
+        <p:nvSpPr>
+          <p:cNvPr id="15" name="14 Flecha a la derecha con muesca"/>
+          <p:cNvSpPr/>
+          <p:nvPr/>
+        </p:nvSpPr>
+        <p:spPr>
+          <a:xfrm>
+            <a:off x="500034" y="3071810"/>
+            <a:ext cx="1824866" cy="540000"/>
+          </a:xfrm>
+          <a:prstGeom prst="notchedRightArrow">
+            <a:avLst>
+              <a:gd name="adj1" fmla="val 50000"/>
+              <a:gd name="adj2" fmla="val 79046"/>
+            </a:avLst>
+          </a:prstGeom>
+        </p:spPr>
+        <p:style>
+          <a:lnRef idx="1">
+            <a:schemeClr val="accent1"/>
+          </a:lnRef>
+          <a:fillRef idx="2">
+            <a:schemeClr val="accent1"/>
+          </a:fillRef>
+          <a:effectRef idx="1">
+            <a:schemeClr val="accent1"/>
+          </a:effectRef>
+          <a:fontRef idx="minor">
+            <a:schemeClr val="dk1"/>
+          </a:fontRef>
+        </p:style>
+        <p:txBody>
+          <a:bodyPr rtlCol="0" anchor="ctr"/>
+          <a:lstStyle/>
+          <a:p>
+            <a:r>
+              <a:rPr lang="es-CO" sz="800" b="1" dirty="0" smtClean="0">
+                <a:effectLst>
+                  <a:outerShdw blurRad="38100" dist="38100" dir="2700000" algn="tl">
+                    <a:srgbClr val="000000">
+                      <a:alpha val="43137"/>
+                    </a:srgbClr>
+                  </a:outerShdw>
+                </a:effectLst>
+              </a:rPr>
+              <a:t>Pagos Online</a:t>
+            </a:r>
+            <a:endParaRPr lang="es-CO" sz="800" b="1" dirty="0">
+              <a:effectLst>
+                <a:outerShdw blurRad="38100" dist="38100" dir="2700000" algn="tl">
+                  <a:srgbClr val="000000">
+                    <a:alpha val="43137"/>
+                  </a:srgbClr>
+                </a:outerShdw>
+              </a:effectLst>
+            </a:endParaRPr>
+          </a:p>
+        </p:txBody>
+      </p:sp>
+      <p:sp>
+        <p:nvSpPr>
+          <p:cNvPr id="16" name="15 Flecha a la derecha con muesca"/>
+          <p:cNvSpPr/>
+          <p:nvPr/>
+        </p:nvSpPr>
+        <p:spPr>
+          <a:xfrm>
+            <a:off x="142844" y="3571876"/>
+            <a:ext cx="1824866" cy="540000"/>
+          </a:xfrm>
+          <a:prstGeom prst="notchedRightArrow">
+            <a:avLst>
+              <a:gd name="adj1" fmla="val 59540"/>
+              <a:gd name="adj2" fmla="val 79046"/>
+            </a:avLst>
+          </a:prstGeom>
+        </p:spPr>
+        <p:style>
+          <a:lnRef idx="1">
+            <a:schemeClr val="accent1"/>
+          </a:lnRef>
+          <a:fillRef idx="2">
+            <a:schemeClr val="accent1"/>
+          </a:fillRef>
+          <a:effectRef idx="1">
+            <a:schemeClr val="accent1"/>
+          </a:effectRef>
+          <a:fontRef idx="minor">
+            <a:schemeClr val="dk1"/>
+          </a:fontRef>
+        </p:style>
+        <p:txBody>
+          <a:bodyPr rtlCol="0" anchor="ctr"/>
+          <a:lstStyle/>
+          <a:p>
+            <a:r>
+              <a:rPr lang="es-CO" sz="800" b="1" dirty="0" smtClean="0">
+                <a:effectLst>
+                  <a:outerShdw blurRad="38100" dist="38100" dir="2700000" algn="tl">
+                    <a:srgbClr val="000000">
+                      <a:alpha val="43137"/>
+                    </a:srgbClr>
+                  </a:outerShdw>
+                </a:effectLst>
+              </a:rPr>
+              <a:t>Comunicación entre entidades</a:t>
+            </a:r>
+            <a:endParaRPr lang="es-CO" sz="800" b="1" dirty="0">
+              <a:effectLst>
+                <a:outerShdw blurRad="38100" dist="38100" dir="2700000" algn="tl">
+                  <a:srgbClr val="000000">
+                    <a:alpha val="43137"/>
+                  </a:srgbClr>
+                </a:outerShdw>
+              </a:effectLst>
+            </a:endParaRPr>
+          </a:p>
+        </p:txBody>
+      </p:sp>
+      <p:sp>
+        <p:nvSpPr>
+          <p:cNvPr id="17" name="16 Flecha a la derecha con muesca"/>
+          <p:cNvSpPr/>
+          <p:nvPr/>
+        </p:nvSpPr>
+        <p:spPr>
+          <a:xfrm>
+            <a:off x="571472" y="4071942"/>
+            <a:ext cx="1824866" cy="540000"/>
+          </a:xfrm>
+          <a:prstGeom prst="notchedRightArrow">
+            <a:avLst>
+              <a:gd name="adj1" fmla="val 50000"/>
+              <a:gd name="adj2" fmla="val 79046"/>
+            </a:avLst>
+          </a:prstGeom>
+        </p:spPr>
+        <p:style>
+          <a:lnRef idx="1">
+            <a:schemeClr val="accent1"/>
+          </a:lnRef>
+          <a:fillRef idx="2">
+            <a:schemeClr val="accent1"/>
+          </a:fillRef>
+          <a:effectRef idx="1">
+            <a:schemeClr val="accent1"/>
+          </a:effectRef>
+          <a:fontRef idx="minor">
+            <a:schemeClr val="dk1"/>
+          </a:fontRef>
+        </p:style>
+        <p:txBody>
+          <a:bodyPr rtlCol="0" anchor="ctr"/>
+          <a:lstStyle/>
+          <a:p>
+            <a:r>
+              <a:rPr lang="es-CO" sz="800" b="1" dirty="0" smtClean="0">
+                <a:effectLst>
+                  <a:outerShdw blurRad="38100" dist="38100" dir="2700000" algn="tl">
+                    <a:srgbClr val="000000">
+                      <a:alpha val="43137"/>
+                    </a:srgbClr>
+                  </a:outerShdw>
+                </a:effectLst>
+              </a:rPr>
+              <a:t>Fabricantes Preferentes</a:t>
+            </a:r>
+            <a:endParaRPr lang="es-CO" sz="800" b="1" dirty="0">
+              <a:effectLst>
+                <a:outerShdw blurRad="38100" dist="38100" dir="2700000" algn="tl">
+                  <a:srgbClr val="000000">
+                    <a:alpha val="43137"/>
+                  </a:srgbClr>
+                </a:outerShdw>
+              </a:effectLst>
+            </a:endParaRPr>
+          </a:p>
+        </p:txBody>
+      </p:sp>
+      <p:sp>
+        <p:nvSpPr>
+          <p:cNvPr id="18" name="17 Flecha a la derecha con muesca"/>
+          <p:cNvSpPr/>
+          <p:nvPr/>
+        </p:nvSpPr>
+        <p:spPr>
+          <a:xfrm>
+            <a:off x="142844" y="4572008"/>
+            <a:ext cx="1824866" cy="540000"/>
+          </a:xfrm>
+          <a:prstGeom prst="notchedRightArrow">
+            <a:avLst>
+              <a:gd name="adj1" fmla="val 50000"/>
+              <a:gd name="adj2" fmla="val 79046"/>
+            </a:avLst>
+          </a:prstGeom>
+        </p:spPr>
+        <p:style>
+          <a:lnRef idx="1">
+            <a:schemeClr val="accent1"/>
+          </a:lnRef>
+          <a:fillRef idx="2">
+            <a:schemeClr val="accent1"/>
+          </a:fillRef>
+          <a:effectRef idx="1">
+            <a:schemeClr val="accent1"/>
+          </a:effectRef>
+          <a:fontRef idx="minor">
+            <a:schemeClr val="dk1"/>
+          </a:fontRef>
+        </p:style>
+        <p:txBody>
+          <a:bodyPr rtlCol="0" anchor="ctr"/>
+          <a:lstStyle/>
+          <a:p>
+            <a:r>
+              <a:rPr lang="es-CO" sz="800" b="1" dirty="0" smtClean="0">
+                <a:effectLst>
+                  <a:outerShdw blurRad="38100" dist="38100" dir="2700000" algn="tl">
+                    <a:srgbClr val="000000">
+                      <a:alpha val="43137"/>
+                    </a:srgbClr>
+                  </a:outerShdw>
+                </a:effectLst>
+              </a:rPr>
+              <a:t>Vista 360°</a:t>
+            </a:r>
+            <a:endParaRPr lang="es-CO" sz="800" b="1" dirty="0">
+              <a:effectLst>
+                <a:outerShdw blurRad="38100" dist="38100" dir="2700000" algn="tl">
+                  <a:srgbClr val="000000">
+                    <a:alpha val="43137"/>
+                  </a:srgbClr>
+                </a:outerShdw>
+              </a:effectLst>
+            </a:endParaRPr>
+          </a:p>
+        </p:txBody>
+      </p:sp>
+      <p:sp>
+        <p:nvSpPr>
+          <p:cNvPr id="19" name="18 Flecha a la derecha con muesca"/>
+          <p:cNvSpPr/>
+          <p:nvPr/>
+        </p:nvSpPr>
+        <p:spPr>
+          <a:xfrm>
+            <a:off x="500034" y="5072074"/>
+            <a:ext cx="1824866" cy="540000"/>
+          </a:xfrm>
+          <a:prstGeom prst="notchedRightArrow">
+            <a:avLst>
+              <a:gd name="adj1" fmla="val 50000"/>
+              <a:gd name="adj2" fmla="val 79046"/>
+            </a:avLst>
+          </a:prstGeom>
+        </p:spPr>
+        <p:style>
+          <a:lnRef idx="1">
+            <a:schemeClr val="accent1"/>
+          </a:lnRef>
+          <a:fillRef idx="2">
+            <a:schemeClr val="accent1"/>
+          </a:fillRef>
+          <a:effectRef idx="1">
+            <a:schemeClr val="accent1"/>
+          </a:effectRef>
+          <a:fontRef idx="minor">
+            <a:schemeClr val="dk1"/>
+          </a:fontRef>
+        </p:style>
+        <p:txBody>
+          <a:bodyPr rtlCol="0" anchor="ctr"/>
+          <a:lstStyle/>
+          <a:p>
+            <a:r>
+              <a:rPr lang="es-CO" sz="800" b="1" dirty="0" smtClean="0">
+                <a:effectLst>
+                  <a:outerShdw blurRad="38100" dist="38100" dir="2700000" algn="tl">
+                    <a:srgbClr val="000000">
+                      <a:alpha val="43137"/>
+                    </a:srgbClr>
+                  </a:outerShdw>
+                </a:effectLst>
+              </a:rPr>
+              <a:t>Estándares Internacionales</a:t>
+            </a:r>
+            <a:endParaRPr lang="es-CO" sz="800" b="1" dirty="0">
+              <a:effectLst>
+                <a:outerShdw blurRad="38100" dist="38100" dir="2700000" algn="tl">
+                  <a:srgbClr val="000000">
+                    <a:alpha val="43137"/>
+                  </a:srgbClr>
+                </a:outerShdw>
+              </a:effectLst>
+            </a:endParaRPr>
+          </a:p>
+        </p:txBody>
+      </p:sp>
     </p:spTree>
   </p:cSld>
   <p:clrMapOvr>
     <a:masterClrMapping/>
   </p:clrMapOvr>
+  <p:timing>
+    <p:tnLst>
+      <p:par>
+        <p:cTn id="1" dur="indefinite" restart="never" nodeType="tmRoot"/>
+      </p:par>
+    </p:tnLst>
+  </p:timing>
 </p:sld>
 </file>
 
-<file path=ppt/slides/slide8.xml><?xml version="1.0" encoding="utf-8"?>
+<file path=ppt/slides/slide7.xml><?xml version="1.0" encoding="utf-8"?>
 <p:sld xmlns:a="http://schemas.openxmlformats.org/drawingml/2006/main" xmlns:r="http://schemas.openxmlformats.org/officeDocument/2006/relationships" xmlns:p="http://schemas.openxmlformats.org/presentationml/2006/main">
   <p:cSld>
     <p:spTree>
@@ -7706,7 +8453,7 @@
           <p:nvPr/>
         </p:nvPicPr>
         <p:blipFill>
-          <a:blip r:embed="rId4" cstate="print"/>
+          <a:blip r:embed="rId3" cstate="print"/>
           <a:srcRect/>
           <a:stretch>
             <a:fillRect/>
@@ -7732,7 +8479,7 @@
           <p:nvPr/>
         </p:nvPicPr>
         <p:blipFill>
-          <a:blip r:embed="rId5"/>
+          <a:blip r:embed="rId4"/>
           <a:srcRect/>
           <a:stretch>
             <a:fillRect/>
@@ -7790,7 +8537,7 @@
         <p:spPr>
           <a:xfrm>
             <a:off x="457200" y="928670"/>
-            <a:ext cx="1685908" cy="928694"/>
+            <a:ext cx="2114536" cy="928694"/>
           </a:xfrm>
           <a:prstGeom prst="rect">
             <a:avLst/>
@@ -7840,28 +8587,8 @@
                 <a:ea typeface="+mj-ea"/>
                 <a:cs typeface="+mj-cs"/>
               </a:rPr>
-              <a:t>Portafolio de Servicios</a:t>
-            </a:r>
-            <a:endParaRPr kumimoji="0" lang="es-CO" sz="2400" i="1" u="none" strike="noStrike" kern="1200" cap="none" spc="0" normalizeH="0" baseline="0" noProof="0" dirty="0" smtClean="0">
-              <a:ln>
-                <a:noFill/>
-              </a:ln>
-              <a:solidFill>
-                <a:schemeClr val="tx1"/>
-              </a:solidFill>
-              <a:effectLst>
-                <a:outerShdw blurRad="38100" dist="38100" dir="2700000" algn="tl">
-                  <a:srgbClr val="000000">
-                    <a:alpha val="43137"/>
-                  </a:srgbClr>
-                </a:outerShdw>
-              </a:effectLst>
-              <a:uLnTx/>
-              <a:uFillTx/>
-              <a:latin typeface="+mj-lt"/>
-              <a:ea typeface="+mj-ea"/>
-              <a:cs typeface="+mj-cs"/>
-            </a:endParaRPr>
+              <a:t>Vista de Componentes</a:t>
+            </a:r>
           </a:p>
         </p:txBody>
       </p:sp>
@@ -7874,7 +8601,7 @@
           <p:nvPr/>
         </p:nvPicPr>
         <p:blipFill>
-          <a:blip r:embed="rId6" cstate="print"/>
+          <a:blip r:embed="rId5" cstate="print"/>
           <a:srcRect t="18338" b="30086"/>
           <a:stretch>
             <a:fillRect/>
@@ -8022,18 +8749,25 @@
           </a:fontRef>
         </p:style>
       </p:cxnSp>
-      <p:sp>
-        <p:nvSpPr>
-          <p:cNvPr id="7170" name="Rectangle 2"/>
-          <p:cNvSpPr>
-            <a:spLocks noChangeArrowheads="1"/>
-          </p:cNvSpPr>
-          <p:nvPr/>
-        </p:nvSpPr>
+      <p:pic>
+        <p:nvPicPr>
+          <p:cNvPr id="9" name="8 Imagen" descr="F:\[ECOS]\ingenium-managment\CSOF5100 Proyecto 1\Tercera Entrega\Vista de componentes.png"/>
+          <p:cNvPicPr>
+            <a:picLocks noChangeAspect="1"/>
+          </p:cNvPicPr>
+          <p:nvPr/>
+        </p:nvPicPr>
+        <p:blipFill>
+          <a:blip r:embed="rId6"/>
+          <a:srcRect/>
+          <a:stretch>
+            <a:fillRect/>
+          </a:stretch>
+        </p:blipFill>
         <p:spPr bwMode="auto">
           <a:xfrm>
-            <a:off x="0" y="0"/>
-            <a:ext cx="9144000" cy="0"/>
+            <a:off x="2428860" y="1214422"/>
+            <a:ext cx="6645038" cy="5500726"/>
           </a:xfrm>
           <a:prstGeom prst="rect">
             <a:avLst/>
@@ -8045,50 +8779,384 @@
             <a:headEnd/>
             <a:tailEnd/>
           </a:ln>
-          <a:effectLst/>
-        </p:spPr>
-        <p:txBody>
-          <a:bodyPr vert="horz" wrap="none" lIns="91440" tIns="45720" rIns="91440" bIns="45720" numCol="1" anchor="ctr" anchorCtr="0" compatLnSpc="1">
-            <a:prstTxWarp prst="textNoShape">
-              <a:avLst/>
-            </a:prstTxWarp>
-            <a:spAutoFit/>
-          </a:bodyPr>
-          <a:lstStyle/>
-          <a:p>
-            <a:endParaRPr lang="es-CO"/>
-          </a:p>
-        </p:txBody>
-      </p:sp>
-      <p:graphicFrame>
-        <p:nvGraphicFramePr>
-          <p:cNvPr id="7169" name="Object 1"/>
-          <p:cNvGraphicFramePr>
-            <a:graphicFrameLocks noChangeAspect="1"/>
-          </p:cNvGraphicFramePr>
-          <p:nvPr/>
-        </p:nvGraphicFramePr>
-        <p:xfrm>
-          <a:off x="2357422" y="1001077"/>
-          <a:ext cx="5357850" cy="5785509"/>
-        </p:xfrm>
-        <a:graphic>
-          <a:graphicData uri="http://schemas.openxmlformats.org/presentationml/2006/ole">
-            <p:oleObj spid="_x0000_s7169" name="Visio" r:id="rId7" imgW="9034758" imgH="9754681" progId="Visio.Drawing.11">
-              <p:embed/>
-            </p:oleObj>
-          </a:graphicData>
-        </a:graphic>
-      </p:graphicFrame>
+        </p:spPr>
+      </p:pic>
+      <p:sp>
+        <p:nvSpPr>
+          <p:cNvPr id="11" name="10 Flecha a la derecha con muesca"/>
+          <p:cNvSpPr/>
+          <p:nvPr/>
+        </p:nvSpPr>
+        <p:spPr>
+          <a:xfrm>
+            <a:off x="32490" y="2428868"/>
+            <a:ext cx="1824866" cy="540000"/>
+          </a:xfrm>
+          <a:prstGeom prst="notchedRightArrow">
+            <a:avLst>
+              <a:gd name="adj1" fmla="val 50000"/>
+              <a:gd name="adj2" fmla="val 79046"/>
+            </a:avLst>
+          </a:prstGeom>
+        </p:spPr>
+        <p:style>
+          <a:lnRef idx="1">
+            <a:schemeClr val="accent1"/>
+          </a:lnRef>
+          <a:fillRef idx="2">
+            <a:schemeClr val="accent1"/>
+          </a:fillRef>
+          <a:effectRef idx="1">
+            <a:schemeClr val="accent1"/>
+          </a:effectRef>
+          <a:fontRef idx="minor">
+            <a:schemeClr val="dk1"/>
+          </a:fontRef>
+        </p:style>
+        <p:txBody>
+          <a:bodyPr rtlCol="0" anchor="ctr"/>
+          <a:lstStyle/>
+          <a:p>
+            <a:r>
+              <a:rPr lang="es-CO" sz="800" b="1" dirty="0" smtClean="0">
+                <a:effectLst>
+                  <a:outerShdw blurRad="38100" dist="38100" dir="2700000" algn="tl">
+                    <a:srgbClr val="000000">
+                      <a:alpha val="43137"/>
+                    </a:srgbClr>
+                  </a:outerShdw>
+                </a:effectLst>
+              </a:rPr>
+              <a:t>PQRS</a:t>
+            </a:r>
+            <a:endParaRPr lang="es-CO" sz="800" b="1" dirty="0">
+              <a:effectLst>
+                <a:outerShdw blurRad="38100" dist="38100" dir="2700000" algn="tl">
+                  <a:srgbClr val="000000">
+                    <a:alpha val="43137"/>
+                  </a:srgbClr>
+                </a:outerShdw>
+              </a:effectLst>
+            </a:endParaRPr>
+          </a:p>
+        </p:txBody>
+      </p:sp>
+      <p:sp>
+        <p:nvSpPr>
+          <p:cNvPr id="13" name="12 Flecha a la derecha con muesca"/>
+          <p:cNvSpPr/>
+          <p:nvPr/>
+        </p:nvSpPr>
+        <p:spPr>
+          <a:xfrm>
+            <a:off x="389680" y="3000372"/>
+            <a:ext cx="1824866" cy="540000"/>
+          </a:xfrm>
+          <a:prstGeom prst="notchedRightArrow">
+            <a:avLst>
+              <a:gd name="adj1" fmla="val 50000"/>
+              <a:gd name="adj2" fmla="val 79046"/>
+            </a:avLst>
+          </a:prstGeom>
+        </p:spPr>
+        <p:style>
+          <a:lnRef idx="1">
+            <a:schemeClr val="accent1"/>
+          </a:lnRef>
+          <a:fillRef idx="2">
+            <a:schemeClr val="accent1"/>
+          </a:fillRef>
+          <a:effectRef idx="1">
+            <a:schemeClr val="accent1"/>
+          </a:effectRef>
+          <a:fontRef idx="minor">
+            <a:schemeClr val="dk1"/>
+          </a:fontRef>
+        </p:style>
+        <p:txBody>
+          <a:bodyPr rtlCol="0" anchor="ctr"/>
+          <a:lstStyle/>
+          <a:p>
+            <a:r>
+              <a:rPr lang="es-CO" sz="800" b="1" dirty="0" smtClean="0">
+                <a:effectLst>
+                  <a:outerShdw blurRad="38100" dist="38100" dir="2700000" algn="tl">
+                    <a:srgbClr val="000000">
+                      <a:alpha val="43137"/>
+                    </a:srgbClr>
+                  </a:outerShdw>
+                </a:effectLst>
+              </a:rPr>
+              <a:t>Pagos Online</a:t>
+            </a:r>
+            <a:endParaRPr lang="es-CO" sz="800" b="1" dirty="0">
+              <a:effectLst>
+                <a:outerShdw blurRad="38100" dist="38100" dir="2700000" algn="tl">
+                  <a:srgbClr val="000000">
+                    <a:alpha val="43137"/>
+                  </a:srgbClr>
+                </a:outerShdw>
+              </a:effectLst>
+            </a:endParaRPr>
+          </a:p>
+        </p:txBody>
+      </p:sp>
+      <p:sp>
+        <p:nvSpPr>
+          <p:cNvPr id="15" name="14 Flecha a la derecha con muesca"/>
+          <p:cNvSpPr/>
+          <p:nvPr/>
+        </p:nvSpPr>
+        <p:spPr>
+          <a:xfrm>
+            <a:off x="32490" y="3500438"/>
+            <a:ext cx="1824866" cy="540000"/>
+          </a:xfrm>
+          <a:prstGeom prst="notchedRightArrow">
+            <a:avLst>
+              <a:gd name="adj1" fmla="val 59540"/>
+              <a:gd name="adj2" fmla="val 79046"/>
+            </a:avLst>
+          </a:prstGeom>
+        </p:spPr>
+        <p:style>
+          <a:lnRef idx="1">
+            <a:schemeClr val="accent1"/>
+          </a:lnRef>
+          <a:fillRef idx="2">
+            <a:schemeClr val="accent1"/>
+          </a:fillRef>
+          <a:effectRef idx="1">
+            <a:schemeClr val="accent1"/>
+          </a:effectRef>
+          <a:fontRef idx="minor">
+            <a:schemeClr val="dk1"/>
+          </a:fontRef>
+        </p:style>
+        <p:txBody>
+          <a:bodyPr rtlCol="0" anchor="ctr"/>
+          <a:lstStyle/>
+          <a:p>
+            <a:r>
+              <a:rPr lang="es-CO" sz="800" b="1" dirty="0" smtClean="0">
+                <a:effectLst>
+                  <a:outerShdw blurRad="38100" dist="38100" dir="2700000" algn="tl">
+                    <a:srgbClr val="000000">
+                      <a:alpha val="43137"/>
+                    </a:srgbClr>
+                  </a:outerShdw>
+                </a:effectLst>
+              </a:rPr>
+              <a:t>Comunicación entre entidades</a:t>
+            </a:r>
+            <a:endParaRPr lang="es-CO" sz="800" b="1" dirty="0">
+              <a:effectLst>
+                <a:outerShdw blurRad="38100" dist="38100" dir="2700000" algn="tl">
+                  <a:srgbClr val="000000">
+                    <a:alpha val="43137"/>
+                  </a:srgbClr>
+                </a:outerShdw>
+              </a:effectLst>
+            </a:endParaRPr>
+          </a:p>
+        </p:txBody>
+      </p:sp>
+      <p:sp>
+        <p:nvSpPr>
+          <p:cNvPr id="16" name="15 Flecha a la derecha con muesca"/>
+          <p:cNvSpPr/>
+          <p:nvPr/>
+        </p:nvSpPr>
+        <p:spPr>
+          <a:xfrm>
+            <a:off x="461118" y="4000504"/>
+            <a:ext cx="1824866" cy="540000"/>
+          </a:xfrm>
+          <a:prstGeom prst="notchedRightArrow">
+            <a:avLst>
+              <a:gd name="adj1" fmla="val 50000"/>
+              <a:gd name="adj2" fmla="val 79046"/>
+            </a:avLst>
+          </a:prstGeom>
+        </p:spPr>
+        <p:style>
+          <a:lnRef idx="1">
+            <a:schemeClr val="accent1"/>
+          </a:lnRef>
+          <a:fillRef idx="2">
+            <a:schemeClr val="accent1"/>
+          </a:fillRef>
+          <a:effectRef idx="1">
+            <a:schemeClr val="accent1"/>
+          </a:effectRef>
+          <a:fontRef idx="minor">
+            <a:schemeClr val="dk1"/>
+          </a:fontRef>
+        </p:style>
+        <p:txBody>
+          <a:bodyPr rtlCol="0" anchor="ctr"/>
+          <a:lstStyle/>
+          <a:p>
+            <a:r>
+              <a:rPr lang="es-CO" sz="800" b="1" dirty="0" smtClean="0">
+                <a:effectLst>
+                  <a:outerShdw blurRad="38100" dist="38100" dir="2700000" algn="tl">
+                    <a:srgbClr val="000000">
+                      <a:alpha val="43137"/>
+                    </a:srgbClr>
+                  </a:outerShdw>
+                </a:effectLst>
+              </a:rPr>
+              <a:t>Fabricantes Preferentes</a:t>
+            </a:r>
+            <a:endParaRPr lang="es-CO" sz="800" b="1" dirty="0">
+              <a:effectLst>
+                <a:outerShdw blurRad="38100" dist="38100" dir="2700000" algn="tl">
+                  <a:srgbClr val="000000">
+                    <a:alpha val="43137"/>
+                  </a:srgbClr>
+                </a:outerShdw>
+              </a:effectLst>
+            </a:endParaRPr>
+          </a:p>
+        </p:txBody>
+      </p:sp>
+      <p:sp>
+        <p:nvSpPr>
+          <p:cNvPr id="17" name="16 Flecha a la derecha con muesca"/>
+          <p:cNvSpPr/>
+          <p:nvPr/>
+        </p:nvSpPr>
+        <p:spPr>
+          <a:xfrm>
+            <a:off x="32490" y="4500570"/>
+            <a:ext cx="1824866" cy="540000"/>
+          </a:xfrm>
+          <a:prstGeom prst="notchedRightArrow">
+            <a:avLst>
+              <a:gd name="adj1" fmla="val 50000"/>
+              <a:gd name="adj2" fmla="val 79046"/>
+            </a:avLst>
+          </a:prstGeom>
+        </p:spPr>
+        <p:style>
+          <a:lnRef idx="1">
+            <a:schemeClr val="accent1"/>
+          </a:lnRef>
+          <a:fillRef idx="2">
+            <a:schemeClr val="accent1"/>
+          </a:fillRef>
+          <a:effectRef idx="1">
+            <a:schemeClr val="accent1"/>
+          </a:effectRef>
+          <a:fontRef idx="minor">
+            <a:schemeClr val="dk1"/>
+          </a:fontRef>
+        </p:style>
+        <p:txBody>
+          <a:bodyPr rtlCol="0" anchor="ctr"/>
+          <a:lstStyle/>
+          <a:p>
+            <a:r>
+              <a:rPr lang="es-CO" sz="800" b="1" dirty="0" smtClean="0">
+                <a:effectLst>
+                  <a:outerShdw blurRad="38100" dist="38100" dir="2700000" algn="tl">
+                    <a:srgbClr val="000000">
+                      <a:alpha val="43137"/>
+                    </a:srgbClr>
+                  </a:outerShdw>
+                </a:effectLst>
+              </a:rPr>
+              <a:t>Vista 360°</a:t>
+            </a:r>
+            <a:endParaRPr lang="es-CO" sz="800" b="1" dirty="0">
+              <a:effectLst>
+                <a:outerShdw blurRad="38100" dist="38100" dir="2700000" algn="tl">
+                  <a:srgbClr val="000000">
+                    <a:alpha val="43137"/>
+                  </a:srgbClr>
+                </a:outerShdw>
+              </a:effectLst>
+            </a:endParaRPr>
+          </a:p>
+        </p:txBody>
+      </p:sp>
+      <p:sp>
+        <p:nvSpPr>
+          <p:cNvPr id="18" name="17 Flecha a la derecha con muesca"/>
+          <p:cNvSpPr/>
+          <p:nvPr/>
+        </p:nvSpPr>
+        <p:spPr>
+          <a:xfrm>
+            <a:off x="389680" y="5000636"/>
+            <a:ext cx="1824866" cy="540000"/>
+          </a:xfrm>
+          <a:prstGeom prst="notchedRightArrow">
+            <a:avLst>
+              <a:gd name="adj1" fmla="val 50000"/>
+              <a:gd name="adj2" fmla="val 79046"/>
+            </a:avLst>
+          </a:prstGeom>
+        </p:spPr>
+        <p:style>
+          <a:lnRef idx="1">
+            <a:schemeClr val="accent1"/>
+          </a:lnRef>
+          <a:fillRef idx="2">
+            <a:schemeClr val="accent1"/>
+          </a:fillRef>
+          <a:effectRef idx="1">
+            <a:schemeClr val="accent1"/>
+          </a:effectRef>
+          <a:fontRef idx="minor">
+            <a:schemeClr val="dk1"/>
+          </a:fontRef>
+        </p:style>
+        <p:txBody>
+          <a:bodyPr rtlCol="0" anchor="ctr"/>
+          <a:lstStyle/>
+          <a:p>
+            <a:r>
+              <a:rPr lang="es-CO" sz="800" b="1" dirty="0" smtClean="0">
+                <a:effectLst>
+                  <a:outerShdw blurRad="38100" dist="38100" dir="2700000" algn="tl">
+                    <a:srgbClr val="000000">
+                      <a:alpha val="43137"/>
+                    </a:srgbClr>
+                  </a:outerShdw>
+                </a:effectLst>
+              </a:rPr>
+              <a:t>Estándares Internacionales</a:t>
+            </a:r>
+            <a:endParaRPr lang="es-CO" sz="800" b="1" dirty="0">
+              <a:effectLst>
+                <a:outerShdw blurRad="38100" dist="38100" dir="2700000" algn="tl">
+                  <a:srgbClr val="000000">
+                    <a:alpha val="43137"/>
+                  </a:srgbClr>
+                </a:outerShdw>
+              </a:effectLst>
+            </a:endParaRPr>
+          </a:p>
+        </p:txBody>
+      </p:sp>
     </p:spTree>
   </p:cSld>
   <p:clrMapOvr>
     <a:masterClrMapping/>
   </p:clrMapOvr>
+  <p:timing>
+    <p:tnLst>
+      <p:par>
+        <p:cTn id="1" dur="indefinite" restart="never" nodeType="tmRoot"/>
+      </p:par>
+    </p:tnLst>
+  </p:timing>
 </p:sld>
 </file>
 
-<file path=ppt/slides/slide9.xml><?xml version="1.0" encoding="utf-8"?>
+<file path=ppt/slides/slide8.xml><?xml version="1.0" encoding="utf-8"?>
 <p:sld xmlns:a="http://schemas.openxmlformats.org/drawingml/2006/main" xmlns:r="http://schemas.openxmlformats.org/officeDocument/2006/relationships" xmlns:p="http://schemas.openxmlformats.org/presentationml/2006/main">
   <p:cSld>
     <p:spTree>
@@ -8198,7 +9266,7 @@
         <p:spPr>
           <a:xfrm>
             <a:off x="457200" y="928670"/>
-            <a:ext cx="2043098" cy="857256"/>
+            <a:ext cx="2757478" cy="928694"/>
           </a:xfrm>
           <a:prstGeom prst="rect">
             <a:avLst/>
@@ -8248,74 +9316,8 @@
                 <a:ea typeface="+mj-ea"/>
                 <a:cs typeface="+mj-cs"/>
               </a:rPr>
-              <a:t>Blue </a:t>
-            </a:r>
-            <a:r>
-              <a:rPr kumimoji="0" lang="es-CO" sz="2400" i="1" u="none" strike="noStrike" kern="1200" cap="none" spc="0" normalizeH="0" baseline="0" noProof="0" dirty="0" err="1" smtClean="0">
-                <a:ln>
-                  <a:noFill/>
-                </a:ln>
-                <a:solidFill>
-                  <a:schemeClr val="tx1"/>
-                </a:solidFill>
-                <a:effectLst>
-                  <a:outerShdw blurRad="38100" dist="38100" dir="2700000" algn="tl">
-                    <a:srgbClr val="000000">
-                      <a:alpha val="43137"/>
-                    </a:srgbClr>
-                  </a:outerShdw>
-                </a:effectLst>
-                <a:uLnTx/>
-                <a:uFillTx/>
-                <a:latin typeface="+mj-lt"/>
-                <a:ea typeface="+mj-ea"/>
-                <a:cs typeface="+mj-cs"/>
-              </a:rPr>
-              <a:t>Print</a:t>
-            </a:r>
-            <a:r>
-              <a:rPr kumimoji="0" lang="es-CO" sz="2400" i="1" u="none" strike="noStrike" kern="1200" cap="none" spc="0" normalizeH="0" noProof="0" dirty="0" smtClean="0">
-                <a:ln>
-                  <a:noFill/>
-                </a:ln>
-                <a:solidFill>
-                  <a:schemeClr val="tx1"/>
-                </a:solidFill>
-                <a:effectLst>
-                  <a:outerShdw blurRad="38100" dist="38100" dir="2700000" algn="tl">
-                    <a:srgbClr val="000000">
-                      <a:alpha val="43137"/>
-                    </a:srgbClr>
-                  </a:outerShdw>
-                </a:effectLst>
-                <a:uLnTx/>
-                <a:uFillTx/>
-                <a:latin typeface="+mj-lt"/>
-                <a:ea typeface="+mj-ea"/>
-                <a:cs typeface="+mj-cs"/>
-              </a:rPr>
-              <a:t> de Arquitectura</a:t>
-            </a:r>
-            <a:endParaRPr kumimoji="0" lang="es-CO" sz="2400" i="1" u="none" strike="noStrike" kern="1200" cap="none" spc="0" normalizeH="0" baseline="0" noProof="0" dirty="0" smtClean="0">
-              <a:ln>
-                <a:noFill/>
-              </a:ln>
-              <a:solidFill>
-                <a:schemeClr val="tx1"/>
-              </a:solidFill>
-              <a:effectLst>
-                <a:outerShdw blurRad="38100" dist="38100" dir="2700000" algn="tl">
-                  <a:srgbClr val="000000">
-                    <a:alpha val="43137"/>
-                  </a:srgbClr>
-                </a:outerShdw>
-              </a:effectLst>
-              <a:uLnTx/>
-              <a:uFillTx/>
-              <a:latin typeface="+mj-lt"/>
-              <a:ea typeface="+mj-ea"/>
-              <a:cs typeface="+mj-cs"/>
-            </a:endParaRPr>
+              <a:t>Vista de Seguridad</a:t>
+            </a:r>
           </a:p>
         </p:txBody>
       </p:sp>
@@ -8485,18 +9487,7 @@
           <p:nvPr/>
         </p:nvPicPr>
         <p:blipFill>
-          <a:blip r:embed="rId6" cstate="print">
-            <a:clrChange>
-              <a:clrFrom>
-                <a:srgbClr val="2C9DC8"/>
-              </a:clrFrom>
-              <a:clrTo>
-                <a:srgbClr val="2C9DC8">
-                  <a:alpha val="0"/>
-                </a:srgbClr>
-              </a:clrTo>
-            </a:clrChange>
-          </a:blip>
+          <a:blip r:embed="rId6" cstate="print"/>
           <a:srcRect/>
           <a:stretch>
             <a:fillRect/>
@@ -8504,8 +9495,8 @@
         </p:blipFill>
         <p:spPr bwMode="auto">
           <a:xfrm>
-            <a:off x="2714612" y="1000108"/>
-            <a:ext cx="5715040" cy="5715040"/>
+            <a:off x="3654860" y="1357298"/>
+            <a:ext cx="4631916" cy="5384602"/>
           </a:xfrm>
           <a:prstGeom prst="rect">
             <a:avLst/>
@@ -8519,11 +9510,773 @@
           </a:ln>
         </p:spPr>
       </p:pic>
+      <p:sp>
+        <p:nvSpPr>
+          <p:cNvPr id="11" name="10 Flecha a la derecha con muesca"/>
+          <p:cNvSpPr/>
+          <p:nvPr/>
+        </p:nvSpPr>
+        <p:spPr>
+          <a:xfrm>
+            <a:off x="142844" y="2500306"/>
+            <a:ext cx="1824866" cy="540000"/>
+          </a:xfrm>
+          <a:prstGeom prst="notchedRightArrow">
+            <a:avLst>
+              <a:gd name="adj1" fmla="val 50000"/>
+              <a:gd name="adj2" fmla="val 79046"/>
+            </a:avLst>
+          </a:prstGeom>
+        </p:spPr>
+        <p:style>
+          <a:lnRef idx="1">
+            <a:schemeClr val="accent1"/>
+          </a:lnRef>
+          <a:fillRef idx="2">
+            <a:schemeClr val="accent1"/>
+          </a:fillRef>
+          <a:effectRef idx="1">
+            <a:schemeClr val="accent1"/>
+          </a:effectRef>
+          <a:fontRef idx="minor">
+            <a:schemeClr val="dk1"/>
+          </a:fontRef>
+        </p:style>
+        <p:txBody>
+          <a:bodyPr rtlCol="0" anchor="ctr"/>
+          <a:lstStyle/>
+          <a:p>
+            <a:r>
+              <a:rPr lang="es-CO" sz="800" b="1" dirty="0" smtClean="0">
+                <a:effectLst>
+                  <a:outerShdw blurRad="38100" dist="38100" dir="2700000" algn="tl">
+                    <a:srgbClr val="000000">
+                      <a:alpha val="43137"/>
+                    </a:srgbClr>
+                  </a:outerShdw>
+                </a:effectLst>
+              </a:rPr>
+              <a:t>PQRS</a:t>
+            </a:r>
+            <a:endParaRPr lang="es-CO" sz="800" b="1" dirty="0">
+              <a:effectLst>
+                <a:outerShdw blurRad="38100" dist="38100" dir="2700000" algn="tl">
+                  <a:srgbClr val="000000">
+                    <a:alpha val="43137"/>
+                  </a:srgbClr>
+                </a:outerShdw>
+              </a:effectLst>
+            </a:endParaRPr>
+          </a:p>
+        </p:txBody>
+      </p:sp>
+      <p:sp>
+        <p:nvSpPr>
+          <p:cNvPr id="13" name="12 Flecha a la derecha con muesca"/>
+          <p:cNvSpPr/>
+          <p:nvPr/>
+        </p:nvSpPr>
+        <p:spPr>
+          <a:xfrm>
+            <a:off x="500034" y="3071810"/>
+            <a:ext cx="1824866" cy="540000"/>
+          </a:xfrm>
+          <a:prstGeom prst="notchedRightArrow">
+            <a:avLst>
+              <a:gd name="adj1" fmla="val 50000"/>
+              <a:gd name="adj2" fmla="val 79046"/>
+            </a:avLst>
+          </a:prstGeom>
+        </p:spPr>
+        <p:style>
+          <a:lnRef idx="1">
+            <a:schemeClr val="accent1"/>
+          </a:lnRef>
+          <a:fillRef idx="2">
+            <a:schemeClr val="accent1"/>
+          </a:fillRef>
+          <a:effectRef idx="1">
+            <a:schemeClr val="accent1"/>
+          </a:effectRef>
+          <a:fontRef idx="minor">
+            <a:schemeClr val="dk1"/>
+          </a:fontRef>
+        </p:style>
+        <p:txBody>
+          <a:bodyPr rtlCol="0" anchor="ctr"/>
+          <a:lstStyle/>
+          <a:p>
+            <a:r>
+              <a:rPr lang="es-CO" sz="800" b="1" dirty="0" smtClean="0">
+                <a:effectLst>
+                  <a:outerShdw blurRad="38100" dist="38100" dir="2700000" algn="tl">
+                    <a:srgbClr val="000000">
+                      <a:alpha val="43137"/>
+                    </a:srgbClr>
+                  </a:outerShdw>
+                </a:effectLst>
+              </a:rPr>
+              <a:t>Pagos Online</a:t>
+            </a:r>
+            <a:endParaRPr lang="es-CO" sz="800" b="1" dirty="0">
+              <a:effectLst>
+                <a:outerShdw blurRad="38100" dist="38100" dir="2700000" algn="tl">
+                  <a:srgbClr val="000000">
+                    <a:alpha val="43137"/>
+                  </a:srgbClr>
+                </a:outerShdw>
+              </a:effectLst>
+            </a:endParaRPr>
+          </a:p>
+        </p:txBody>
+      </p:sp>
+      <p:sp>
+        <p:nvSpPr>
+          <p:cNvPr id="15" name="14 Flecha a la derecha con muesca"/>
+          <p:cNvSpPr/>
+          <p:nvPr/>
+        </p:nvSpPr>
+        <p:spPr>
+          <a:xfrm>
+            <a:off x="142844" y="3571876"/>
+            <a:ext cx="1824866" cy="540000"/>
+          </a:xfrm>
+          <a:prstGeom prst="notchedRightArrow">
+            <a:avLst>
+              <a:gd name="adj1" fmla="val 59540"/>
+              <a:gd name="adj2" fmla="val 79046"/>
+            </a:avLst>
+          </a:prstGeom>
+        </p:spPr>
+        <p:style>
+          <a:lnRef idx="1">
+            <a:schemeClr val="accent1"/>
+          </a:lnRef>
+          <a:fillRef idx="2">
+            <a:schemeClr val="accent1"/>
+          </a:fillRef>
+          <a:effectRef idx="1">
+            <a:schemeClr val="accent1"/>
+          </a:effectRef>
+          <a:fontRef idx="minor">
+            <a:schemeClr val="dk1"/>
+          </a:fontRef>
+        </p:style>
+        <p:txBody>
+          <a:bodyPr rtlCol="0" anchor="ctr"/>
+          <a:lstStyle/>
+          <a:p>
+            <a:r>
+              <a:rPr lang="es-CO" sz="800" b="1" dirty="0" smtClean="0">
+                <a:effectLst>
+                  <a:outerShdw blurRad="38100" dist="38100" dir="2700000" algn="tl">
+                    <a:srgbClr val="000000">
+                      <a:alpha val="43137"/>
+                    </a:srgbClr>
+                  </a:outerShdw>
+                </a:effectLst>
+              </a:rPr>
+              <a:t>Comunicación entre entidades</a:t>
+            </a:r>
+            <a:endParaRPr lang="es-CO" sz="800" b="1" dirty="0">
+              <a:effectLst>
+                <a:outerShdw blurRad="38100" dist="38100" dir="2700000" algn="tl">
+                  <a:srgbClr val="000000">
+                    <a:alpha val="43137"/>
+                  </a:srgbClr>
+                </a:outerShdw>
+              </a:effectLst>
+            </a:endParaRPr>
+          </a:p>
+        </p:txBody>
+      </p:sp>
+      <p:sp>
+        <p:nvSpPr>
+          <p:cNvPr id="16" name="15 Flecha a la derecha con muesca"/>
+          <p:cNvSpPr/>
+          <p:nvPr/>
+        </p:nvSpPr>
+        <p:spPr>
+          <a:xfrm>
+            <a:off x="571472" y="4071942"/>
+            <a:ext cx="1824866" cy="540000"/>
+          </a:xfrm>
+          <a:prstGeom prst="notchedRightArrow">
+            <a:avLst>
+              <a:gd name="adj1" fmla="val 50000"/>
+              <a:gd name="adj2" fmla="val 79046"/>
+            </a:avLst>
+          </a:prstGeom>
+        </p:spPr>
+        <p:style>
+          <a:lnRef idx="1">
+            <a:schemeClr val="accent1"/>
+          </a:lnRef>
+          <a:fillRef idx="2">
+            <a:schemeClr val="accent1"/>
+          </a:fillRef>
+          <a:effectRef idx="1">
+            <a:schemeClr val="accent1"/>
+          </a:effectRef>
+          <a:fontRef idx="minor">
+            <a:schemeClr val="dk1"/>
+          </a:fontRef>
+        </p:style>
+        <p:txBody>
+          <a:bodyPr rtlCol="0" anchor="ctr"/>
+          <a:lstStyle/>
+          <a:p>
+            <a:r>
+              <a:rPr lang="es-CO" sz="800" b="1" dirty="0" smtClean="0">
+                <a:effectLst>
+                  <a:outerShdw blurRad="38100" dist="38100" dir="2700000" algn="tl">
+                    <a:srgbClr val="000000">
+                      <a:alpha val="43137"/>
+                    </a:srgbClr>
+                  </a:outerShdw>
+                </a:effectLst>
+              </a:rPr>
+              <a:t>Fabricantes Preferentes</a:t>
+            </a:r>
+            <a:endParaRPr lang="es-CO" sz="800" b="1" dirty="0">
+              <a:effectLst>
+                <a:outerShdw blurRad="38100" dist="38100" dir="2700000" algn="tl">
+                  <a:srgbClr val="000000">
+                    <a:alpha val="43137"/>
+                  </a:srgbClr>
+                </a:outerShdw>
+              </a:effectLst>
+            </a:endParaRPr>
+          </a:p>
+        </p:txBody>
+      </p:sp>
+      <p:sp>
+        <p:nvSpPr>
+          <p:cNvPr id="17" name="16 Flecha a la derecha con muesca"/>
+          <p:cNvSpPr/>
+          <p:nvPr/>
+        </p:nvSpPr>
+        <p:spPr>
+          <a:xfrm>
+            <a:off x="142844" y="4572008"/>
+            <a:ext cx="1824866" cy="540000"/>
+          </a:xfrm>
+          <a:prstGeom prst="notchedRightArrow">
+            <a:avLst>
+              <a:gd name="adj1" fmla="val 50000"/>
+              <a:gd name="adj2" fmla="val 79046"/>
+            </a:avLst>
+          </a:prstGeom>
+        </p:spPr>
+        <p:style>
+          <a:lnRef idx="1">
+            <a:schemeClr val="accent1"/>
+          </a:lnRef>
+          <a:fillRef idx="2">
+            <a:schemeClr val="accent1"/>
+          </a:fillRef>
+          <a:effectRef idx="1">
+            <a:schemeClr val="accent1"/>
+          </a:effectRef>
+          <a:fontRef idx="minor">
+            <a:schemeClr val="dk1"/>
+          </a:fontRef>
+        </p:style>
+        <p:txBody>
+          <a:bodyPr rtlCol="0" anchor="ctr"/>
+          <a:lstStyle/>
+          <a:p>
+            <a:r>
+              <a:rPr lang="es-CO" sz="800" b="1" dirty="0" smtClean="0">
+                <a:effectLst>
+                  <a:outerShdw blurRad="38100" dist="38100" dir="2700000" algn="tl">
+                    <a:srgbClr val="000000">
+                      <a:alpha val="43137"/>
+                    </a:srgbClr>
+                  </a:outerShdw>
+                </a:effectLst>
+              </a:rPr>
+              <a:t>Vista 360°</a:t>
+            </a:r>
+            <a:endParaRPr lang="es-CO" sz="800" b="1" dirty="0">
+              <a:effectLst>
+                <a:outerShdw blurRad="38100" dist="38100" dir="2700000" algn="tl">
+                  <a:srgbClr val="000000">
+                    <a:alpha val="43137"/>
+                  </a:srgbClr>
+                </a:outerShdw>
+              </a:effectLst>
+            </a:endParaRPr>
+          </a:p>
+        </p:txBody>
+      </p:sp>
+      <p:sp>
+        <p:nvSpPr>
+          <p:cNvPr id="18" name="17 Flecha a la derecha con muesca"/>
+          <p:cNvSpPr/>
+          <p:nvPr/>
+        </p:nvSpPr>
+        <p:spPr>
+          <a:xfrm>
+            <a:off x="500034" y="5072074"/>
+            <a:ext cx="1824866" cy="540000"/>
+          </a:xfrm>
+          <a:prstGeom prst="notchedRightArrow">
+            <a:avLst>
+              <a:gd name="adj1" fmla="val 50000"/>
+              <a:gd name="adj2" fmla="val 79046"/>
+            </a:avLst>
+          </a:prstGeom>
+        </p:spPr>
+        <p:style>
+          <a:lnRef idx="1">
+            <a:schemeClr val="accent1"/>
+          </a:lnRef>
+          <a:fillRef idx="2">
+            <a:schemeClr val="accent1"/>
+          </a:fillRef>
+          <a:effectRef idx="1">
+            <a:schemeClr val="accent1"/>
+          </a:effectRef>
+          <a:fontRef idx="minor">
+            <a:schemeClr val="dk1"/>
+          </a:fontRef>
+        </p:style>
+        <p:txBody>
+          <a:bodyPr rtlCol="0" anchor="ctr"/>
+          <a:lstStyle/>
+          <a:p>
+            <a:r>
+              <a:rPr lang="es-CO" sz="800" b="1" dirty="0" smtClean="0">
+                <a:effectLst>
+                  <a:outerShdw blurRad="38100" dist="38100" dir="2700000" algn="tl">
+                    <a:srgbClr val="000000">
+                      <a:alpha val="43137"/>
+                    </a:srgbClr>
+                  </a:outerShdw>
+                </a:effectLst>
+              </a:rPr>
+              <a:t>Estándares Internacionales</a:t>
+            </a:r>
+            <a:endParaRPr lang="es-CO" sz="800" b="1" dirty="0">
+              <a:effectLst>
+                <a:outerShdw blurRad="38100" dist="38100" dir="2700000" algn="tl">
+                  <a:srgbClr val="000000">
+                    <a:alpha val="43137"/>
+                  </a:srgbClr>
+                </a:outerShdw>
+              </a:effectLst>
+            </a:endParaRPr>
+          </a:p>
+        </p:txBody>
+      </p:sp>
     </p:spTree>
   </p:cSld>
   <p:clrMapOvr>
     <a:masterClrMapping/>
   </p:clrMapOvr>
+  <p:timing>
+    <p:tnLst>
+      <p:par>
+        <p:cTn id="1" dur="indefinite" restart="never" nodeType="tmRoot"/>
+      </p:par>
+    </p:tnLst>
+  </p:timing>
+</p:sld>
+</file>
+
+<file path=ppt/slides/slide9.xml><?xml version="1.0" encoding="utf-8"?>
+<p:sld xmlns:a="http://schemas.openxmlformats.org/drawingml/2006/main" xmlns:r="http://schemas.openxmlformats.org/officeDocument/2006/relationships" xmlns:p="http://schemas.openxmlformats.org/presentationml/2006/main">
+  <p:cSld>
+    <p:spTree>
+      <p:nvGrpSpPr>
+        <p:cNvPr id="1" name=""/>
+        <p:cNvGrpSpPr/>
+        <p:nvPr/>
+      </p:nvGrpSpPr>
+      <p:grpSpPr>
+        <a:xfrm>
+          <a:off x="0" y="0"/>
+          <a:ext cx="0" cy="0"/>
+          <a:chOff x="0" y="0"/>
+          <a:chExt cx="0" cy="0"/>
+        </a:xfrm>
+      </p:grpSpPr>
+      <p:pic>
+        <p:nvPicPr>
+          <p:cNvPr id="1026" name="Picture 2" descr="C:\Users\Erik\Desktop\mapamundi blank.png"/>
+          <p:cNvPicPr>
+            <a:picLocks noChangeAspect="1" noChangeArrowheads="1"/>
+          </p:cNvPicPr>
+          <p:nvPr/>
+        </p:nvPicPr>
+        <p:blipFill>
+          <a:blip r:embed="rId4" cstate="print"/>
+          <a:srcRect/>
+          <a:stretch>
+            <a:fillRect/>
+          </a:stretch>
+        </p:blipFill>
+        <p:spPr bwMode="auto">
+          <a:xfrm>
+            <a:off x="3032066" y="142852"/>
+            <a:ext cx="968430" cy="484215"/>
+          </a:xfrm>
+          <a:prstGeom prst="rect">
+            <a:avLst/>
+          </a:prstGeom>
+          <a:noFill/>
+        </p:spPr>
+      </p:pic>
+      <p:pic>
+        <p:nvPicPr>
+          <p:cNvPr id="4" name="Picture 3" descr="F:\[ECOS]\ingenium-managment\ingenium-logo.png"/>
+          <p:cNvPicPr>
+            <a:picLocks noChangeAspect="1" noChangeArrowheads="1"/>
+          </p:cNvPicPr>
+          <p:nvPr/>
+        </p:nvPicPr>
+        <p:blipFill>
+          <a:blip r:embed="rId5"/>
+          <a:srcRect/>
+          <a:stretch>
+            <a:fillRect/>
+          </a:stretch>
+        </p:blipFill>
+        <p:spPr bwMode="auto">
+          <a:xfrm>
+            <a:off x="6786578" y="142852"/>
+            <a:ext cx="2119306" cy="709748"/>
+          </a:xfrm>
+          <a:prstGeom prst="rect">
+            <a:avLst/>
+          </a:prstGeom>
+          <a:noFill/>
+        </p:spPr>
+      </p:pic>
+      <p:cxnSp>
+        <p:nvCxnSpPr>
+          <p:cNvPr id="7" name="6 Conector recto"/>
+          <p:cNvCxnSpPr/>
+          <p:nvPr/>
+        </p:nvCxnSpPr>
+        <p:spPr>
+          <a:xfrm>
+            <a:off x="504000" y="855644"/>
+            <a:ext cx="8640000" cy="1588"/>
+          </a:xfrm>
+          <a:prstGeom prst="line">
+            <a:avLst/>
+          </a:prstGeom>
+        </p:spPr>
+        <p:style>
+          <a:lnRef idx="3">
+            <a:schemeClr val="accent6"/>
+          </a:lnRef>
+          <a:fillRef idx="0">
+            <a:schemeClr val="accent6"/>
+          </a:fillRef>
+          <a:effectRef idx="2">
+            <a:schemeClr val="accent6"/>
+          </a:effectRef>
+          <a:fontRef idx="minor">
+            <a:schemeClr val="tx1"/>
+          </a:fontRef>
+        </p:style>
+      </p:cxnSp>
+      <p:sp>
+        <p:nvSpPr>
+          <p:cNvPr id="6" name="8 Título"/>
+          <p:cNvSpPr txBox="1">
+            <a:spLocks/>
+          </p:cNvSpPr>
+          <p:nvPr/>
+        </p:nvSpPr>
+        <p:spPr>
+          <a:xfrm>
+            <a:off x="457200" y="928670"/>
+            <a:ext cx="1685908" cy="928694"/>
+          </a:xfrm>
+          <a:prstGeom prst="rect">
+            <a:avLst/>
+          </a:prstGeom>
+        </p:spPr>
+        <p:txBody>
+          <a:bodyPr vert="horz" lIns="91440" tIns="45720" rIns="91440" bIns="45720" rtlCol="0" anchor="t">
+            <a:noAutofit/>
+          </a:bodyPr>
+          <a:lstStyle/>
+          <a:p>
+            <a:pPr marL="0" marR="0" lvl="0" indent="0" algn="l" defTabSz="914400" rtl="0" eaLnBrk="1" fontAlgn="auto" latinLnBrk="0" hangingPunct="1">
+              <a:lnSpc>
+                <a:spcPct val="100000"/>
+              </a:lnSpc>
+              <a:spcBef>
+                <a:spcPct val="0"/>
+              </a:spcBef>
+              <a:spcAft>
+                <a:spcPts val="0"/>
+              </a:spcAft>
+              <a:buClrTx/>
+              <a:buSzTx/>
+              <a:buFontTx/>
+              <a:buNone/>
+              <a:tabLst/>
+              <a:defRPr/>
+            </a:pPr>
+            <a:r>
+              <a:rPr kumimoji="0" lang="es-CO" sz="2400" i="1" u="none" strike="noStrike" kern="1200" cap="none" spc="0" normalizeH="0" baseline="0" noProof="0" dirty="0" smtClean="0">
+                <a:ln>
+                  <a:noFill/>
+                </a:ln>
+                <a:solidFill>
+                  <a:schemeClr val="tx1"/>
+                </a:solidFill>
+                <a:effectLst>
+                  <a:outerShdw blurRad="38100" dist="38100" dir="2700000" algn="tl">
+                    <a:srgbClr val="000000">
+                      <a:alpha val="43137"/>
+                    </a:srgbClr>
+                  </a:outerShdw>
+                </a:effectLst>
+                <a:uLnTx/>
+                <a:uFillTx/>
+                <a:latin typeface="+mj-lt"/>
+                <a:ea typeface="+mj-ea"/>
+                <a:cs typeface="+mj-cs"/>
+              </a:rPr>
+              <a:t>Portafolio de Servicios</a:t>
+            </a:r>
+          </a:p>
+        </p:txBody>
+      </p:sp>
+      <p:pic>
+        <p:nvPicPr>
+          <p:cNvPr id="10" name="9 Imagen"/>
+          <p:cNvPicPr>
+            <a:picLocks noChangeAspect="1"/>
+          </p:cNvPicPr>
+          <p:nvPr/>
+        </p:nvPicPr>
+        <p:blipFill>
+          <a:blip r:embed="rId6" cstate="print"/>
+          <a:srcRect t="18338" b="30086"/>
+          <a:stretch>
+            <a:fillRect/>
+          </a:stretch>
+        </p:blipFill>
+        <p:spPr bwMode="auto">
+          <a:xfrm>
+            <a:off x="142844" y="71414"/>
+            <a:ext cx="1928826" cy="701391"/>
+          </a:xfrm>
+          <a:prstGeom prst="rect">
+            <a:avLst/>
+          </a:prstGeom>
+          <a:noFill/>
+          <a:ln w="9525">
+            <a:noFill/>
+            <a:miter lim="800000"/>
+            <a:headEnd/>
+            <a:tailEnd/>
+          </a:ln>
+        </p:spPr>
+      </p:pic>
+      <p:sp>
+        <p:nvSpPr>
+          <p:cNvPr id="12" name="11 Rectángulo"/>
+          <p:cNvSpPr/>
+          <p:nvPr/>
+        </p:nvSpPr>
+        <p:spPr>
+          <a:xfrm>
+            <a:off x="2143108" y="428604"/>
+            <a:ext cx="1714512" cy="400110"/>
+          </a:xfrm>
+          <a:prstGeom prst="rect">
+            <a:avLst/>
+          </a:prstGeom>
+          <a:noFill/>
+        </p:spPr>
+        <p:txBody>
+          <a:bodyPr wrap="square" lIns="91440" tIns="45720" rIns="91440" bIns="45720">
+            <a:spAutoFit/>
+            <a:scene3d>
+              <a:camera prst="orthographicFront"/>
+              <a:lightRig rig="soft" dir="tl">
+                <a:rot lat="0" lon="0" rev="0"/>
+              </a:lightRig>
+            </a:scene3d>
+            <a:sp3d contourW="25400" prstMaterial="matte">
+              <a:bevelT w="25400" h="55880" prst="artDeco"/>
+              <a:contourClr>
+                <a:schemeClr val="accent2">
+                  <a:tint val="20000"/>
+                </a:schemeClr>
+              </a:contourClr>
+            </a:sp3d>
+          </a:bodyPr>
+          <a:lstStyle/>
+          <a:p>
+            <a:pPr algn="ctr"/>
+            <a:r>
+              <a:rPr lang="es-ES" sz="2000" b="1" spc="50" dirty="0" smtClean="0">
+                <a:ln w="11430"/>
+                <a:gradFill>
+                  <a:gsLst>
+                    <a:gs pos="25000">
+                      <a:schemeClr val="accent2">
+                        <a:satMod val="155000"/>
+                      </a:schemeClr>
+                    </a:gs>
+                    <a:gs pos="100000">
+                      <a:schemeClr val="accent2">
+                        <a:shade val="45000"/>
+                        <a:satMod val="165000"/>
+                      </a:schemeClr>
+                    </a:gs>
+                  </a:gsLst>
+                  <a:lin ang="5400000"/>
+                </a:gradFill>
+                <a:effectLst>
+                  <a:outerShdw blurRad="76200" dist="50800" dir="5400000" algn="tl" rotWithShape="0">
+                    <a:srgbClr val="000000">
+                      <a:alpha val="65000"/>
+                    </a:srgbClr>
+                  </a:outerShdw>
+                </a:effectLst>
+              </a:rPr>
+              <a:t>Internacional</a:t>
+            </a:r>
+            <a:endParaRPr lang="es-ES" sz="2000" b="1" spc="50" dirty="0">
+              <a:ln w="11430"/>
+              <a:gradFill>
+                <a:gsLst>
+                  <a:gs pos="25000">
+                    <a:schemeClr val="accent2">
+                      <a:satMod val="155000"/>
+                    </a:schemeClr>
+                  </a:gs>
+                  <a:gs pos="100000">
+                    <a:schemeClr val="accent2">
+                      <a:shade val="45000"/>
+                      <a:satMod val="165000"/>
+                    </a:schemeClr>
+                  </a:gs>
+                </a:gsLst>
+                <a:lin ang="5400000"/>
+              </a:gradFill>
+              <a:effectLst>
+                <a:outerShdw blurRad="76200" dist="50800" dir="5400000" algn="tl" rotWithShape="0">
+                  <a:srgbClr val="000000">
+                    <a:alpha val="65000"/>
+                  </a:srgbClr>
+                </a:outerShdw>
+              </a:effectLst>
+            </a:endParaRPr>
+          </a:p>
+        </p:txBody>
+      </p:sp>
+      <p:cxnSp>
+        <p:nvCxnSpPr>
+          <p:cNvPr id="14" name="13 Conector recto"/>
+          <p:cNvCxnSpPr/>
+          <p:nvPr/>
+        </p:nvCxnSpPr>
+        <p:spPr>
+          <a:xfrm rot="5400000" flipH="1" flipV="1">
+            <a:off x="1928794" y="285728"/>
+            <a:ext cx="500066" cy="357190"/>
+          </a:xfrm>
+          <a:prstGeom prst="line">
+            <a:avLst/>
+          </a:prstGeom>
+        </p:spPr>
+        <p:style>
+          <a:lnRef idx="2">
+            <a:schemeClr val="accent2"/>
+          </a:lnRef>
+          <a:fillRef idx="0">
+            <a:schemeClr val="accent2"/>
+          </a:fillRef>
+          <a:effectRef idx="1">
+            <a:schemeClr val="accent2"/>
+          </a:effectRef>
+          <a:fontRef idx="minor">
+            <a:schemeClr val="tx1"/>
+          </a:fontRef>
+        </p:style>
+      </p:cxnSp>
+      <p:sp>
+        <p:nvSpPr>
+          <p:cNvPr id="7170" name="Rectangle 2"/>
+          <p:cNvSpPr>
+            <a:spLocks noChangeArrowheads="1"/>
+          </p:cNvSpPr>
+          <p:nvPr/>
+        </p:nvSpPr>
+        <p:spPr bwMode="auto">
+          <a:xfrm>
+            <a:off x="0" y="0"/>
+            <a:ext cx="9144000" cy="0"/>
+          </a:xfrm>
+          <a:prstGeom prst="rect">
+            <a:avLst/>
+          </a:prstGeom>
+          <a:noFill/>
+          <a:ln w="9525">
+            <a:noFill/>
+            <a:miter lim="800000"/>
+            <a:headEnd/>
+            <a:tailEnd/>
+          </a:ln>
+          <a:effectLst/>
+        </p:spPr>
+        <p:txBody>
+          <a:bodyPr vert="horz" wrap="none" lIns="91440" tIns="45720" rIns="91440" bIns="45720" numCol="1" anchor="ctr" anchorCtr="0" compatLnSpc="1">
+            <a:prstTxWarp prst="textNoShape">
+              <a:avLst/>
+            </a:prstTxWarp>
+            <a:spAutoFit/>
+          </a:bodyPr>
+          <a:lstStyle/>
+          <a:p>
+            <a:endParaRPr lang="es-CO"/>
+          </a:p>
+        </p:txBody>
+      </p:sp>
+      <p:graphicFrame>
+        <p:nvGraphicFramePr>
+          <p:cNvPr id="7169" name="Object 1"/>
+          <p:cNvGraphicFramePr>
+            <a:graphicFrameLocks noChangeAspect="1"/>
+          </p:cNvGraphicFramePr>
+          <p:nvPr/>
+        </p:nvGraphicFramePr>
+        <p:xfrm>
+          <a:off x="2357422" y="1001077"/>
+          <a:ext cx="5357850" cy="5785509"/>
+        </p:xfrm>
+        <a:graphic>
+          <a:graphicData uri="http://schemas.openxmlformats.org/presentationml/2006/ole">
+            <p:oleObj spid="_x0000_s7169" name="Visio" r:id="rId7" imgW="9034758" imgH="9754681" progId="Visio.Drawing.11">
+              <p:embed/>
+            </p:oleObj>
+          </a:graphicData>
+        </a:graphic>
+      </p:graphicFrame>
+    </p:spTree>
+  </p:cSld>
+  <p:clrMapOvr>
+    <a:masterClrMapping/>
+  </p:clrMapOvr>
+  <p:timing>
+    <p:tnLst>
+      <p:par>
+        <p:cTn id="1" dur="indefinite" restart="never" nodeType="tmRoot"/>
+      </p:par>
+    </p:tnLst>
+  </p:timing>
 </p:sld>
 </file>
 
